--- a/sample/0_introduction.pptx
+++ b/sample/0_introduction.pptx
@@ -5,12 +5,20 @@
     <p:sldMasterId id="2147483660" r:id="rId1"/>
   </p:sldMasterIdLst>
   <p:notesMasterIdLst>
-    <p:notesMasterId r:id="rId5"/>
+    <p:notesMasterId r:id="rId13"/>
   </p:notesMasterIdLst>
   <p:sldIdLst>
     <p:sldId id="287" r:id="rId2"/>
     <p:sldId id="300" r:id="rId3"/>
     <p:sldId id="301" r:id="rId4"/>
+    <p:sldId id="302" r:id="rId5"/>
+    <p:sldId id="303" r:id="rId6"/>
+    <p:sldId id="304" r:id="rId7"/>
+    <p:sldId id="305" r:id="rId8"/>
+    <p:sldId id="306" r:id="rId9"/>
+    <p:sldId id="307" r:id="rId10"/>
+    <p:sldId id="308" r:id="rId11"/>
+    <p:sldId id="309" r:id="rId12"/>
   </p:sldIdLst>
   <p:sldSz cx="12192000" cy="6858000"/>
   <p:notesSz cx="6807200" cy="9939338"/>
@@ -4096,6 +4104,394 @@
 </p:sld>
 </file>
 
+<file path=ppt/slides/slide10.xml><?xml version="1.0" encoding="utf-8"?>
+<p:sld xmlns:a="http://schemas.openxmlformats.org/drawingml/2006/main" xmlns:r="http://schemas.openxmlformats.org/officeDocument/2006/relationships" xmlns:p="http://schemas.openxmlformats.org/presentationml/2006/main">
+  <p:cSld>
+    <p:spTree>
+      <p:nvGrpSpPr>
+        <p:cNvPr id="1" name=""/>
+        <p:cNvGrpSpPr/>
+        <p:nvPr/>
+      </p:nvGrpSpPr>
+      <p:grpSpPr>
+        <a:xfrm>
+          <a:off x="0" y="0"/>
+          <a:ext cx="0" cy="0"/>
+          <a:chOff x="0" y="0"/>
+          <a:chExt cx="0" cy="0"/>
+        </a:xfrm>
+      </p:grpSpPr>
+      <p:sp>
+        <p:nvSpPr>
+          <p:cNvPr id="2" name="タイトル 1"/>
+          <p:cNvSpPr>
+            <a:spLocks noGrp="1"/>
+          </p:cNvSpPr>
+          <p:nvPr>
+            <p:ph type="title"/>
+          </p:nvPr>
+        </p:nvSpPr>
+        <p:spPr/>
+        <p:txBody>
+          <a:bodyPr/>
+          <a:lstStyle/>
+          <a:p>
+            <a:r>
+              <a:rPr kumimoji="1" lang="en-US" altLang="ja-JP" b="1" dirty="0" err="1" smtClean="0">
+                <a:solidFill>
+                  <a:schemeClr val="tx1">
+                    <a:lumMod val="50000"/>
+                    <a:lumOff val="50000"/>
+                  </a:schemeClr>
+                </a:solidFill>
+              </a:rPr>
+              <a:t>Rstudio</a:t>
+            </a:r>
+            <a:r>
+              <a:rPr kumimoji="1" lang="en-US" altLang="ja-JP" b="1" dirty="0" smtClean="0">
+                <a:solidFill>
+                  <a:schemeClr val="tx1">
+                    <a:lumMod val="50000"/>
+                    <a:lumOff val="50000"/>
+                  </a:schemeClr>
+                </a:solidFill>
+              </a:rPr>
+              <a:t> cloud</a:t>
+            </a:r>
+            <a:endParaRPr kumimoji="1" lang="ja-JP" altLang="en-US" b="1" dirty="0">
+              <a:solidFill>
+                <a:schemeClr val="tx1">
+                  <a:lumMod val="50000"/>
+                  <a:lumOff val="50000"/>
+                </a:schemeClr>
+              </a:solidFill>
+            </a:endParaRPr>
+          </a:p>
+        </p:txBody>
+      </p:sp>
+      <p:sp>
+        <p:nvSpPr>
+          <p:cNvPr id="3" name="コンテンツ プレースホルダー 2"/>
+          <p:cNvSpPr>
+            <a:spLocks noGrp="1"/>
+          </p:cNvSpPr>
+          <p:nvPr>
+            <p:ph idx="1"/>
+          </p:nvPr>
+        </p:nvSpPr>
+        <p:spPr>
+          <a:xfrm>
+            <a:off x="838200" y="1825625"/>
+            <a:ext cx="10515600" cy="4783604"/>
+          </a:xfrm>
+        </p:spPr>
+        <p:txBody>
+          <a:bodyPr>
+            <a:normAutofit/>
+          </a:bodyPr>
+          <a:lstStyle/>
+          <a:p>
+            <a:r>
+              <a:rPr lang="ja-JP" altLang="en-US" dirty="0"/>
+              <a:t>今日</a:t>
+            </a:r>
+            <a:r>
+              <a:rPr lang="ja-JP" altLang="en-US" dirty="0" smtClean="0"/>
+              <a:t>は</a:t>
+            </a:r>
+            <a:r>
+              <a:rPr lang="en-US" altLang="ja-JP" dirty="0" err="1" smtClean="0"/>
+              <a:t>Rstudio</a:t>
+            </a:r>
+            <a:r>
+              <a:rPr lang="en-US" altLang="ja-JP" dirty="0" smtClean="0"/>
+              <a:t> cloud free</a:t>
+            </a:r>
+            <a:r>
+              <a:rPr lang="ja-JP" altLang="en-US" dirty="0" smtClean="0"/>
+              <a:t>でセミナーを行います</a:t>
+            </a:r>
+            <a:endParaRPr lang="en-US" altLang="ja-JP" dirty="0" smtClean="0"/>
+          </a:p>
+          <a:p>
+            <a:r>
+              <a:rPr kumimoji="1" lang="en-US" altLang="ja-JP" dirty="0" smtClean="0"/>
+              <a:t>15 project</a:t>
+            </a:r>
+            <a:r>
+              <a:rPr kumimoji="1" lang="ja-JP" altLang="en-US" dirty="0" err="1" smtClean="0"/>
+              <a:t>まで</a:t>
+            </a:r>
+            <a:r>
+              <a:rPr kumimoji="1" lang="ja-JP" altLang="en-US" dirty="0" smtClean="0"/>
+              <a:t>使用可能</a:t>
+            </a:r>
+            <a:endParaRPr kumimoji="1" lang="en-US" altLang="ja-JP" dirty="0" smtClean="0"/>
+          </a:p>
+          <a:p>
+            <a:r>
+              <a:rPr lang="en-US" altLang="ja-JP" dirty="0" smtClean="0"/>
+              <a:t>15 project hours per month</a:t>
+            </a:r>
+            <a:r>
+              <a:rPr lang="ja-JP" altLang="en-US" dirty="0" smtClean="0"/>
+              <a:t>の使用制限</a:t>
+            </a:r>
+            <a:endParaRPr lang="en-US" altLang="ja-JP" dirty="0" smtClean="0"/>
+          </a:p>
+          <a:p>
+            <a:r>
+              <a:rPr kumimoji="1" lang="ja-JP" altLang="en-US" dirty="0" smtClean="0"/>
+              <a:t>登録作業時間短縮のため、あらかじめ作成していただいた</a:t>
+            </a:r>
+            <a:r>
+              <a:rPr kumimoji="1" lang="en-US" altLang="ja-JP" dirty="0" smtClean="0"/>
+              <a:t/>
+            </a:r>
+            <a:br>
+              <a:rPr kumimoji="1" lang="en-US" altLang="ja-JP" dirty="0" smtClean="0"/>
+            </a:br>
+            <a:r>
+              <a:rPr kumimoji="1" lang="en-US" altLang="ja-JP" dirty="0" smtClean="0"/>
+              <a:t>Google</a:t>
+            </a:r>
+            <a:r>
+              <a:rPr kumimoji="1" lang="ja-JP" altLang="en-US" dirty="0" smtClean="0"/>
+              <a:t>アカウントでサインインしてください</a:t>
+            </a:r>
+            <a:endParaRPr kumimoji="1" lang="en-US" altLang="ja-JP" dirty="0" smtClean="0"/>
+          </a:p>
+          <a:p>
+            <a:endParaRPr lang="en-US" altLang="ja-JP" dirty="0"/>
+          </a:p>
+          <a:p>
+            <a:pPr marL="0" indent="0">
+              <a:buNone/>
+            </a:pPr>
+            <a:r>
+              <a:rPr lang="ja-JP" altLang="en-US" dirty="0" smtClean="0"/>
+              <a:t>　</a:t>
+            </a:r>
+            <a:r>
+              <a:rPr lang="en-US" altLang="ja-JP" dirty="0" smtClean="0"/>
+              <a:t>https</a:t>
+            </a:r>
+            <a:r>
+              <a:rPr lang="en-US" altLang="ja-JP" dirty="0"/>
+              <a:t>://rstudio.cloud/project/1573510</a:t>
+            </a:r>
+            <a:endParaRPr kumimoji="1" lang="en-US" altLang="ja-JP" dirty="0" smtClean="0"/>
+          </a:p>
+          <a:p>
+            <a:endParaRPr kumimoji="1" lang="en-US" altLang="ja-JP" dirty="0" smtClean="0"/>
+          </a:p>
+        </p:txBody>
+      </p:sp>
+      <p:sp>
+        <p:nvSpPr>
+          <p:cNvPr id="4" name="フッター プレースホルダー 3"/>
+          <p:cNvSpPr>
+            <a:spLocks noGrp="1"/>
+          </p:cNvSpPr>
+          <p:nvPr>
+            <p:ph type="ftr" sz="quarter" idx="11"/>
+          </p:nvPr>
+        </p:nvSpPr>
+        <p:spPr/>
+        <p:txBody>
+          <a:bodyPr/>
+          <a:lstStyle/>
+          <a:p>
+            <a:r>
+              <a:rPr lang="en-US" altLang="ja-JP" smtClean="0"/>
+              <a:t>R</a:t>
+            </a:r>
+            <a:r>
+              <a:rPr lang="ja-JP" altLang="en-US" smtClean="0"/>
+              <a:t> </a:t>
+            </a:r>
+            <a:r>
+              <a:rPr lang="en-US" altLang="ja-JP" smtClean="0"/>
+              <a:t>for</a:t>
+            </a:r>
+            <a:r>
+              <a:rPr lang="ja-JP" altLang="en-US" smtClean="0"/>
+              <a:t> </a:t>
+            </a:r>
+            <a:r>
+              <a:rPr lang="en-US" altLang="ja-JP" smtClean="0"/>
+              <a:t>Pharmacometrics</a:t>
+            </a:r>
+            <a:endParaRPr lang="ja-JP" altLang="en-US" dirty="0" smtClean="0"/>
+          </a:p>
+        </p:txBody>
+      </p:sp>
+      <p:sp>
+        <p:nvSpPr>
+          <p:cNvPr id="5" name="スライド番号プレースホルダー 4"/>
+          <p:cNvSpPr>
+            <a:spLocks noGrp="1"/>
+          </p:cNvSpPr>
+          <p:nvPr>
+            <p:ph type="sldNum" sz="quarter" idx="12"/>
+          </p:nvPr>
+        </p:nvSpPr>
+        <p:spPr/>
+        <p:txBody>
+          <a:bodyPr/>
+          <a:lstStyle/>
+          <a:p>
+            <a:fld id="{93256357-0251-4953-A9B8-633A05DE8E91}" type="slidenum">
+              <a:rPr kumimoji="1" lang="ja-JP" altLang="en-US" smtClean="0"/>
+              <a:t>10</a:t>
+            </a:fld>
+            <a:endParaRPr kumimoji="1" lang="ja-JP" altLang="en-US"/>
+          </a:p>
+        </p:txBody>
+      </p:sp>
+    </p:spTree>
+    <p:extLst>
+      <p:ext uri="{BB962C8B-B14F-4D97-AF65-F5344CB8AC3E}">
+        <p14:creationId xmlns:p14="http://schemas.microsoft.com/office/powerpoint/2010/main" val="3472844586"/>
+      </p:ext>
+    </p:extLst>
+  </p:cSld>
+  <p:clrMapOvr>
+    <a:masterClrMapping/>
+  </p:clrMapOvr>
+</p:sld>
+</file>
+
+<file path=ppt/slides/slide11.xml><?xml version="1.0" encoding="utf-8"?>
+<p:sld xmlns:a="http://schemas.openxmlformats.org/drawingml/2006/main" xmlns:r="http://schemas.openxmlformats.org/officeDocument/2006/relationships" xmlns:p="http://schemas.openxmlformats.org/presentationml/2006/main">
+  <p:cSld>
+    <p:spTree>
+      <p:nvGrpSpPr>
+        <p:cNvPr id="1" name=""/>
+        <p:cNvGrpSpPr/>
+        <p:nvPr/>
+      </p:nvGrpSpPr>
+      <p:grpSpPr>
+        <a:xfrm>
+          <a:off x="0" y="0"/>
+          <a:ext cx="0" cy="0"/>
+          <a:chOff x="0" y="0"/>
+          <a:chExt cx="0" cy="0"/>
+        </a:xfrm>
+      </p:grpSpPr>
+      <p:sp>
+        <p:nvSpPr>
+          <p:cNvPr id="2" name="タイトル 1"/>
+          <p:cNvSpPr>
+            <a:spLocks noGrp="1"/>
+          </p:cNvSpPr>
+          <p:nvPr>
+            <p:ph type="title"/>
+          </p:nvPr>
+        </p:nvSpPr>
+        <p:spPr/>
+        <p:txBody>
+          <a:bodyPr/>
+          <a:lstStyle/>
+          <a:p>
+            <a:endParaRPr kumimoji="1" lang="ja-JP" altLang="en-US"/>
+          </a:p>
+        </p:txBody>
+      </p:sp>
+      <p:sp>
+        <p:nvSpPr>
+          <p:cNvPr id="3" name="コンテンツ プレースホルダー 2"/>
+          <p:cNvSpPr>
+            <a:spLocks noGrp="1"/>
+          </p:cNvSpPr>
+          <p:nvPr>
+            <p:ph idx="1"/>
+          </p:nvPr>
+        </p:nvSpPr>
+        <p:spPr/>
+        <p:txBody>
+          <a:bodyPr/>
+          <a:lstStyle/>
+          <a:p>
+            <a:endParaRPr kumimoji="1" lang="ja-JP" altLang="en-US"/>
+          </a:p>
+        </p:txBody>
+      </p:sp>
+      <p:sp>
+        <p:nvSpPr>
+          <p:cNvPr id="4" name="フッター プレースホルダー 3"/>
+          <p:cNvSpPr>
+            <a:spLocks noGrp="1"/>
+          </p:cNvSpPr>
+          <p:nvPr>
+            <p:ph type="ftr" sz="quarter" idx="11"/>
+          </p:nvPr>
+        </p:nvSpPr>
+        <p:spPr/>
+        <p:txBody>
+          <a:bodyPr/>
+          <a:lstStyle/>
+          <a:p>
+            <a:r>
+              <a:rPr lang="en-US" altLang="ja-JP" smtClean="0"/>
+              <a:t>R</a:t>
+            </a:r>
+            <a:r>
+              <a:rPr lang="ja-JP" altLang="en-US" smtClean="0"/>
+              <a:t> </a:t>
+            </a:r>
+            <a:r>
+              <a:rPr lang="en-US" altLang="ja-JP" smtClean="0"/>
+              <a:t>for</a:t>
+            </a:r>
+            <a:r>
+              <a:rPr lang="ja-JP" altLang="en-US" smtClean="0"/>
+              <a:t> </a:t>
+            </a:r>
+            <a:r>
+              <a:rPr lang="en-US" altLang="ja-JP" smtClean="0"/>
+              <a:t>Pharmacometrics</a:t>
+            </a:r>
+            <a:endParaRPr lang="ja-JP" altLang="en-US" dirty="0" smtClean="0"/>
+          </a:p>
+        </p:txBody>
+      </p:sp>
+      <p:sp>
+        <p:nvSpPr>
+          <p:cNvPr id="5" name="スライド番号プレースホルダー 4"/>
+          <p:cNvSpPr>
+            <a:spLocks noGrp="1"/>
+          </p:cNvSpPr>
+          <p:nvPr>
+            <p:ph type="sldNum" sz="quarter" idx="12"/>
+          </p:nvPr>
+        </p:nvSpPr>
+        <p:spPr/>
+        <p:txBody>
+          <a:bodyPr/>
+          <a:lstStyle/>
+          <a:p>
+            <a:fld id="{93256357-0251-4953-A9B8-633A05DE8E91}" type="slidenum">
+              <a:rPr kumimoji="1" lang="ja-JP" altLang="en-US" smtClean="0"/>
+              <a:t>11</a:t>
+            </a:fld>
+            <a:endParaRPr kumimoji="1" lang="ja-JP" altLang="en-US"/>
+          </a:p>
+        </p:txBody>
+      </p:sp>
+    </p:spTree>
+    <p:extLst>
+      <p:ext uri="{BB962C8B-B14F-4D97-AF65-F5344CB8AC3E}">
+        <p14:creationId xmlns:p14="http://schemas.microsoft.com/office/powerpoint/2010/main" val="2909381470"/>
+      </p:ext>
+    </p:extLst>
+  </p:cSld>
+  <p:clrMapOvr>
+    <a:masterClrMapping/>
+  </p:clrMapOvr>
+</p:sld>
+</file>
+
 <file path=ppt/slides/slide2.xml><?xml version="1.0" encoding="utf-8"?>
 <p:sld xmlns:a="http://schemas.openxmlformats.org/drawingml/2006/main" xmlns:r="http://schemas.openxmlformats.org/officeDocument/2006/relationships" xmlns:p="http://schemas.openxmlformats.org/presentationml/2006/main">
   <p:cSld>
@@ -4129,10 +4525,24 @@
           <a:lstStyle/>
           <a:p>
             <a:r>
-              <a:rPr kumimoji="1" lang="en-US" altLang="ja-JP" dirty="0" smtClean="0"/>
+              <a:rPr kumimoji="1" lang="en-US" altLang="ja-JP" b="1" dirty="0" smtClean="0">
+                <a:solidFill>
+                  <a:schemeClr val="tx1">
+                    <a:lumMod val="50000"/>
+                    <a:lumOff val="50000"/>
+                  </a:schemeClr>
+                </a:solidFill>
+              </a:rPr>
               <a:t>Contents</a:t>
             </a:r>
-            <a:endParaRPr kumimoji="1" lang="ja-JP" altLang="en-US" dirty="0"/>
+            <a:endParaRPr kumimoji="1" lang="ja-JP" altLang="en-US" b="1" dirty="0">
+              <a:solidFill>
+                <a:schemeClr val="tx1">
+                  <a:lumMod val="50000"/>
+                  <a:lumOff val="50000"/>
+                </a:schemeClr>
+              </a:solidFill>
+            </a:endParaRPr>
           </a:p>
         </p:txBody>
       </p:sp>
@@ -4310,14 +4720,24 @@
           <a:lstStyle/>
           <a:p>
             <a:r>
-              <a:rPr kumimoji="1" lang="en-US" altLang="ja-JP" b="1" dirty="0" smtClean="0"/>
+              <a:rPr kumimoji="1" lang="en-US" altLang="ja-JP" b="1" dirty="0" smtClean="0">
+                <a:solidFill>
+                  <a:schemeClr val="tx1">
+                    <a:lumMod val="50000"/>
+                    <a:lumOff val="50000"/>
+                  </a:schemeClr>
+                </a:solidFill>
+              </a:rPr>
               <a:t>R</a:t>
             </a:r>
-            <a:r>
-              <a:rPr kumimoji="1" lang="ja-JP" altLang="en-US" dirty="0" smtClean="0"/>
-              <a:t>とは</a:t>
-            </a:r>
-            <a:endParaRPr kumimoji="1" lang="ja-JP" altLang="en-US" dirty="0"/>
+            <a:endParaRPr kumimoji="1" lang="ja-JP" altLang="en-US" dirty="0">
+              <a:solidFill>
+                <a:schemeClr val="tx1">
+                  <a:lumMod val="50000"/>
+                  <a:lumOff val="50000"/>
+                </a:schemeClr>
+              </a:solidFill>
+            </a:endParaRPr>
           </a:p>
         </p:txBody>
       </p:sp>
@@ -4331,56 +4751,46 @@
             <p:ph idx="1"/>
           </p:nvPr>
         </p:nvSpPr>
-        <p:spPr/>
-        <p:txBody>
-          <a:bodyPr/>
-          <a:lstStyle/>
-          <a:p>
-            <a:r>
-              <a:rPr kumimoji="1" lang="en-US" altLang="ja-JP" dirty="0" smtClean="0"/>
-              <a:t>R</a:t>
-            </a:r>
-            <a:r>
-              <a:rPr kumimoji="1" lang="ja-JP" altLang="en-US" dirty="0" smtClean="0"/>
-              <a:t>とは</a:t>
-            </a:r>
-            <a:endParaRPr kumimoji="1" lang="en-US" altLang="ja-JP" dirty="0" smtClean="0"/>
-          </a:p>
-          <a:p>
-            <a:r>
-              <a:rPr kumimoji="1" lang="en-US" altLang="ja-JP" dirty="0" err="1" smtClean="0"/>
-              <a:t>Rstudio</a:t>
-            </a:r>
-            <a:r>
-              <a:rPr kumimoji="1" lang="ja-JP" altLang="en-US" dirty="0" smtClean="0"/>
-              <a:t>の操作</a:t>
-            </a:r>
-            <a:endParaRPr kumimoji="1" lang="en-US" altLang="ja-JP" dirty="0" smtClean="0"/>
-          </a:p>
-          <a:p>
-            <a:r>
-              <a:rPr lang="en-US" altLang="ja-JP" dirty="0" smtClean="0"/>
-              <a:t>Package</a:t>
-            </a:r>
+        <p:spPr>
+          <a:xfrm>
+            <a:off x="838200" y="1825625"/>
+            <a:ext cx="4509304" cy="4351338"/>
+          </a:xfrm>
+        </p:spPr>
+        <p:txBody>
+          <a:bodyPr/>
+          <a:lstStyle/>
+          <a:p>
+            <a:r>
+              <a:rPr lang="en-US" altLang="ja-JP" dirty="0">
+                <a:hlinkClick r:id="rId2"/>
+              </a:rPr>
+              <a:t>https://www.r-project.org/</a:t>
+            </a:r>
+            <a:endParaRPr lang="en-US" altLang="ja-JP" dirty="0"/>
+          </a:p>
+          <a:p>
             <a:r>
               <a:rPr lang="ja-JP" altLang="en-US" dirty="0" smtClean="0"/>
-              <a:t>による機能拡張</a:t>
-            </a:r>
-            <a:endParaRPr kumimoji="1" lang="en-US" altLang="ja-JP" dirty="0" smtClean="0"/>
-          </a:p>
-          <a:p>
-            <a:r>
-              <a:rPr kumimoji="1" lang="en-US" altLang="ja-JP" dirty="0" err="1" smtClean="0"/>
-              <a:t>Rmarkdown</a:t>
-            </a:r>
-            <a:r>
-              <a:rPr kumimoji="1" lang="ja-JP" altLang="en-US" dirty="0" smtClean="0"/>
-              <a:t>によるドキュメント作成</a:t>
-            </a:r>
-            <a:endParaRPr kumimoji="1" lang="en-US" altLang="ja-JP" dirty="0" smtClean="0"/>
-          </a:p>
-          <a:p>
-            <a:endParaRPr kumimoji="1" lang="en-US" altLang="ja-JP" dirty="0" smtClean="0"/>
+              <a:t>無料</a:t>
+            </a:r>
+            <a:endParaRPr lang="en-US" altLang="ja-JP" dirty="0" smtClean="0"/>
+          </a:p>
+          <a:p>
+            <a:r>
+              <a:rPr lang="ja-JP" altLang="en-US" dirty="0" smtClean="0"/>
+              <a:t>統計計算とグラフィックス</a:t>
+            </a:r>
+            <a:endParaRPr lang="en-US" altLang="ja-JP" dirty="0" smtClean="0"/>
+          </a:p>
+          <a:p>
+            <a:r>
+              <a:rPr lang="ja-JP" altLang="en-US" dirty="0" smtClean="0"/>
+              <a:t>パッケージを追加することにより機能拡張</a:t>
+            </a:r>
+            <a:endParaRPr lang="en-US" altLang="ja-JP" dirty="0" smtClean="0">
+              <a:hlinkClick r:id="rId2"/>
+            </a:endParaRPr>
           </a:p>
           <a:p>
             <a:endParaRPr kumimoji="1" lang="en-US" altLang="ja-JP" dirty="0" smtClean="0"/>
@@ -4449,10 +4859,2019 @@
           </a:p>
         </p:txBody>
       </p:sp>
+      <p:pic>
+        <p:nvPicPr>
+          <p:cNvPr id="8" name="図 7" descr="画面の領域"/>
+          <p:cNvPicPr>
+            <a:picLocks noChangeAspect="1"/>
+          </p:cNvPicPr>
+          <p:nvPr/>
+        </p:nvPicPr>
+        <p:blipFill>
+          <a:blip r:embed="rId3">
+            <a:extLst>
+              <a:ext uri="{28A0092B-C50C-407E-A947-70E740481C1C}">
+                <a14:useLocalDpi xmlns:a14="http://schemas.microsoft.com/office/drawing/2010/main" val="0"/>
+              </a:ext>
+            </a:extLst>
+          </a:blip>
+          <a:stretch>
+            <a:fillRect/>
+          </a:stretch>
+        </p:blipFill>
+        <p:spPr>
+          <a:xfrm>
+            <a:off x="5342684" y="386488"/>
+            <a:ext cx="6599492" cy="5784081"/>
+          </a:xfrm>
+          <a:prstGeom prst="rect">
+            <a:avLst/>
+          </a:prstGeom>
+          <a:ln>
+            <a:solidFill>
+              <a:schemeClr val="tx1">
+                <a:lumMod val="50000"/>
+                <a:lumOff val="50000"/>
+              </a:schemeClr>
+            </a:solidFill>
+          </a:ln>
+        </p:spPr>
+      </p:pic>
     </p:spTree>
     <p:extLst>
       <p:ext uri="{BB962C8B-B14F-4D97-AF65-F5344CB8AC3E}">
         <p14:creationId xmlns:p14="http://schemas.microsoft.com/office/powerpoint/2010/main" val="1297470240"/>
+      </p:ext>
+    </p:extLst>
+  </p:cSld>
+  <p:clrMapOvr>
+    <a:masterClrMapping/>
+  </p:clrMapOvr>
+</p:sld>
+</file>
+
+<file path=ppt/slides/slide4.xml><?xml version="1.0" encoding="utf-8"?>
+<p:sld xmlns:a="http://schemas.openxmlformats.org/drawingml/2006/main" xmlns:r="http://schemas.openxmlformats.org/officeDocument/2006/relationships" xmlns:p="http://schemas.openxmlformats.org/presentationml/2006/main">
+  <p:cSld>
+    <p:spTree>
+      <p:nvGrpSpPr>
+        <p:cNvPr id="1" name=""/>
+        <p:cNvGrpSpPr/>
+        <p:nvPr/>
+      </p:nvGrpSpPr>
+      <p:grpSpPr>
+        <a:xfrm>
+          <a:off x="0" y="0"/>
+          <a:ext cx="0" cy="0"/>
+          <a:chOff x="0" y="0"/>
+          <a:chExt cx="0" cy="0"/>
+        </a:xfrm>
+      </p:grpSpPr>
+      <p:sp>
+        <p:nvSpPr>
+          <p:cNvPr id="2" name="タイトル 1"/>
+          <p:cNvSpPr>
+            <a:spLocks noGrp="1"/>
+          </p:cNvSpPr>
+          <p:nvPr>
+            <p:ph type="title"/>
+          </p:nvPr>
+        </p:nvSpPr>
+        <p:spPr/>
+        <p:txBody>
+          <a:bodyPr/>
+          <a:lstStyle/>
+          <a:p>
+            <a:r>
+              <a:rPr kumimoji="1" lang="en-US" altLang="ja-JP" b="1" dirty="0" smtClean="0">
+                <a:solidFill>
+                  <a:schemeClr val="tx1">
+                    <a:lumMod val="50000"/>
+                    <a:lumOff val="50000"/>
+                  </a:schemeClr>
+                </a:solidFill>
+              </a:rPr>
+              <a:t>R</a:t>
+            </a:r>
+            <a:endParaRPr kumimoji="1" lang="ja-JP" altLang="en-US" dirty="0">
+              <a:solidFill>
+                <a:schemeClr val="tx1">
+                  <a:lumMod val="50000"/>
+                  <a:lumOff val="50000"/>
+                </a:schemeClr>
+              </a:solidFill>
+            </a:endParaRPr>
+          </a:p>
+        </p:txBody>
+      </p:sp>
+      <p:sp>
+        <p:nvSpPr>
+          <p:cNvPr id="4" name="フッター プレースホルダー 3"/>
+          <p:cNvSpPr>
+            <a:spLocks noGrp="1"/>
+          </p:cNvSpPr>
+          <p:nvPr>
+            <p:ph type="ftr" sz="quarter" idx="11"/>
+          </p:nvPr>
+        </p:nvSpPr>
+        <p:spPr/>
+        <p:txBody>
+          <a:bodyPr/>
+          <a:lstStyle/>
+          <a:p>
+            <a:r>
+              <a:rPr lang="en-US" altLang="ja-JP" smtClean="0"/>
+              <a:t>R</a:t>
+            </a:r>
+            <a:r>
+              <a:rPr lang="ja-JP" altLang="en-US" smtClean="0"/>
+              <a:t> </a:t>
+            </a:r>
+            <a:r>
+              <a:rPr lang="en-US" altLang="ja-JP" smtClean="0"/>
+              <a:t>for</a:t>
+            </a:r>
+            <a:r>
+              <a:rPr lang="ja-JP" altLang="en-US" smtClean="0"/>
+              <a:t> </a:t>
+            </a:r>
+            <a:r>
+              <a:rPr lang="en-US" altLang="ja-JP" smtClean="0"/>
+              <a:t>Pharmacometrics</a:t>
+            </a:r>
+            <a:endParaRPr lang="ja-JP" altLang="en-US" dirty="0" smtClean="0"/>
+          </a:p>
+        </p:txBody>
+      </p:sp>
+      <p:sp>
+        <p:nvSpPr>
+          <p:cNvPr id="5" name="スライド番号プレースホルダー 4"/>
+          <p:cNvSpPr>
+            <a:spLocks noGrp="1"/>
+          </p:cNvSpPr>
+          <p:nvPr>
+            <p:ph type="sldNum" sz="quarter" idx="12"/>
+          </p:nvPr>
+        </p:nvSpPr>
+        <p:spPr/>
+        <p:txBody>
+          <a:bodyPr/>
+          <a:lstStyle/>
+          <a:p>
+            <a:fld id="{93256357-0251-4953-A9B8-633A05DE8E91}" type="slidenum">
+              <a:rPr kumimoji="1" lang="ja-JP" altLang="en-US" smtClean="0"/>
+              <a:t>4</a:t>
+            </a:fld>
+            <a:endParaRPr kumimoji="1" lang="ja-JP" altLang="en-US"/>
+          </a:p>
+        </p:txBody>
+      </p:sp>
+      <p:pic>
+        <p:nvPicPr>
+          <p:cNvPr id="7" name="図 6" descr="画面の領域"/>
+          <p:cNvPicPr>
+            <a:picLocks noChangeAspect="1"/>
+          </p:cNvPicPr>
+          <p:nvPr/>
+        </p:nvPicPr>
+        <p:blipFill>
+          <a:blip r:embed="rId2">
+            <a:extLst>
+              <a:ext uri="{28A0092B-C50C-407E-A947-70E740481C1C}">
+                <a14:useLocalDpi xmlns:a14="http://schemas.microsoft.com/office/drawing/2010/main" val="0"/>
+              </a:ext>
+            </a:extLst>
+          </a:blip>
+          <a:stretch>
+            <a:fillRect/>
+          </a:stretch>
+        </p:blipFill>
+        <p:spPr>
+          <a:xfrm>
+            <a:off x="1565665" y="864003"/>
+            <a:ext cx="9870122" cy="5542969"/>
+          </a:xfrm>
+          <a:prstGeom prst="rect">
+            <a:avLst/>
+          </a:prstGeom>
+        </p:spPr>
+      </p:pic>
+    </p:spTree>
+    <p:extLst>
+      <p:ext uri="{BB962C8B-B14F-4D97-AF65-F5344CB8AC3E}">
+        <p14:creationId xmlns:p14="http://schemas.microsoft.com/office/powerpoint/2010/main" val="22042862"/>
+      </p:ext>
+    </p:extLst>
+  </p:cSld>
+  <p:clrMapOvr>
+    <a:masterClrMapping/>
+  </p:clrMapOvr>
+</p:sld>
+</file>
+
+<file path=ppt/slides/slide5.xml><?xml version="1.0" encoding="utf-8"?>
+<p:sld xmlns:a="http://schemas.openxmlformats.org/drawingml/2006/main" xmlns:r="http://schemas.openxmlformats.org/officeDocument/2006/relationships" xmlns:p="http://schemas.openxmlformats.org/presentationml/2006/main">
+  <p:cSld>
+    <p:spTree>
+      <p:nvGrpSpPr>
+        <p:cNvPr id="1" name=""/>
+        <p:cNvGrpSpPr/>
+        <p:nvPr/>
+      </p:nvGrpSpPr>
+      <p:grpSpPr>
+        <a:xfrm>
+          <a:off x="0" y="0"/>
+          <a:ext cx="0" cy="0"/>
+          <a:chOff x="0" y="0"/>
+          <a:chExt cx="0" cy="0"/>
+        </a:xfrm>
+      </p:grpSpPr>
+      <p:sp>
+        <p:nvSpPr>
+          <p:cNvPr id="2" name="タイトル 1"/>
+          <p:cNvSpPr>
+            <a:spLocks noGrp="1"/>
+          </p:cNvSpPr>
+          <p:nvPr>
+            <p:ph type="title"/>
+          </p:nvPr>
+        </p:nvSpPr>
+        <p:spPr/>
+        <p:txBody>
+          <a:bodyPr/>
+          <a:lstStyle/>
+          <a:p>
+            <a:r>
+              <a:rPr kumimoji="1" lang="en-US" altLang="ja-JP" b="1" dirty="0" smtClean="0">
+                <a:solidFill>
+                  <a:schemeClr val="tx1">
+                    <a:lumMod val="50000"/>
+                    <a:lumOff val="50000"/>
+                  </a:schemeClr>
+                </a:solidFill>
+              </a:rPr>
+              <a:t>R</a:t>
+            </a:r>
+            <a:endParaRPr kumimoji="1" lang="ja-JP" altLang="en-US" dirty="0">
+              <a:solidFill>
+                <a:schemeClr val="tx1">
+                  <a:lumMod val="50000"/>
+                  <a:lumOff val="50000"/>
+                </a:schemeClr>
+              </a:solidFill>
+            </a:endParaRPr>
+          </a:p>
+        </p:txBody>
+      </p:sp>
+      <p:sp>
+        <p:nvSpPr>
+          <p:cNvPr id="4" name="フッター プレースホルダー 3"/>
+          <p:cNvSpPr>
+            <a:spLocks noGrp="1"/>
+          </p:cNvSpPr>
+          <p:nvPr>
+            <p:ph type="ftr" sz="quarter" idx="11"/>
+          </p:nvPr>
+        </p:nvSpPr>
+        <p:spPr/>
+        <p:txBody>
+          <a:bodyPr/>
+          <a:lstStyle/>
+          <a:p>
+            <a:r>
+              <a:rPr lang="en-US" altLang="ja-JP" smtClean="0"/>
+              <a:t>R</a:t>
+            </a:r>
+            <a:r>
+              <a:rPr lang="ja-JP" altLang="en-US" smtClean="0"/>
+              <a:t> </a:t>
+            </a:r>
+            <a:r>
+              <a:rPr lang="en-US" altLang="ja-JP" smtClean="0"/>
+              <a:t>for</a:t>
+            </a:r>
+            <a:r>
+              <a:rPr lang="ja-JP" altLang="en-US" smtClean="0"/>
+              <a:t> </a:t>
+            </a:r>
+            <a:r>
+              <a:rPr lang="en-US" altLang="ja-JP" smtClean="0"/>
+              <a:t>Pharmacometrics</a:t>
+            </a:r>
+            <a:endParaRPr lang="ja-JP" altLang="en-US" dirty="0" smtClean="0"/>
+          </a:p>
+        </p:txBody>
+      </p:sp>
+      <p:sp>
+        <p:nvSpPr>
+          <p:cNvPr id="5" name="スライド番号プレースホルダー 4"/>
+          <p:cNvSpPr>
+            <a:spLocks noGrp="1"/>
+          </p:cNvSpPr>
+          <p:nvPr>
+            <p:ph type="sldNum" sz="quarter" idx="12"/>
+          </p:nvPr>
+        </p:nvSpPr>
+        <p:spPr/>
+        <p:txBody>
+          <a:bodyPr/>
+          <a:lstStyle/>
+          <a:p>
+            <a:fld id="{93256357-0251-4953-A9B8-633A05DE8E91}" type="slidenum">
+              <a:rPr kumimoji="1" lang="ja-JP" altLang="en-US" smtClean="0"/>
+              <a:t>5</a:t>
+            </a:fld>
+            <a:endParaRPr kumimoji="1" lang="ja-JP" altLang="en-US"/>
+          </a:p>
+        </p:txBody>
+      </p:sp>
+      <p:grpSp>
+        <p:nvGrpSpPr>
+          <p:cNvPr id="12" name="グループ化 11"/>
+          <p:cNvGrpSpPr/>
+          <p:nvPr/>
+        </p:nvGrpSpPr>
+        <p:grpSpPr>
+          <a:xfrm>
+            <a:off x="1565665" y="864003"/>
+            <a:ext cx="9870122" cy="5542969"/>
+            <a:chOff x="1565665" y="864003"/>
+            <a:chExt cx="9870122" cy="5542969"/>
+          </a:xfrm>
+        </p:grpSpPr>
+        <p:pic>
+          <p:nvPicPr>
+            <p:cNvPr id="7" name="図 6" descr="画面の領域"/>
+            <p:cNvPicPr>
+              <a:picLocks noChangeAspect="1"/>
+            </p:cNvPicPr>
+            <p:nvPr/>
+          </p:nvPicPr>
+          <p:blipFill>
+            <a:blip r:embed="rId2">
+              <a:extLst>
+                <a:ext uri="{28A0092B-C50C-407E-A947-70E740481C1C}">
+                  <a14:useLocalDpi xmlns:a14="http://schemas.microsoft.com/office/drawing/2010/main" val="0"/>
+                </a:ext>
+              </a:extLst>
+            </a:blip>
+            <a:stretch>
+              <a:fillRect/>
+            </a:stretch>
+          </p:blipFill>
+          <p:spPr>
+            <a:xfrm>
+              <a:off x="1565665" y="864003"/>
+              <a:ext cx="9870122" cy="5542969"/>
+            </a:xfrm>
+            <a:prstGeom prst="rect">
+              <a:avLst/>
+            </a:prstGeom>
+          </p:spPr>
+        </p:pic>
+        <p:sp>
+          <p:nvSpPr>
+            <p:cNvPr id="3" name="角丸四角形 2"/>
+            <p:cNvSpPr/>
+            <p:nvPr/>
+          </p:nvSpPr>
+          <p:spPr>
+            <a:xfrm>
+              <a:off x="1678329" y="937549"/>
+              <a:ext cx="6123008" cy="4328932"/>
+            </a:xfrm>
+            <a:prstGeom prst="roundRect">
+              <a:avLst>
+                <a:gd name="adj" fmla="val 6239"/>
+              </a:avLst>
+            </a:prstGeom>
+            <a:noFill/>
+            <a:ln w="57150">
+              <a:solidFill>
+                <a:schemeClr val="accent4">
+                  <a:lumMod val="60000"/>
+                  <a:lumOff val="40000"/>
+                </a:schemeClr>
+              </a:solidFill>
+            </a:ln>
+          </p:spPr>
+          <p:style>
+            <a:lnRef idx="2">
+              <a:schemeClr val="accent1">
+                <a:shade val="50000"/>
+              </a:schemeClr>
+            </a:lnRef>
+            <a:fillRef idx="1">
+              <a:schemeClr val="accent1"/>
+            </a:fillRef>
+            <a:effectRef idx="0">
+              <a:schemeClr val="accent1"/>
+            </a:effectRef>
+            <a:fontRef idx="minor">
+              <a:schemeClr val="lt1"/>
+            </a:fontRef>
+          </p:style>
+          <p:txBody>
+            <a:bodyPr rtlCol="0" anchor="ctr"/>
+            <a:lstStyle/>
+            <a:p>
+              <a:pPr algn="ctr"/>
+              <a:endParaRPr kumimoji="1" lang="ja-JP" altLang="en-US"/>
+            </a:p>
+          </p:txBody>
+        </p:sp>
+        <p:sp>
+          <p:nvSpPr>
+            <p:cNvPr id="6" name="テキスト ボックス 5"/>
+            <p:cNvSpPr txBox="1"/>
+            <p:nvPr/>
+          </p:nvSpPr>
+          <p:spPr>
+            <a:xfrm>
+              <a:off x="2060292" y="4456252"/>
+              <a:ext cx="2501006" cy="523220"/>
+            </a:xfrm>
+            <a:prstGeom prst="rect">
+              <a:avLst/>
+            </a:prstGeom>
+            <a:noFill/>
+          </p:spPr>
+          <p:txBody>
+            <a:bodyPr wrap="none" rtlCol="0">
+              <a:spAutoFit/>
+            </a:bodyPr>
+            <a:lstStyle/>
+            <a:p>
+              <a:r>
+                <a:rPr kumimoji="1" lang="ja-JP" altLang="en-US" sz="2800" b="1" dirty="0" smtClean="0">
+                  <a:solidFill>
+                    <a:srgbClr val="FFC000"/>
+                  </a:solidFill>
+                </a:rPr>
+                <a:t>コンソール画面</a:t>
+              </a:r>
+              <a:endParaRPr kumimoji="1" lang="ja-JP" altLang="en-US" sz="2800" b="1" dirty="0">
+                <a:solidFill>
+                  <a:srgbClr val="FFC000"/>
+                </a:solidFill>
+              </a:endParaRPr>
+            </a:p>
+          </p:txBody>
+        </p:sp>
+        <p:sp>
+          <p:nvSpPr>
+            <p:cNvPr id="8" name="角丸四角形 7"/>
+            <p:cNvSpPr/>
+            <p:nvPr/>
+          </p:nvSpPr>
+          <p:spPr>
+            <a:xfrm>
+              <a:off x="5347504" y="1782501"/>
+              <a:ext cx="4284562" cy="3483980"/>
+            </a:xfrm>
+            <a:prstGeom prst="roundRect">
+              <a:avLst>
+                <a:gd name="adj" fmla="val 6239"/>
+              </a:avLst>
+            </a:prstGeom>
+            <a:noFill/>
+            <a:ln w="57150">
+              <a:solidFill>
+                <a:schemeClr val="accent6"/>
+              </a:solidFill>
+            </a:ln>
+          </p:spPr>
+          <p:style>
+            <a:lnRef idx="2">
+              <a:schemeClr val="accent1">
+                <a:shade val="50000"/>
+              </a:schemeClr>
+            </a:lnRef>
+            <a:fillRef idx="1">
+              <a:schemeClr val="accent1"/>
+            </a:fillRef>
+            <a:effectRef idx="0">
+              <a:schemeClr val="accent1"/>
+            </a:effectRef>
+            <a:fontRef idx="minor">
+              <a:schemeClr val="lt1"/>
+            </a:fontRef>
+          </p:style>
+          <p:txBody>
+            <a:bodyPr rtlCol="0" anchor="ctr"/>
+            <a:lstStyle/>
+            <a:p>
+              <a:pPr algn="ctr"/>
+              <a:endParaRPr kumimoji="1" lang="ja-JP" altLang="en-US"/>
+            </a:p>
+          </p:txBody>
+        </p:sp>
+        <p:sp>
+          <p:nvSpPr>
+            <p:cNvPr id="9" name="テキスト ボックス 8"/>
+            <p:cNvSpPr txBox="1"/>
+            <p:nvPr/>
+          </p:nvSpPr>
+          <p:spPr>
+            <a:xfrm>
+              <a:off x="8081057" y="2027498"/>
+              <a:ext cx="1364476" cy="523220"/>
+            </a:xfrm>
+            <a:prstGeom prst="rect">
+              <a:avLst/>
+            </a:prstGeom>
+            <a:noFill/>
+          </p:spPr>
+          <p:txBody>
+            <a:bodyPr wrap="none" rtlCol="0">
+              <a:spAutoFit/>
+            </a:bodyPr>
+            <a:lstStyle/>
+            <a:p>
+              <a:r>
+                <a:rPr kumimoji="1" lang="ja-JP" altLang="en-US" sz="2800" b="1" dirty="0" smtClean="0">
+                  <a:solidFill>
+                    <a:schemeClr val="accent6"/>
+                  </a:solidFill>
+                </a:rPr>
+                <a:t>エディタ</a:t>
+              </a:r>
+              <a:endParaRPr kumimoji="1" lang="ja-JP" altLang="en-US" sz="2800" b="1" dirty="0">
+                <a:solidFill>
+                  <a:schemeClr val="accent6"/>
+                </a:solidFill>
+              </a:endParaRPr>
+            </a:p>
+          </p:txBody>
+        </p:sp>
+        <p:sp>
+          <p:nvSpPr>
+            <p:cNvPr id="10" name="角丸四角形 9"/>
+            <p:cNvSpPr/>
+            <p:nvPr/>
+          </p:nvSpPr>
+          <p:spPr>
+            <a:xfrm>
+              <a:off x="6842567" y="3184967"/>
+              <a:ext cx="4523772" cy="3169534"/>
+            </a:xfrm>
+            <a:prstGeom prst="roundRect">
+              <a:avLst>
+                <a:gd name="adj" fmla="val 6239"/>
+              </a:avLst>
+            </a:prstGeom>
+            <a:noFill/>
+            <a:ln w="57150">
+              <a:solidFill>
+                <a:schemeClr val="accent2"/>
+              </a:solidFill>
+            </a:ln>
+          </p:spPr>
+          <p:style>
+            <a:lnRef idx="2">
+              <a:schemeClr val="accent1">
+                <a:shade val="50000"/>
+              </a:schemeClr>
+            </a:lnRef>
+            <a:fillRef idx="1">
+              <a:schemeClr val="accent1"/>
+            </a:fillRef>
+            <a:effectRef idx="0">
+              <a:schemeClr val="accent1"/>
+            </a:effectRef>
+            <a:fontRef idx="minor">
+              <a:schemeClr val="lt1"/>
+            </a:fontRef>
+          </p:style>
+          <p:txBody>
+            <a:bodyPr rtlCol="0" anchor="ctr"/>
+            <a:lstStyle/>
+            <a:p>
+              <a:pPr algn="ctr"/>
+              <a:endParaRPr kumimoji="1" lang="ja-JP" altLang="en-US"/>
+            </a:p>
+          </p:txBody>
+        </p:sp>
+        <p:sp>
+          <p:nvSpPr>
+            <p:cNvPr id="11" name="テキスト ボックス 10"/>
+            <p:cNvSpPr txBox="1"/>
+            <p:nvPr/>
+          </p:nvSpPr>
+          <p:spPr>
+            <a:xfrm>
+              <a:off x="9680293" y="5710177"/>
+              <a:ext cx="1130438" cy="523220"/>
+            </a:xfrm>
+            <a:prstGeom prst="rect">
+              <a:avLst/>
+            </a:prstGeom>
+            <a:noFill/>
+          </p:spPr>
+          <p:txBody>
+            <a:bodyPr wrap="none" rtlCol="0">
+              <a:spAutoFit/>
+            </a:bodyPr>
+            <a:lstStyle/>
+            <a:p>
+              <a:r>
+                <a:rPr kumimoji="1" lang="ja-JP" altLang="en-US" sz="2800" b="1" dirty="0" smtClean="0">
+                  <a:solidFill>
+                    <a:schemeClr val="accent2"/>
+                  </a:solidFill>
+                </a:rPr>
+                <a:t>グラフ</a:t>
+              </a:r>
+              <a:endParaRPr kumimoji="1" lang="ja-JP" altLang="en-US" sz="2800" b="1" dirty="0">
+                <a:solidFill>
+                  <a:schemeClr val="accent2"/>
+                </a:solidFill>
+              </a:endParaRPr>
+            </a:p>
+          </p:txBody>
+        </p:sp>
+      </p:grpSp>
+    </p:spTree>
+    <p:extLst>
+      <p:ext uri="{BB962C8B-B14F-4D97-AF65-F5344CB8AC3E}">
+        <p14:creationId xmlns:p14="http://schemas.microsoft.com/office/powerpoint/2010/main" val="3985094901"/>
+      </p:ext>
+    </p:extLst>
+  </p:cSld>
+  <p:clrMapOvr>
+    <a:masterClrMapping/>
+  </p:clrMapOvr>
+</p:sld>
+</file>
+
+<file path=ppt/slides/slide6.xml><?xml version="1.0" encoding="utf-8"?>
+<p:sld xmlns:a="http://schemas.openxmlformats.org/drawingml/2006/main" xmlns:r="http://schemas.openxmlformats.org/officeDocument/2006/relationships" xmlns:p="http://schemas.openxmlformats.org/presentationml/2006/main">
+  <p:cSld>
+    <p:spTree>
+      <p:nvGrpSpPr>
+        <p:cNvPr id="1" name=""/>
+        <p:cNvGrpSpPr/>
+        <p:nvPr/>
+      </p:nvGrpSpPr>
+      <p:grpSpPr>
+        <a:xfrm>
+          <a:off x="0" y="0"/>
+          <a:ext cx="0" cy="0"/>
+          <a:chOff x="0" y="0"/>
+          <a:chExt cx="0" cy="0"/>
+        </a:xfrm>
+      </p:grpSpPr>
+      <p:sp>
+        <p:nvSpPr>
+          <p:cNvPr id="2" name="タイトル 1"/>
+          <p:cNvSpPr>
+            <a:spLocks noGrp="1"/>
+          </p:cNvSpPr>
+          <p:nvPr>
+            <p:ph type="title"/>
+          </p:nvPr>
+        </p:nvSpPr>
+        <p:spPr/>
+        <p:txBody>
+          <a:bodyPr/>
+          <a:lstStyle/>
+          <a:p>
+            <a:r>
+              <a:rPr kumimoji="1" lang="en-US" altLang="ja-JP" b="1" dirty="0" err="1" smtClean="0">
+                <a:solidFill>
+                  <a:schemeClr val="tx1">
+                    <a:lumMod val="50000"/>
+                    <a:lumOff val="50000"/>
+                  </a:schemeClr>
+                </a:solidFill>
+              </a:rPr>
+              <a:t>Rstudio</a:t>
+            </a:r>
+            <a:endParaRPr kumimoji="1" lang="ja-JP" altLang="en-US" b="1" dirty="0">
+              <a:solidFill>
+                <a:schemeClr val="tx1">
+                  <a:lumMod val="50000"/>
+                  <a:lumOff val="50000"/>
+                </a:schemeClr>
+              </a:solidFill>
+            </a:endParaRPr>
+          </a:p>
+        </p:txBody>
+      </p:sp>
+      <p:sp>
+        <p:nvSpPr>
+          <p:cNvPr id="3" name="コンテンツ プレースホルダー 2"/>
+          <p:cNvSpPr>
+            <a:spLocks noGrp="1"/>
+          </p:cNvSpPr>
+          <p:nvPr>
+            <p:ph idx="1"/>
+          </p:nvPr>
+        </p:nvSpPr>
+        <p:spPr>
+          <a:xfrm>
+            <a:off x="838200" y="1825625"/>
+            <a:ext cx="10515600" cy="4783604"/>
+          </a:xfrm>
+        </p:spPr>
+        <p:txBody>
+          <a:bodyPr>
+            <a:normAutofit/>
+          </a:bodyPr>
+          <a:lstStyle/>
+          <a:p>
+            <a:r>
+              <a:rPr kumimoji="1" lang="en-US" altLang="ja-JP" dirty="0" smtClean="0"/>
+              <a:t>R</a:t>
+            </a:r>
+            <a:r>
+              <a:rPr kumimoji="1" lang="ja-JP" altLang="en-US" dirty="0" smtClean="0"/>
+              <a:t>の統合解析環境（</a:t>
+            </a:r>
+            <a:r>
+              <a:rPr lang="en-US" altLang="ja-JP" dirty="0" smtClean="0"/>
+              <a:t>integrated development environment, IDE</a:t>
+            </a:r>
+            <a:r>
+              <a:rPr kumimoji="1" lang="ja-JP" altLang="en-US" dirty="0" smtClean="0"/>
+              <a:t>）</a:t>
+            </a:r>
+            <a:endParaRPr kumimoji="1" lang="en-US" altLang="ja-JP" dirty="0" smtClean="0"/>
+          </a:p>
+          <a:p>
+            <a:r>
+              <a:rPr lang="en-US" altLang="ja-JP" dirty="0">
+                <a:hlinkClick r:id="rId2"/>
+              </a:rPr>
+              <a:t>https://rstudio.com/products/rstudio</a:t>
+            </a:r>
+            <a:r>
+              <a:rPr lang="en-US" altLang="ja-JP" dirty="0" smtClean="0">
+                <a:hlinkClick r:id="rId2"/>
+              </a:rPr>
+              <a:t>/</a:t>
+            </a:r>
+            <a:r>
+              <a:rPr lang="en-US" altLang="ja-JP" dirty="0" smtClean="0"/>
+              <a:t/>
+            </a:r>
+            <a:br>
+              <a:rPr lang="en-US" altLang="ja-JP" dirty="0" smtClean="0"/>
+            </a:br>
+            <a:r>
+              <a:rPr lang="ja-JP" altLang="en-US" dirty="0" smtClean="0"/>
+              <a:t>よりダウンロード可能</a:t>
+            </a:r>
+            <a:endParaRPr lang="en-US" altLang="ja-JP" dirty="0" smtClean="0"/>
+          </a:p>
+          <a:p>
+            <a:r>
+              <a:rPr kumimoji="1" lang="ja-JP" altLang="en-US" dirty="0" smtClean="0"/>
+              <a:t>無料版、有料版、サーバー、クラウド</a:t>
+            </a:r>
+            <a:endParaRPr kumimoji="1" lang="en-US" altLang="ja-JP" dirty="0" smtClean="0"/>
+          </a:p>
+          <a:p>
+            <a:r>
+              <a:rPr lang="en-US" altLang="ja-JP" dirty="0" smtClean="0"/>
+              <a:t>Project</a:t>
+            </a:r>
+            <a:r>
+              <a:rPr lang="ja-JP" altLang="en-US" dirty="0" smtClean="0"/>
+              <a:t>ごとに環境設定可能</a:t>
+            </a:r>
+            <a:endParaRPr kumimoji="1" lang="en-US" altLang="ja-JP" dirty="0" smtClean="0"/>
+          </a:p>
+          <a:p>
+            <a:r>
+              <a:rPr kumimoji="1" lang="en-US" altLang="ja-JP" dirty="0" smtClean="0"/>
+              <a:t>Tab</a:t>
+            </a:r>
+            <a:r>
+              <a:rPr kumimoji="1" lang="ja-JP" altLang="en-US" dirty="0" smtClean="0"/>
+              <a:t>キーによ</a:t>
+            </a:r>
+            <a:r>
+              <a:rPr lang="ja-JP" altLang="en-US" dirty="0" smtClean="0"/>
+              <a:t>るコードの補間</a:t>
+            </a:r>
+            <a:endParaRPr lang="en-US" altLang="ja-JP" dirty="0" smtClean="0"/>
+          </a:p>
+          <a:p>
+            <a:r>
+              <a:rPr kumimoji="1" lang="en-US" altLang="ja-JP" dirty="0" err="1" smtClean="0"/>
+              <a:t>Rmarkdown</a:t>
+            </a:r>
+            <a:r>
+              <a:rPr kumimoji="1" lang="ja-JP" altLang="en-US" dirty="0" smtClean="0"/>
+              <a:t>によるドキュメント作成</a:t>
+            </a:r>
+            <a:endParaRPr kumimoji="1" lang="en-US" altLang="ja-JP" dirty="0" smtClean="0"/>
+          </a:p>
+          <a:p>
+            <a:r>
+              <a:rPr lang="en-US" altLang="ja-JP" dirty="0" smtClean="0"/>
+              <a:t>data viewer</a:t>
+            </a:r>
+            <a:endParaRPr lang="en-US" altLang="ja-JP" dirty="0"/>
+          </a:p>
+          <a:p>
+            <a:r>
+              <a:rPr kumimoji="1" lang="ja-JP" altLang="en-US" dirty="0" smtClean="0"/>
+              <a:t>パッケージの管理</a:t>
+            </a:r>
+            <a:endParaRPr kumimoji="1" lang="en-US" altLang="ja-JP" dirty="0" smtClean="0"/>
+          </a:p>
+          <a:p>
+            <a:endParaRPr kumimoji="1" lang="en-US" altLang="ja-JP" dirty="0" smtClean="0"/>
+          </a:p>
+          <a:p>
+            <a:endParaRPr kumimoji="1" lang="en-US" altLang="ja-JP" dirty="0" smtClean="0"/>
+          </a:p>
+        </p:txBody>
+      </p:sp>
+      <p:sp>
+        <p:nvSpPr>
+          <p:cNvPr id="4" name="フッター プレースホルダー 3"/>
+          <p:cNvSpPr>
+            <a:spLocks noGrp="1"/>
+          </p:cNvSpPr>
+          <p:nvPr>
+            <p:ph type="ftr" sz="quarter" idx="11"/>
+          </p:nvPr>
+        </p:nvSpPr>
+        <p:spPr/>
+        <p:txBody>
+          <a:bodyPr/>
+          <a:lstStyle/>
+          <a:p>
+            <a:r>
+              <a:rPr lang="en-US" altLang="ja-JP" smtClean="0"/>
+              <a:t>R</a:t>
+            </a:r>
+            <a:r>
+              <a:rPr lang="ja-JP" altLang="en-US" smtClean="0"/>
+              <a:t> </a:t>
+            </a:r>
+            <a:r>
+              <a:rPr lang="en-US" altLang="ja-JP" smtClean="0"/>
+              <a:t>for</a:t>
+            </a:r>
+            <a:r>
+              <a:rPr lang="ja-JP" altLang="en-US" smtClean="0"/>
+              <a:t> </a:t>
+            </a:r>
+            <a:r>
+              <a:rPr lang="en-US" altLang="ja-JP" smtClean="0"/>
+              <a:t>Pharmacometrics</a:t>
+            </a:r>
+            <a:endParaRPr lang="ja-JP" altLang="en-US" dirty="0" smtClean="0"/>
+          </a:p>
+        </p:txBody>
+      </p:sp>
+      <p:sp>
+        <p:nvSpPr>
+          <p:cNvPr id="5" name="スライド番号プレースホルダー 4"/>
+          <p:cNvSpPr>
+            <a:spLocks noGrp="1"/>
+          </p:cNvSpPr>
+          <p:nvPr>
+            <p:ph type="sldNum" sz="quarter" idx="12"/>
+          </p:nvPr>
+        </p:nvSpPr>
+        <p:spPr/>
+        <p:txBody>
+          <a:bodyPr/>
+          <a:lstStyle/>
+          <a:p>
+            <a:fld id="{93256357-0251-4953-A9B8-633A05DE8E91}" type="slidenum">
+              <a:rPr kumimoji="1" lang="ja-JP" altLang="en-US" smtClean="0"/>
+              <a:t>6</a:t>
+            </a:fld>
+            <a:endParaRPr kumimoji="1" lang="ja-JP" altLang="en-US"/>
+          </a:p>
+        </p:txBody>
+      </p:sp>
+    </p:spTree>
+    <p:extLst>
+      <p:ext uri="{BB962C8B-B14F-4D97-AF65-F5344CB8AC3E}">
+        <p14:creationId xmlns:p14="http://schemas.microsoft.com/office/powerpoint/2010/main" val="471176973"/>
+      </p:ext>
+    </p:extLst>
+  </p:cSld>
+  <p:clrMapOvr>
+    <a:masterClrMapping/>
+  </p:clrMapOvr>
+</p:sld>
+</file>
+
+<file path=ppt/slides/slide7.xml><?xml version="1.0" encoding="utf-8"?>
+<p:sld xmlns:a="http://schemas.openxmlformats.org/drawingml/2006/main" xmlns:r="http://schemas.openxmlformats.org/officeDocument/2006/relationships" xmlns:p="http://schemas.openxmlformats.org/presentationml/2006/main">
+  <p:cSld>
+    <p:spTree>
+      <p:nvGrpSpPr>
+        <p:cNvPr id="1" name=""/>
+        <p:cNvGrpSpPr/>
+        <p:nvPr/>
+      </p:nvGrpSpPr>
+      <p:grpSpPr>
+        <a:xfrm>
+          <a:off x="0" y="0"/>
+          <a:ext cx="0" cy="0"/>
+          <a:chOff x="0" y="0"/>
+          <a:chExt cx="0" cy="0"/>
+        </a:xfrm>
+      </p:grpSpPr>
+      <p:sp>
+        <p:nvSpPr>
+          <p:cNvPr id="4" name="フッター プレースホルダー 3"/>
+          <p:cNvSpPr>
+            <a:spLocks noGrp="1"/>
+          </p:cNvSpPr>
+          <p:nvPr>
+            <p:ph type="ftr" sz="quarter" idx="11"/>
+          </p:nvPr>
+        </p:nvSpPr>
+        <p:spPr/>
+        <p:txBody>
+          <a:bodyPr/>
+          <a:lstStyle/>
+          <a:p>
+            <a:r>
+              <a:rPr lang="en-US" altLang="ja-JP" smtClean="0"/>
+              <a:t>R</a:t>
+            </a:r>
+            <a:r>
+              <a:rPr lang="ja-JP" altLang="en-US" smtClean="0"/>
+              <a:t> </a:t>
+            </a:r>
+            <a:r>
+              <a:rPr lang="en-US" altLang="ja-JP" smtClean="0"/>
+              <a:t>for</a:t>
+            </a:r>
+            <a:r>
+              <a:rPr lang="ja-JP" altLang="en-US" smtClean="0"/>
+              <a:t> </a:t>
+            </a:r>
+            <a:r>
+              <a:rPr lang="en-US" altLang="ja-JP" smtClean="0"/>
+              <a:t>Pharmacometrics</a:t>
+            </a:r>
+            <a:endParaRPr lang="ja-JP" altLang="en-US" dirty="0" smtClean="0"/>
+          </a:p>
+        </p:txBody>
+      </p:sp>
+      <p:sp>
+        <p:nvSpPr>
+          <p:cNvPr id="5" name="スライド番号プレースホルダー 4"/>
+          <p:cNvSpPr>
+            <a:spLocks noGrp="1"/>
+          </p:cNvSpPr>
+          <p:nvPr>
+            <p:ph type="sldNum" sz="quarter" idx="12"/>
+          </p:nvPr>
+        </p:nvSpPr>
+        <p:spPr/>
+        <p:txBody>
+          <a:bodyPr/>
+          <a:lstStyle/>
+          <a:p>
+            <a:fld id="{93256357-0251-4953-A9B8-633A05DE8E91}" type="slidenum">
+              <a:rPr kumimoji="1" lang="ja-JP" altLang="en-US" smtClean="0"/>
+              <a:t>7</a:t>
+            </a:fld>
+            <a:endParaRPr kumimoji="1" lang="ja-JP" altLang="en-US"/>
+          </a:p>
+        </p:txBody>
+      </p:sp>
+      <p:pic>
+        <p:nvPicPr>
+          <p:cNvPr id="7" name="図 6"/>
+          <p:cNvPicPr>
+            <a:picLocks noChangeAspect="1"/>
+          </p:cNvPicPr>
+          <p:nvPr/>
+        </p:nvPicPr>
+        <p:blipFill>
+          <a:blip r:embed="rId2"/>
+          <a:stretch>
+            <a:fillRect/>
+          </a:stretch>
+        </p:blipFill>
+        <p:spPr>
+          <a:xfrm>
+            <a:off x="1412112" y="219580"/>
+            <a:ext cx="8947230" cy="6127692"/>
+          </a:xfrm>
+          <a:prstGeom prst="rect">
+            <a:avLst/>
+          </a:prstGeom>
+        </p:spPr>
+      </p:pic>
+    </p:spTree>
+    <p:extLst>
+      <p:ext uri="{BB962C8B-B14F-4D97-AF65-F5344CB8AC3E}">
+        <p14:creationId xmlns:p14="http://schemas.microsoft.com/office/powerpoint/2010/main" val="1505845691"/>
+      </p:ext>
+    </p:extLst>
+  </p:cSld>
+  <p:clrMapOvr>
+    <a:masterClrMapping/>
+  </p:clrMapOvr>
+</p:sld>
+</file>
+
+<file path=ppt/slides/slide8.xml><?xml version="1.0" encoding="utf-8"?>
+<p:sld xmlns:a="http://schemas.openxmlformats.org/drawingml/2006/main" xmlns:r="http://schemas.openxmlformats.org/officeDocument/2006/relationships" xmlns:p="http://schemas.openxmlformats.org/presentationml/2006/main">
+  <p:cSld>
+    <p:spTree>
+      <p:nvGrpSpPr>
+        <p:cNvPr id="1" name=""/>
+        <p:cNvGrpSpPr/>
+        <p:nvPr/>
+      </p:nvGrpSpPr>
+      <p:grpSpPr>
+        <a:xfrm>
+          <a:off x="0" y="0"/>
+          <a:ext cx="0" cy="0"/>
+          <a:chOff x="0" y="0"/>
+          <a:chExt cx="0" cy="0"/>
+        </a:xfrm>
+      </p:grpSpPr>
+      <p:sp>
+        <p:nvSpPr>
+          <p:cNvPr id="4" name="フッター プレースホルダー 3"/>
+          <p:cNvSpPr>
+            <a:spLocks noGrp="1"/>
+          </p:cNvSpPr>
+          <p:nvPr>
+            <p:ph type="ftr" sz="quarter" idx="11"/>
+          </p:nvPr>
+        </p:nvSpPr>
+        <p:spPr/>
+        <p:txBody>
+          <a:bodyPr/>
+          <a:lstStyle/>
+          <a:p>
+            <a:r>
+              <a:rPr lang="en-US" altLang="ja-JP" smtClean="0"/>
+              <a:t>R</a:t>
+            </a:r>
+            <a:r>
+              <a:rPr lang="ja-JP" altLang="en-US" smtClean="0"/>
+              <a:t> </a:t>
+            </a:r>
+            <a:r>
+              <a:rPr lang="en-US" altLang="ja-JP" smtClean="0"/>
+              <a:t>for</a:t>
+            </a:r>
+            <a:r>
+              <a:rPr lang="ja-JP" altLang="en-US" smtClean="0"/>
+              <a:t> </a:t>
+            </a:r>
+            <a:r>
+              <a:rPr lang="en-US" altLang="ja-JP" smtClean="0"/>
+              <a:t>Pharmacometrics</a:t>
+            </a:r>
+            <a:endParaRPr lang="ja-JP" altLang="en-US" dirty="0" smtClean="0"/>
+          </a:p>
+        </p:txBody>
+      </p:sp>
+      <p:sp>
+        <p:nvSpPr>
+          <p:cNvPr id="5" name="スライド番号プレースホルダー 4"/>
+          <p:cNvSpPr>
+            <a:spLocks noGrp="1"/>
+          </p:cNvSpPr>
+          <p:nvPr>
+            <p:ph type="sldNum" sz="quarter" idx="12"/>
+          </p:nvPr>
+        </p:nvSpPr>
+        <p:spPr/>
+        <p:txBody>
+          <a:bodyPr/>
+          <a:lstStyle/>
+          <a:p>
+            <a:fld id="{93256357-0251-4953-A9B8-633A05DE8E91}" type="slidenum">
+              <a:rPr kumimoji="1" lang="ja-JP" altLang="en-US" smtClean="0"/>
+              <a:t>8</a:t>
+            </a:fld>
+            <a:endParaRPr kumimoji="1" lang="ja-JP" altLang="en-US"/>
+          </a:p>
+        </p:txBody>
+      </p:sp>
+      <p:pic>
+        <p:nvPicPr>
+          <p:cNvPr id="7" name="図 6"/>
+          <p:cNvPicPr>
+            <a:picLocks noChangeAspect="1"/>
+          </p:cNvPicPr>
+          <p:nvPr/>
+        </p:nvPicPr>
+        <p:blipFill>
+          <a:blip r:embed="rId2"/>
+          <a:stretch>
+            <a:fillRect/>
+          </a:stretch>
+        </p:blipFill>
+        <p:spPr>
+          <a:xfrm>
+            <a:off x="1167663" y="127323"/>
+            <a:ext cx="9431001" cy="6459012"/>
+          </a:xfrm>
+          <a:prstGeom prst="rect">
+            <a:avLst/>
+          </a:prstGeom>
+        </p:spPr>
+      </p:pic>
+      <p:sp>
+        <p:nvSpPr>
+          <p:cNvPr id="10" name="角丸四角形 9"/>
+          <p:cNvSpPr/>
+          <p:nvPr/>
+        </p:nvSpPr>
+        <p:spPr>
+          <a:xfrm>
+            <a:off x="763929" y="3958542"/>
+            <a:ext cx="6123008" cy="2812648"/>
+          </a:xfrm>
+          <a:prstGeom prst="roundRect">
+            <a:avLst>
+              <a:gd name="adj" fmla="val 6239"/>
+            </a:avLst>
+          </a:prstGeom>
+          <a:noFill/>
+          <a:ln w="57150">
+            <a:solidFill>
+              <a:schemeClr val="accent4">
+                <a:lumMod val="60000"/>
+                <a:lumOff val="40000"/>
+              </a:schemeClr>
+            </a:solidFill>
+          </a:ln>
+        </p:spPr>
+        <p:style>
+          <a:lnRef idx="2">
+            <a:schemeClr val="accent1">
+              <a:shade val="50000"/>
+            </a:schemeClr>
+          </a:lnRef>
+          <a:fillRef idx="1">
+            <a:schemeClr val="accent1"/>
+          </a:fillRef>
+          <a:effectRef idx="0">
+            <a:schemeClr val="accent1"/>
+          </a:effectRef>
+          <a:fontRef idx="minor">
+            <a:schemeClr val="lt1"/>
+          </a:fontRef>
+        </p:style>
+        <p:txBody>
+          <a:bodyPr rtlCol="0" anchor="ctr"/>
+          <a:lstStyle/>
+          <a:p>
+            <a:pPr algn="ctr"/>
+            <a:endParaRPr kumimoji="1" lang="ja-JP" altLang="en-US"/>
+          </a:p>
+        </p:txBody>
+      </p:sp>
+      <p:sp>
+        <p:nvSpPr>
+          <p:cNvPr id="11" name="テキスト ボックス 10"/>
+          <p:cNvSpPr txBox="1"/>
+          <p:nvPr/>
+        </p:nvSpPr>
+        <p:spPr>
+          <a:xfrm>
+            <a:off x="2551109" y="5128605"/>
+            <a:ext cx="2501006" cy="523220"/>
+          </a:xfrm>
+          <a:prstGeom prst="rect">
+            <a:avLst/>
+          </a:prstGeom>
+          <a:solidFill>
+            <a:schemeClr val="tx2"/>
+          </a:solidFill>
+        </p:spPr>
+        <p:txBody>
+          <a:bodyPr wrap="none" rtlCol="0">
+            <a:spAutoFit/>
+          </a:bodyPr>
+          <a:lstStyle/>
+          <a:p>
+            <a:r>
+              <a:rPr kumimoji="1" lang="ja-JP" altLang="en-US" sz="2800" b="1" dirty="0" smtClean="0">
+                <a:solidFill>
+                  <a:srgbClr val="FFC000"/>
+                </a:solidFill>
+              </a:rPr>
+              <a:t>コンソール画面</a:t>
+            </a:r>
+            <a:endParaRPr kumimoji="1" lang="ja-JP" altLang="en-US" sz="2800" b="1" dirty="0">
+              <a:solidFill>
+                <a:srgbClr val="FFC000"/>
+              </a:solidFill>
+            </a:endParaRPr>
+          </a:p>
+        </p:txBody>
+      </p:sp>
+      <p:sp>
+        <p:nvSpPr>
+          <p:cNvPr id="12" name="角丸四角形 11"/>
+          <p:cNvSpPr/>
+          <p:nvPr/>
+        </p:nvSpPr>
+        <p:spPr>
+          <a:xfrm>
+            <a:off x="802398" y="1008528"/>
+            <a:ext cx="5941302" cy="2879629"/>
+          </a:xfrm>
+          <a:prstGeom prst="roundRect">
+            <a:avLst>
+              <a:gd name="adj" fmla="val 6239"/>
+            </a:avLst>
+          </a:prstGeom>
+          <a:noFill/>
+          <a:ln w="57150">
+            <a:solidFill>
+              <a:schemeClr val="accent6"/>
+            </a:solidFill>
+          </a:ln>
+        </p:spPr>
+        <p:style>
+          <a:lnRef idx="2">
+            <a:schemeClr val="accent1">
+              <a:shade val="50000"/>
+            </a:schemeClr>
+          </a:lnRef>
+          <a:fillRef idx="1">
+            <a:schemeClr val="accent1"/>
+          </a:fillRef>
+          <a:effectRef idx="0">
+            <a:schemeClr val="accent1"/>
+          </a:effectRef>
+          <a:fontRef idx="minor">
+            <a:schemeClr val="lt1"/>
+          </a:fontRef>
+        </p:style>
+        <p:txBody>
+          <a:bodyPr rtlCol="0" anchor="ctr"/>
+          <a:lstStyle/>
+          <a:p>
+            <a:pPr algn="ctr"/>
+            <a:endParaRPr kumimoji="1" lang="ja-JP" altLang="en-US"/>
+          </a:p>
+        </p:txBody>
+      </p:sp>
+      <p:sp>
+        <p:nvSpPr>
+          <p:cNvPr id="13" name="テキスト ボックス 12"/>
+          <p:cNvSpPr txBox="1"/>
+          <p:nvPr/>
+        </p:nvSpPr>
+        <p:spPr>
+          <a:xfrm>
+            <a:off x="3065305" y="2242651"/>
+            <a:ext cx="1364476" cy="523220"/>
+          </a:xfrm>
+          <a:prstGeom prst="rect">
+            <a:avLst/>
+          </a:prstGeom>
+          <a:solidFill>
+            <a:schemeClr val="tx2"/>
+          </a:solidFill>
+        </p:spPr>
+        <p:txBody>
+          <a:bodyPr wrap="none" rtlCol="0">
+            <a:spAutoFit/>
+          </a:bodyPr>
+          <a:lstStyle/>
+          <a:p>
+            <a:r>
+              <a:rPr kumimoji="1" lang="ja-JP" altLang="en-US" sz="2800" b="1" dirty="0" smtClean="0">
+                <a:solidFill>
+                  <a:schemeClr val="accent6"/>
+                </a:solidFill>
+              </a:rPr>
+              <a:t>エディタ</a:t>
+            </a:r>
+            <a:endParaRPr kumimoji="1" lang="ja-JP" altLang="en-US" sz="2800" b="1" dirty="0">
+              <a:solidFill>
+                <a:schemeClr val="accent6"/>
+              </a:solidFill>
+            </a:endParaRPr>
+          </a:p>
+        </p:txBody>
+      </p:sp>
+      <p:sp>
+        <p:nvSpPr>
+          <p:cNvPr id="14" name="角丸四角形 13"/>
+          <p:cNvSpPr/>
+          <p:nvPr/>
+        </p:nvSpPr>
+        <p:spPr>
+          <a:xfrm>
+            <a:off x="6909802" y="3059206"/>
+            <a:ext cx="4523772" cy="3597087"/>
+          </a:xfrm>
+          <a:prstGeom prst="roundRect">
+            <a:avLst>
+              <a:gd name="adj" fmla="val 6239"/>
+            </a:avLst>
+          </a:prstGeom>
+          <a:noFill/>
+          <a:ln w="57150">
+            <a:solidFill>
+              <a:schemeClr val="accent2"/>
+            </a:solidFill>
+          </a:ln>
+        </p:spPr>
+        <p:style>
+          <a:lnRef idx="2">
+            <a:schemeClr val="accent1">
+              <a:shade val="50000"/>
+            </a:schemeClr>
+          </a:lnRef>
+          <a:fillRef idx="1">
+            <a:schemeClr val="accent1"/>
+          </a:fillRef>
+          <a:effectRef idx="0">
+            <a:schemeClr val="accent1"/>
+          </a:effectRef>
+          <a:fontRef idx="minor">
+            <a:schemeClr val="lt1"/>
+          </a:fontRef>
+        </p:style>
+        <p:txBody>
+          <a:bodyPr rtlCol="0" anchor="ctr"/>
+          <a:lstStyle/>
+          <a:p>
+            <a:pPr algn="ctr"/>
+            <a:endParaRPr kumimoji="1" lang="ja-JP" altLang="en-US"/>
+          </a:p>
+        </p:txBody>
+      </p:sp>
+      <p:sp>
+        <p:nvSpPr>
+          <p:cNvPr id="15" name="テキスト ボックス 14"/>
+          <p:cNvSpPr txBox="1"/>
+          <p:nvPr/>
+        </p:nvSpPr>
+        <p:spPr>
+          <a:xfrm>
+            <a:off x="7427911" y="4930247"/>
+            <a:ext cx="3738524" cy="954107"/>
+          </a:xfrm>
+          <a:prstGeom prst="rect">
+            <a:avLst/>
+          </a:prstGeom>
+          <a:solidFill>
+            <a:schemeClr val="tx2"/>
+          </a:solidFill>
+        </p:spPr>
+        <p:txBody>
+          <a:bodyPr wrap="none" rtlCol="0">
+            <a:spAutoFit/>
+          </a:bodyPr>
+          <a:lstStyle/>
+          <a:p>
+            <a:r>
+              <a:rPr kumimoji="1" lang="ja-JP" altLang="en-US" sz="2800" b="1" dirty="0" smtClean="0">
+                <a:solidFill>
+                  <a:schemeClr val="accent2"/>
+                </a:solidFill>
+              </a:rPr>
+              <a:t>グラフ・ファイル・</a:t>
+            </a:r>
+            <a:endParaRPr kumimoji="1" lang="en-US" altLang="ja-JP" sz="2800" b="1" dirty="0" smtClean="0">
+              <a:solidFill>
+                <a:schemeClr val="accent2"/>
+              </a:solidFill>
+            </a:endParaRPr>
+          </a:p>
+          <a:p>
+            <a:r>
+              <a:rPr lang="ja-JP" altLang="en-US" sz="2800" b="1" dirty="0" smtClean="0">
+                <a:solidFill>
+                  <a:schemeClr val="accent2"/>
+                </a:solidFill>
+              </a:rPr>
+              <a:t>ヘルプ・パッケージ管理</a:t>
+            </a:r>
+            <a:endParaRPr kumimoji="1" lang="ja-JP" altLang="en-US" sz="2800" b="1" dirty="0">
+              <a:solidFill>
+                <a:schemeClr val="accent2"/>
+              </a:solidFill>
+            </a:endParaRPr>
+          </a:p>
+        </p:txBody>
+      </p:sp>
+      <p:sp>
+        <p:nvSpPr>
+          <p:cNvPr id="16" name="角丸四角形 15"/>
+          <p:cNvSpPr/>
+          <p:nvPr/>
+        </p:nvSpPr>
+        <p:spPr>
+          <a:xfrm>
+            <a:off x="6826879" y="898712"/>
+            <a:ext cx="4523772" cy="2086536"/>
+          </a:xfrm>
+          <a:prstGeom prst="roundRect">
+            <a:avLst>
+              <a:gd name="adj" fmla="val 6239"/>
+            </a:avLst>
+          </a:prstGeom>
+          <a:noFill/>
+          <a:ln w="38100"/>
+        </p:spPr>
+        <p:style>
+          <a:lnRef idx="2">
+            <a:schemeClr val="dk1"/>
+          </a:lnRef>
+          <a:fillRef idx="1">
+            <a:schemeClr val="lt1"/>
+          </a:fillRef>
+          <a:effectRef idx="0">
+            <a:schemeClr val="dk1"/>
+          </a:effectRef>
+          <a:fontRef idx="minor">
+            <a:schemeClr val="dk1"/>
+          </a:fontRef>
+        </p:style>
+        <p:txBody>
+          <a:bodyPr rtlCol="0" anchor="ctr"/>
+          <a:lstStyle/>
+          <a:p>
+            <a:pPr algn="ctr"/>
+            <a:endParaRPr kumimoji="1" lang="ja-JP" altLang="en-US"/>
+          </a:p>
+        </p:txBody>
+      </p:sp>
+      <p:sp>
+        <p:nvSpPr>
+          <p:cNvPr id="17" name="テキスト ボックス 16"/>
+          <p:cNvSpPr txBox="1"/>
+          <p:nvPr/>
+        </p:nvSpPr>
+        <p:spPr>
+          <a:xfrm>
+            <a:off x="7344988" y="2231871"/>
+            <a:ext cx="3502882" cy="523220"/>
+          </a:xfrm>
+          <a:prstGeom prst="rect">
+            <a:avLst/>
+          </a:prstGeom>
+          <a:solidFill>
+            <a:schemeClr val="tx2"/>
+          </a:solidFill>
+        </p:spPr>
+        <p:txBody>
+          <a:bodyPr wrap="none" rtlCol="0">
+            <a:spAutoFit/>
+          </a:bodyPr>
+          <a:lstStyle/>
+          <a:p>
+            <a:r>
+              <a:rPr kumimoji="1" lang="ja-JP" altLang="en-US" sz="2800" b="1" dirty="0" smtClean="0">
+                <a:solidFill>
+                  <a:schemeClr val="bg1"/>
+                </a:solidFill>
+              </a:rPr>
+              <a:t>オブジェクト・履歴など</a:t>
+            </a:r>
+            <a:endParaRPr kumimoji="1" lang="ja-JP" altLang="en-US" sz="2800" b="1" dirty="0">
+              <a:solidFill>
+                <a:schemeClr val="bg1"/>
+              </a:solidFill>
+            </a:endParaRPr>
+          </a:p>
+        </p:txBody>
+      </p:sp>
+      <p:sp>
+        <p:nvSpPr>
+          <p:cNvPr id="18" name="テキスト ボックス 17"/>
+          <p:cNvSpPr txBox="1"/>
+          <p:nvPr/>
+        </p:nvSpPr>
+        <p:spPr>
+          <a:xfrm>
+            <a:off x="214952" y="6114382"/>
+            <a:ext cx="3956532" cy="523220"/>
+          </a:xfrm>
+          <a:prstGeom prst="rect">
+            <a:avLst/>
+          </a:prstGeom>
+          <a:solidFill>
+            <a:schemeClr val="tx2"/>
+          </a:solidFill>
+        </p:spPr>
+        <p:txBody>
+          <a:bodyPr wrap="none" rtlCol="0">
+            <a:spAutoFit/>
+          </a:bodyPr>
+          <a:lstStyle/>
+          <a:p>
+            <a:r>
+              <a:rPr kumimoji="1" lang="ja-JP" altLang="en-US" sz="2800" b="1" dirty="0" smtClean="0">
+                <a:solidFill>
+                  <a:srgbClr val="FFC000"/>
+                </a:solidFill>
+              </a:rPr>
+              <a:t>ただし、カスタマイズ可能</a:t>
+            </a:r>
+            <a:endParaRPr kumimoji="1" lang="ja-JP" altLang="en-US" sz="2800" b="1" dirty="0">
+              <a:solidFill>
+                <a:srgbClr val="FFC000"/>
+              </a:solidFill>
+            </a:endParaRPr>
+          </a:p>
+        </p:txBody>
+      </p:sp>
+    </p:spTree>
+    <p:extLst>
+      <p:ext uri="{BB962C8B-B14F-4D97-AF65-F5344CB8AC3E}">
+        <p14:creationId xmlns:p14="http://schemas.microsoft.com/office/powerpoint/2010/main" val="2497010619"/>
+      </p:ext>
+    </p:extLst>
+  </p:cSld>
+  <p:clrMapOvr>
+    <a:masterClrMapping/>
+  </p:clrMapOvr>
+</p:sld>
+</file>
+
+<file path=ppt/slides/slide9.xml><?xml version="1.0" encoding="utf-8"?>
+<p:sld xmlns:a="http://schemas.openxmlformats.org/drawingml/2006/main" xmlns:r="http://schemas.openxmlformats.org/officeDocument/2006/relationships" xmlns:p="http://schemas.openxmlformats.org/presentationml/2006/main">
+  <p:cSld>
+    <p:spTree>
+      <p:nvGrpSpPr>
+        <p:cNvPr id="1" name=""/>
+        <p:cNvGrpSpPr/>
+        <p:nvPr/>
+      </p:nvGrpSpPr>
+      <p:grpSpPr>
+        <a:xfrm>
+          <a:off x="0" y="0"/>
+          <a:ext cx="0" cy="0"/>
+          <a:chOff x="0" y="0"/>
+          <a:chExt cx="0" cy="0"/>
+        </a:xfrm>
+      </p:grpSpPr>
+      <p:sp>
+        <p:nvSpPr>
+          <p:cNvPr id="4" name="フッター プレースホルダー 3"/>
+          <p:cNvSpPr>
+            <a:spLocks noGrp="1"/>
+          </p:cNvSpPr>
+          <p:nvPr>
+            <p:ph type="ftr" sz="quarter" idx="11"/>
+          </p:nvPr>
+        </p:nvSpPr>
+        <p:spPr/>
+        <p:txBody>
+          <a:bodyPr/>
+          <a:lstStyle/>
+          <a:p>
+            <a:r>
+              <a:rPr lang="en-US" altLang="ja-JP" smtClean="0"/>
+              <a:t>R</a:t>
+            </a:r>
+            <a:r>
+              <a:rPr lang="ja-JP" altLang="en-US" smtClean="0"/>
+              <a:t> </a:t>
+            </a:r>
+            <a:r>
+              <a:rPr lang="en-US" altLang="ja-JP" smtClean="0"/>
+              <a:t>for</a:t>
+            </a:r>
+            <a:r>
+              <a:rPr lang="ja-JP" altLang="en-US" smtClean="0"/>
+              <a:t> </a:t>
+            </a:r>
+            <a:r>
+              <a:rPr lang="en-US" altLang="ja-JP" smtClean="0"/>
+              <a:t>Pharmacometrics</a:t>
+            </a:r>
+            <a:endParaRPr lang="ja-JP" altLang="en-US" dirty="0" smtClean="0"/>
+          </a:p>
+        </p:txBody>
+      </p:sp>
+      <p:sp>
+        <p:nvSpPr>
+          <p:cNvPr id="5" name="スライド番号プレースホルダー 4"/>
+          <p:cNvSpPr>
+            <a:spLocks noGrp="1"/>
+          </p:cNvSpPr>
+          <p:nvPr>
+            <p:ph type="sldNum" sz="quarter" idx="12"/>
+          </p:nvPr>
+        </p:nvSpPr>
+        <p:spPr/>
+        <p:txBody>
+          <a:bodyPr/>
+          <a:lstStyle/>
+          <a:p>
+            <a:fld id="{93256357-0251-4953-A9B8-633A05DE8E91}" type="slidenum">
+              <a:rPr kumimoji="1" lang="ja-JP" altLang="en-US" smtClean="0"/>
+              <a:t>9</a:t>
+            </a:fld>
+            <a:endParaRPr kumimoji="1" lang="ja-JP" altLang="en-US"/>
+          </a:p>
+        </p:txBody>
+      </p:sp>
+      <p:pic>
+        <p:nvPicPr>
+          <p:cNvPr id="7" name="図 6"/>
+          <p:cNvPicPr>
+            <a:picLocks noChangeAspect="1"/>
+          </p:cNvPicPr>
+          <p:nvPr/>
+        </p:nvPicPr>
+        <p:blipFill>
+          <a:blip r:embed="rId2"/>
+          <a:stretch>
+            <a:fillRect/>
+          </a:stretch>
+        </p:blipFill>
+        <p:spPr>
+          <a:xfrm>
+            <a:off x="1167663" y="127323"/>
+            <a:ext cx="9431001" cy="6459012"/>
+          </a:xfrm>
+          <a:prstGeom prst="rect">
+            <a:avLst/>
+          </a:prstGeom>
+        </p:spPr>
+      </p:pic>
+      <p:sp>
+        <p:nvSpPr>
+          <p:cNvPr id="10" name="角丸四角形 9"/>
+          <p:cNvSpPr/>
+          <p:nvPr/>
+        </p:nvSpPr>
+        <p:spPr>
+          <a:xfrm>
+            <a:off x="763929" y="3958542"/>
+            <a:ext cx="6123008" cy="2812648"/>
+          </a:xfrm>
+          <a:prstGeom prst="roundRect">
+            <a:avLst>
+              <a:gd name="adj" fmla="val 6239"/>
+            </a:avLst>
+          </a:prstGeom>
+          <a:noFill/>
+          <a:ln w="57150">
+            <a:solidFill>
+              <a:schemeClr val="accent4">
+                <a:lumMod val="60000"/>
+                <a:lumOff val="40000"/>
+              </a:schemeClr>
+            </a:solidFill>
+          </a:ln>
+        </p:spPr>
+        <p:style>
+          <a:lnRef idx="2">
+            <a:schemeClr val="accent1">
+              <a:shade val="50000"/>
+            </a:schemeClr>
+          </a:lnRef>
+          <a:fillRef idx="1">
+            <a:schemeClr val="accent1"/>
+          </a:fillRef>
+          <a:effectRef idx="0">
+            <a:schemeClr val="accent1"/>
+          </a:effectRef>
+          <a:fontRef idx="minor">
+            <a:schemeClr val="lt1"/>
+          </a:fontRef>
+        </p:style>
+        <p:txBody>
+          <a:bodyPr rtlCol="0" anchor="ctr"/>
+          <a:lstStyle/>
+          <a:p>
+            <a:pPr algn="ctr"/>
+            <a:endParaRPr kumimoji="1" lang="ja-JP" altLang="en-US"/>
+          </a:p>
+        </p:txBody>
+      </p:sp>
+      <p:sp>
+        <p:nvSpPr>
+          <p:cNvPr id="11" name="テキスト ボックス 10"/>
+          <p:cNvSpPr txBox="1"/>
+          <p:nvPr/>
+        </p:nvSpPr>
+        <p:spPr>
+          <a:xfrm>
+            <a:off x="2551109" y="5128605"/>
+            <a:ext cx="2501006" cy="523220"/>
+          </a:xfrm>
+          <a:prstGeom prst="rect">
+            <a:avLst/>
+          </a:prstGeom>
+          <a:solidFill>
+            <a:schemeClr val="tx2"/>
+          </a:solidFill>
+        </p:spPr>
+        <p:txBody>
+          <a:bodyPr wrap="none" rtlCol="0">
+            <a:spAutoFit/>
+          </a:bodyPr>
+          <a:lstStyle/>
+          <a:p>
+            <a:r>
+              <a:rPr kumimoji="1" lang="ja-JP" altLang="en-US" sz="2800" b="1" dirty="0" smtClean="0">
+                <a:solidFill>
+                  <a:srgbClr val="FFC000"/>
+                </a:solidFill>
+              </a:rPr>
+              <a:t>コンソール画面</a:t>
+            </a:r>
+            <a:endParaRPr kumimoji="1" lang="ja-JP" altLang="en-US" sz="2800" b="1" dirty="0">
+              <a:solidFill>
+                <a:srgbClr val="FFC000"/>
+              </a:solidFill>
+            </a:endParaRPr>
+          </a:p>
+        </p:txBody>
+      </p:sp>
+      <p:sp>
+        <p:nvSpPr>
+          <p:cNvPr id="12" name="角丸四角形 11"/>
+          <p:cNvSpPr/>
+          <p:nvPr/>
+        </p:nvSpPr>
+        <p:spPr>
+          <a:xfrm>
+            <a:off x="802398" y="1008528"/>
+            <a:ext cx="5941302" cy="2879629"/>
+          </a:xfrm>
+          <a:prstGeom prst="roundRect">
+            <a:avLst>
+              <a:gd name="adj" fmla="val 6239"/>
+            </a:avLst>
+          </a:prstGeom>
+          <a:noFill/>
+          <a:ln w="57150">
+            <a:solidFill>
+              <a:schemeClr val="accent6"/>
+            </a:solidFill>
+          </a:ln>
+        </p:spPr>
+        <p:style>
+          <a:lnRef idx="2">
+            <a:schemeClr val="accent1">
+              <a:shade val="50000"/>
+            </a:schemeClr>
+          </a:lnRef>
+          <a:fillRef idx="1">
+            <a:schemeClr val="accent1"/>
+          </a:fillRef>
+          <a:effectRef idx="0">
+            <a:schemeClr val="accent1"/>
+          </a:effectRef>
+          <a:fontRef idx="minor">
+            <a:schemeClr val="lt1"/>
+          </a:fontRef>
+        </p:style>
+        <p:txBody>
+          <a:bodyPr rtlCol="0" anchor="ctr"/>
+          <a:lstStyle/>
+          <a:p>
+            <a:pPr algn="ctr"/>
+            <a:endParaRPr kumimoji="1" lang="ja-JP" altLang="en-US"/>
+          </a:p>
+        </p:txBody>
+      </p:sp>
+      <p:sp>
+        <p:nvSpPr>
+          <p:cNvPr id="13" name="テキスト ボックス 12"/>
+          <p:cNvSpPr txBox="1"/>
+          <p:nvPr/>
+        </p:nvSpPr>
+        <p:spPr>
+          <a:xfrm>
+            <a:off x="3065305" y="2242651"/>
+            <a:ext cx="1364476" cy="523220"/>
+          </a:xfrm>
+          <a:prstGeom prst="rect">
+            <a:avLst/>
+          </a:prstGeom>
+          <a:solidFill>
+            <a:schemeClr val="tx2"/>
+          </a:solidFill>
+        </p:spPr>
+        <p:txBody>
+          <a:bodyPr wrap="none" rtlCol="0">
+            <a:spAutoFit/>
+          </a:bodyPr>
+          <a:lstStyle/>
+          <a:p>
+            <a:r>
+              <a:rPr kumimoji="1" lang="ja-JP" altLang="en-US" sz="2800" b="1" dirty="0" smtClean="0">
+                <a:solidFill>
+                  <a:schemeClr val="accent6"/>
+                </a:solidFill>
+              </a:rPr>
+              <a:t>エディタ</a:t>
+            </a:r>
+            <a:endParaRPr kumimoji="1" lang="ja-JP" altLang="en-US" sz="2800" b="1" dirty="0">
+              <a:solidFill>
+                <a:schemeClr val="accent6"/>
+              </a:solidFill>
+            </a:endParaRPr>
+          </a:p>
+        </p:txBody>
+      </p:sp>
+      <p:sp>
+        <p:nvSpPr>
+          <p:cNvPr id="14" name="角丸四角形 13"/>
+          <p:cNvSpPr/>
+          <p:nvPr/>
+        </p:nvSpPr>
+        <p:spPr>
+          <a:xfrm>
+            <a:off x="6909802" y="3059206"/>
+            <a:ext cx="4523772" cy="3597087"/>
+          </a:xfrm>
+          <a:prstGeom prst="roundRect">
+            <a:avLst>
+              <a:gd name="adj" fmla="val 6239"/>
+            </a:avLst>
+          </a:prstGeom>
+          <a:noFill/>
+          <a:ln w="57150">
+            <a:solidFill>
+              <a:schemeClr val="accent2"/>
+            </a:solidFill>
+          </a:ln>
+        </p:spPr>
+        <p:style>
+          <a:lnRef idx="2">
+            <a:schemeClr val="accent1">
+              <a:shade val="50000"/>
+            </a:schemeClr>
+          </a:lnRef>
+          <a:fillRef idx="1">
+            <a:schemeClr val="accent1"/>
+          </a:fillRef>
+          <a:effectRef idx="0">
+            <a:schemeClr val="accent1"/>
+          </a:effectRef>
+          <a:fontRef idx="minor">
+            <a:schemeClr val="lt1"/>
+          </a:fontRef>
+        </p:style>
+        <p:txBody>
+          <a:bodyPr rtlCol="0" anchor="ctr"/>
+          <a:lstStyle/>
+          <a:p>
+            <a:pPr algn="ctr"/>
+            <a:endParaRPr kumimoji="1" lang="ja-JP" altLang="en-US"/>
+          </a:p>
+        </p:txBody>
+      </p:sp>
+      <p:sp>
+        <p:nvSpPr>
+          <p:cNvPr id="15" name="テキスト ボックス 14"/>
+          <p:cNvSpPr txBox="1"/>
+          <p:nvPr/>
+        </p:nvSpPr>
+        <p:spPr>
+          <a:xfrm>
+            <a:off x="7427911" y="4930247"/>
+            <a:ext cx="3738524" cy="954107"/>
+          </a:xfrm>
+          <a:prstGeom prst="rect">
+            <a:avLst/>
+          </a:prstGeom>
+          <a:solidFill>
+            <a:schemeClr val="tx2"/>
+          </a:solidFill>
+        </p:spPr>
+        <p:txBody>
+          <a:bodyPr wrap="none" rtlCol="0">
+            <a:spAutoFit/>
+          </a:bodyPr>
+          <a:lstStyle/>
+          <a:p>
+            <a:r>
+              <a:rPr kumimoji="1" lang="ja-JP" altLang="en-US" sz="2800" b="1" dirty="0" smtClean="0">
+                <a:solidFill>
+                  <a:schemeClr val="accent2"/>
+                </a:solidFill>
+              </a:rPr>
+              <a:t>グラフ・ファイル・</a:t>
+            </a:r>
+            <a:endParaRPr kumimoji="1" lang="en-US" altLang="ja-JP" sz="2800" b="1" dirty="0" smtClean="0">
+              <a:solidFill>
+                <a:schemeClr val="accent2"/>
+              </a:solidFill>
+            </a:endParaRPr>
+          </a:p>
+          <a:p>
+            <a:r>
+              <a:rPr lang="ja-JP" altLang="en-US" sz="2800" b="1" dirty="0" smtClean="0">
+                <a:solidFill>
+                  <a:schemeClr val="accent2"/>
+                </a:solidFill>
+              </a:rPr>
+              <a:t>ヘルプ・パッケージ管理</a:t>
+            </a:r>
+            <a:endParaRPr kumimoji="1" lang="ja-JP" altLang="en-US" sz="2800" b="1" dirty="0">
+              <a:solidFill>
+                <a:schemeClr val="accent2"/>
+              </a:solidFill>
+            </a:endParaRPr>
+          </a:p>
+        </p:txBody>
+      </p:sp>
+      <p:sp>
+        <p:nvSpPr>
+          <p:cNvPr id="16" name="角丸四角形 15"/>
+          <p:cNvSpPr/>
+          <p:nvPr/>
+        </p:nvSpPr>
+        <p:spPr>
+          <a:xfrm>
+            <a:off x="6826879" y="898712"/>
+            <a:ext cx="4523772" cy="2086536"/>
+          </a:xfrm>
+          <a:prstGeom prst="roundRect">
+            <a:avLst>
+              <a:gd name="adj" fmla="val 6239"/>
+            </a:avLst>
+          </a:prstGeom>
+          <a:noFill/>
+          <a:ln w="38100"/>
+        </p:spPr>
+        <p:style>
+          <a:lnRef idx="2">
+            <a:schemeClr val="dk1"/>
+          </a:lnRef>
+          <a:fillRef idx="1">
+            <a:schemeClr val="lt1"/>
+          </a:fillRef>
+          <a:effectRef idx="0">
+            <a:schemeClr val="dk1"/>
+          </a:effectRef>
+          <a:fontRef idx="minor">
+            <a:schemeClr val="dk1"/>
+          </a:fontRef>
+        </p:style>
+        <p:txBody>
+          <a:bodyPr rtlCol="0" anchor="ctr"/>
+          <a:lstStyle/>
+          <a:p>
+            <a:pPr algn="ctr"/>
+            <a:endParaRPr kumimoji="1" lang="ja-JP" altLang="en-US"/>
+          </a:p>
+        </p:txBody>
+      </p:sp>
+      <p:sp>
+        <p:nvSpPr>
+          <p:cNvPr id="17" name="テキスト ボックス 16"/>
+          <p:cNvSpPr txBox="1"/>
+          <p:nvPr/>
+        </p:nvSpPr>
+        <p:spPr>
+          <a:xfrm>
+            <a:off x="7344988" y="2231871"/>
+            <a:ext cx="3502882" cy="523220"/>
+          </a:xfrm>
+          <a:prstGeom prst="rect">
+            <a:avLst/>
+          </a:prstGeom>
+          <a:solidFill>
+            <a:schemeClr val="tx2"/>
+          </a:solidFill>
+        </p:spPr>
+        <p:txBody>
+          <a:bodyPr wrap="none" rtlCol="0">
+            <a:spAutoFit/>
+          </a:bodyPr>
+          <a:lstStyle/>
+          <a:p>
+            <a:r>
+              <a:rPr kumimoji="1" lang="ja-JP" altLang="en-US" sz="2800" b="1" dirty="0" smtClean="0">
+                <a:solidFill>
+                  <a:schemeClr val="bg1"/>
+                </a:solidFill>
+              </a:rPr>
+              <a:t>オブジェクト・履歴など</a:t>
+            </a:r>
+            <a:endParaRPr kumimoji="1" lang="ja-JP" altLang="en-US" sz="2800" b="1" dirty="0">
+              <a:solidFill>
+                <a:schemeClr val="bg1"/>
+              </a:solidFill>
+            </a:endParaRPr>
+          </a:p>
+        </p:txBody>
+      </p:sp>
+    </p:spTree>
+    <p:extLst>
+      <p:ext uri="{BB962C8B-B14F-4D97-AF65-F5344CB8AC3E}">
+        <p14:creationId xmlns:p14="http://schemas.microsoft.com/office/powerpoint/2010/main" val="1817667451"/>
       </p:ext>
     </p:extLst>
   </p:cSld>

--- a/sample/0_introduction.pptx
+++ b/sample/0_introduction.pptx
@@ -5,7 +5,7 @@
     <p:sldMasterId id="2147483660" r:id="rId1"/>
   </p:sldMasterIdLst>
   <p:notesMasterIdLst>
-    <p:notesMasterId r:id="rId13"/>
+    <p:notesMasterId r:id="rId14"/>
   </p:notesMasterIdLst>
   <p:sldIdLst>
     <p:sldId id="287" r:id="rId2"/>
@@ -18,7 +18,8 @@
     <p:sldId id="306" r:id="rId9"/>
     <p:sldId id="307" r:id="rId10"/>
     <p:sldId id="308" r:id="rId11"/>
-    <p:sldId id="309" r:id="rId12"/>
+    <p:sldId id="310" r:id="rId12"/>
+    <p:sldId id="309" r:id="rId13"/>
   </p:sldIdLst>
   <p:sldSz cx="12192000" cy="6858000"/>
   <p:notesSz cx="6807200" cy="9939338"/>
@@ -4394,7 +4395,36 @@
           <a:bodyPr/>
           <a:lstStyle/>
           <a:p>
-            <a:endParaRPr kumimoji="1" lang="ja-JP" altLang="en-US"/>
+            <a:r>
+              <a:rPr kumimoji="1" lang="en-US" altLang="ja-JP" b="1" dirty="0" err="1" smtClean="0">
+                <a:solidFill>
+                  <a:schemeClr val="tx1">
+                    <a:lumMod val="50000"/>
+                    <a:lumOff val="50000"/>
+                  </a:schemeClr>
+                </a:solidFill>
+              </a:rPr>
+              <a:t>Rstudio</a:t>
+            </a:r>
+            <a:r>
+              <a:rPr kumimoji="1" lang="en-US" altLang="ja-JP" b="1" dirty="0" smtClean="0">
+                <a:solidFill>
+                  <a:schemeClr val="tx1">
+                    <a:lumMod val="50000"/>
+                    <a:lumOff val="50000"/>
+                  </a:schemeClr>
+                </a:solidFill>
+              </a:rPr>
+              <a:t> cloud</a:t>
+            </a:r>
+            <a:endParaRPr kumimoji="1" lang="ja-JP" altLang="en-US" b="1" dirty="0">
+              <a:solidFill>
+                <a:schemeClr val="tx1">
+                  <a:lumMod val="50000"/>
+                  <a:lumOff val="50000"/>
+                </a:schemeClr>
+              </a:solidFill>
+            </a:endParaRPr>
           </a:p>
         </p:txBody>
       </p:sp>
@@ -4408,12 +4438,111 @@
             <p:ph idx="1"/>
           </p:nvPr>
         </p:nvSpPr>
-        <p:spPr/>
-        <p:txBody>
-          <a:bodyPr/>
-          <a:lstStyle/>
-          <a:p>
-            <a:endParaRPr kumimoji="1" lang="ja-JP" altLang="en-US"/>
+        <p:spPr>
+          <a:xfrm>
+            <a:off x="838200" y="1825625"/>
+            <a:ext cx="10515600" cy="4783604"/>
+          </a:xfrm>
+        </p:spPr>
+        <p:txBody>
+          <a:bodyPr>
+            <a:normAutofit/>
+          </a:bodyPr>
+          <a:lstStyle/>
+          <a:p>
+            <a:r>
+              <a:rPr lang="ja-JP" altLang="en-US" dirty="0"/>
+              <a:t>今日</a:t>
+            </a:r>
+            <a:r>
+              <a:rPr lang="ja-JP" altLang="en-US" dirty="0" smtClean="0"/>
+              <a:t>は</a:t>
+            </a:r>
+            <a:r>
+              <a:rPr lang="en-US" altLang="ja-JP" dirty="0" err="1" smtClean="0"/>
+              <a:t>Rstudio</a:t>
+            </a:r>
+            <a:r>
+              <a:rPr lang="en-US" altLang="ja-JP" dirty="0" smtClean="0"/>
+              <a:t> cloud free</a:t>
+            </a:r>
+            <a:r>
+              <a:rPr lang="ja-JP" altLang="en-US" dirty="0" smtClean="0"/>
+              <a:t>でセミナーを行います</a:t>
+            </a:r>
+            <a:endParaRPr lang="en-US" altLang="ja-JP" dirty="0" smtClean="0"/>
+          </a:p>
+          <a:p>
+            <a:r>
+              <a:rPr kumimoji="1" lang="en-US" altLang="ja-JP" dirty="0" smtClean="0"/>
+              <a:t>15 project</a:t>
+            </a:r>
+            <a:r>
+              <a:rPr kumimoji="1" lang="ja-JP" altLang="en-US" dirty="0" err="1" smtClean="0"/>
+              <a:t>まで</a:t>
+            </a:r>
+            <a:r>
+              <a:rPr kumimoji="1" lang="ja-JP" altLang="en-US" dirty="0" smtClean="0"/>
+              <a:t>使用可能</a:t>
+            </a:r>
+            <a:endParaRPr kumimoji="1" lang="en-US" altLang="ja-JP" dirty="0" smtClean="0"/>
+          </a:p>
+          <a:p>
+            <a:r>
+              <a:rPr lang="en-US" altLang="ja-JP" dirty="0" smtClean="0"/>
+              <a:t>15 project hours per month</a:t>
+            </a:r>
+            <a:r>
+              <a:rPr lang="ja-JP" altLang="en-US" dirty="0" smtClean="0"/>
+              <a:t>の使用制限</a:t>
+            </a:r>
+            <a:endParaRPr lang="en-US" altLang="ja-JP" dirty="0" smtClean="0"/>
+          </a:p>
+          <a:p>
+            <a:r>
+              <a:rPr kumimoji="1" lang="ja-JP" altLang="en-US" dirty="0" smtClean="0"/>
+              <a:t>登録作業時間短縮のため、あらかじめ作成していただいた</a:t>
+            </a:r>
+            <a:r>
+              <a:rPr kumimoji="1" lang="en-US" altLang="ja-JP" dirty="0" smtClean="0"/>
+              <a:t/>
+            </a:r>
+            <a:br>
+              <a:rPr kumimoji="1" lang="en-US" altLang="ja-JP" dirty="0" smtClean="0"/>
+            </a:br>
+            <a:r>
+              <a:rPr kumimoji="1" lang="en-US" altLang="ja-JP" dirty="0" smtClean="0"/>
+              <a:t>Google</a:t>
+            </a:r>
+            <a:r>
+              <a:rPr kumimoji="1" lang="ja-JP" altLang="en-US" dirty="0" smtClean="0"/>
+              <a:t>アカウントでサインインしてください</a:t>
+            </a:r>
+            <a:endParaRPr kumimoji="1" lang="en-US" altLang="ja-JP" dirty="0" smtClean="0"/>
+          </a:p>
+          <a:p>
+            <a:endParaRPr lang="en-US" altLang="ja-JP" dirty="0"/>
+          </a:p>
+          <a:p>
+            <a:pPr marL="0" indent="0">
+              <a:buNone/>
+            </a:pPr>
+            <a:r>
+              <a:rPr lang="ja-JP" altLang="en-US" dirty="0" smtClean="0"/>
+              <a:t>　</a:t>
+            </a:r>
+            <a:r>
+              <a:rPr lang="en-US" altLang="ja-JP" dirty="0" smtClean="0"/>
+              <a:t>https</a:t>
+            </a:r>
+            <a:r>
+              <a:rPr lang="en-US" altLang="ja-JP" dirty="0"/>
+              <a:t>://rstudio.cloud/project/1573510</a:t>
+            </a:r>
+            <a:endParaRPr kumimoji="1" lang="en-US" altLang="ja-JP" dirty="0" smtClean="0"/>
+          </a:p>
+          <a:p>
+            <a:endParaRPr kumimoji="1" lang="en-US" altLang="ja-JP" dirty="0" smtClean="0"/>
           </a:p>
         </p:txBody>
       </p:sp>
@@ -4474,6 +4603,136 @@
             <a:fld id="{93256357-0251-4953-A9B8-633A05DE8E91}" type="slidenum">
               <a:rPr kumimoji="1" lang="ja-JP" altLang="en-US" smtClean="0"/>
               <a:t>11</a:t>
+            </a:fld>
+            <a:endParaRPr kumimoji="1" lang="ja-JP" altLang="en-US"/>
+          </a:p>
+        </p:txBody>
+      </p:sp>
+    </p:spTree>
+    <p:extLst>
+      <p:ext uri="{BB962C8B-B14F-4D97-AF65-F5344CB8AC3E}">
+        <p14:creationId xmlns:p14="http://schemas.microsoft.com/office/powerpoint/2010/main" val="1006658430"/>
+      </p:ext>
+    </p:extLst>
+  </p:cSld>
+  <p:clrMapOvr>
+    <a:masterClrMapping/>
+  </p:clrMapOvr>
+</p:sld>
+</file>
+
+<file path=ppt/slides/slide12.xml><?xml version="1.0" encoding="utf-8"?>
+<p:sld xmlns:a="http://schemas.openxmlformats.org/drawingml/2006/main" xmlns:r="http://schemas.openxmlformats.org/officeDocument/2006/relationships" xmlns:p="http://schemas.openxmlformats.org/presentationml/2006/main">
+  <p:cSld>
+    <p:spTree>
+      <p:nvGrpSpPr>
+        <p:cNvPr id="1" name=""/>
+        <p:cNvGrpSpPr/>
+        <p:nvPr/>
+      </p:nvGrpSpPr>
+      <p:grpSpPr>
+        <a:xfrm>
+          <a:off x="0" y="0"/>
+          <a:ext cx="0" cy="0"/>
+          <a:chOff x="0" y="0"/>
+          <a:chExt cx="0" cy="0"/>
+        </a:xfrm>
+      </p:grpSpPr>
+      <p:sp>
+        <p:nvSpPr>
+          <p:cNvPr id="2" name="タイトル 1"/>
+          <p:cNvSpPr>
+            <a:spLocks noGrp="1"/>
+          </p:cNvSpPr>
+          <p:nvPr>
+            <p:ph type="title"/>
+          </p:nvPr>
+        </p:nvSpPr>
+        <p:spPr/>
+        <p:txBody>
+          <a:bodyPr/>
+          <a:lstStyle/>
+          <a:p>
+            <a:endParaRPr kumimoji="1" lang="ja-JP" altLang="en-US"/>
+          </a:p>
+        </p:txBody>
+      </p:sp>
+      <p:sp>
+        <p:nvSpPr>
+          <p:cNvPr id="3" name="コンテンツ プレースホルダー 2"/>
+          <p:cNvSpPr>
+            <a:spLocks noGrp="1"/>
+          </p:cNvSpPr>
+          <p:nvPr>
+            <p:ph idx="1"/>
+          </p:nvPr>
+        </p:nvSpPr>
+        <p:spPr/>
+        <p:txBody>
+          <a:bodyPr/>
+          <a:lstStyle/>
+          <a:p>
+            <a:endParaRPr kumimoji="1" lang="ja-JP" altLang="en-US"/>
+          </a:p>
+        </p:txBody>
+      </p:sp>
+      <p:sp>
+        <p:nvSpPr>
+          <p:cNvPr id="4" name="フッター プレースホルダー 3"/>
+          <p:cNvSpPr>
+            <a:spLocks noGrp="1"/>
+          </p:cNvSpPr>
+          <p:nvPr>
+            <p:ph type="ftr" sz="quarter" idx="11"/>
+          </p:nvPr>
+        </p:nvSpPr>
+        <p:spPr/>
+        <p:txBody>
+          <a:bodyPr/>
+          <a:lstStyle/>
+          <a:p>
+            <a:r>
+              <a:rPr lang="en-US" altLang="ja-JP" smtClean="0"/>
+              <a:t>R</a:t>
+            </a:r>
+            <a:r>
+              <a:rPr lang="ja-JP" altLang="en-US" smtClean="0"/>
+              <a:t> </a:t>
+            </a:r>
+            <a:r>
+              <a:rPr lang="en-US" altLang="ja-JP" smtClean="0"/>
+              <a:t>for</a:t>
+            </a:r>
+            <a:r>
+              <a:rPr lang="ja-JP" altLang="en-US" smtClean="0"/>
+              <a:t> </a:t>
+            </a:r>
+            <a:r>
+              <a:rPr lang="en-US" altLang="ja-JP" smtClean="0"/>
+              <a:t>Pharmacometrics</a:t>
+            </a:r>
+            <a:endParaRPr lang="ja-JP" altLang="en-US" dirty="0" smtClean="0"/>
+          </a:p>
+        </p:txBody>
+      </p:sp>
+      <p:sp>
+        <p:nvSpPr>
+          <p:cNvPr id="5" name="スライド番号プレースホルダー 4"/>
+          <p:cNvSpPr>
+            <a:spLocks noGrp="1"/>
+          </p:cNvSpPr>
+          <p:nvPr>
+            <p:ph type="sldNum" sz="quarter" idx="12"/>
+          </p:nvPr>
+        </p:nvSpPr>
+        <p:spPr/>
+        <p:txBody>
+          <a:bodyPr/>
+          <a:lstStyle/>
+          <a:p>
+            <a:fld id="{93256357-0251-4953-A9B8-633A05DE8E91}" type="slidenum">
+              <a:rPr kumimoji="1" lang="ja-JP" altLang="en-US" smtClean="0"/>
+              <a:t>12</a:t>
             </a:fld>
             <a:endParaRPr kumimoji="1" lang="ja-JP" altLang="en-US"/>
           </a:p>

--- a/sample/0_introduction.pptx
+++ b/sample/0_introduction.pptx
@@ -5,7 +5,7 @@
     <p:sldMasterId id="2147483660" r:id="rId1"/>
   </p:sldMasterIdLst>
   <p:notesMasterIdLst>
-    <p:notesMasterId r:id="rId14"/>
+    <p:notesMasterId r:id="rId29"/>
   </p:notesMasterIdLst>
   <p:sldIdLst>
     <p:sldId id="287" r:id="rId2"/>
@@ -16,10 +16,25 @@
     <p:sldId id="304" r:id="rId7"/>
     <p:sldId id="305" r:id="rId8"/>
     <p:sldId id="306" r:id="rId9"/>
-    <p:sldId id="307" r:id="rId10"/>
-    <p:sldId id="308" r:id="rId11"/>
-    <p:sldId id="310" r:id="rId12"/>
-    <p:sldId id="309" r:id="rId13"/>
+    <p:sldId id="312" r:id="rId10"/>
+    <p:sldId id="321" r:id="rId11"/>
+    <p:sldId id="314" r:id="rId12"/>
+    <p:sldId id="315" r:id="rId13"/>
+    <p:sldId id="317" r:id="rId14"/>
+    <p:sldId id="328" r:id="rId15"/>
+    <p:sldId id="318" r:id="rId16"/>
+    <p:sldId id="319" r:id="rId17"/>
+    <p:sldId id="320" r:id="rId18"/>
+    <p:sldId id="323" r:id="rId19"/>
+    <p:sldId id="326" r:id="rId20"/>
+    <p:sldId id="324" r:id="rId21"/>
+    <p:sldId id="325" r:id="rId22"/>
+    <p:sldId id="327" r:id="rId23"/>
+    <p:sldId id="316" r:id="rId24"/>
+    <p:sldId id="310" r:id="rId25"/>
+    <p:sldId id="313" r:id="rId26"/>
+    <p:sldId id="311" r:id="rId27"/>
+    <p:sldId id="309" r:id="rId28"/>
   </p:sldIdLst>
   <p:sldSz cx="12192000" cy="6858000"/>
   <p:notesSz cx="6807200" cy="9939338"/>
@@ -208,7 +223,7 @@
           <a:p>
             <a:fld id="{2A71EC23-F9ED-424C-B5FB-B7B5F6D78B70}" type="datetimeFigureOut">
               <a:rPr kumimoji="1" lang="ja-JP" altLang="en-US" smtClean="0"/>
-              <a:t>2020/10/8</a:t>
+              <a:t>2020/10/18</a:t>
             </a:fld>
             <a:endParaRPr kumimoji="1" lang="ja-JP" altLang="en-US"/>
           </a:p>
@@ -728,7 +743,7 @@
           <a:p>
             <a:fld id="{0F81A95D-05BA-458D-BB44-152E4BC8CA84}" type="datetime1">
               <a:rPr kumimoji="1" lang="ja-JP" altLang="en-US" smtClean="0"/>
-              <a:t>2020/10/8</a:t>
+              <a:t>2020/10/18</a:t>
             </a:fld>
             <a:endParaRPr kumimoji="1" lang="ja-JP" altLang="en-US"/>
           </a:p>
@@ -957,7 +972,7 @@
           <a:p>
             <a:fld id="{9906A6E4-4266-427F-9354-B8DA436806C3}" type="datetime1">
               <a:rPr kumimoji="1" lang="ja-JP" altLang="en-US" smtClean="0"/>
-              <a:t>2020/10/8</a:t>
+              <a:t>2020/10/18</a:t>
             </a:fld>
             <a:endParaRPr kumimoji="1" lang="ja-JP" altLang="en-US"/>
           </a:p>
@@ -1173,7 +1188,7 @@
           <a:p>
             <a:fld id="{362664A4-23FB-43CF-818D-F7393D757BD2}" type="datetime1">
               <a:rPr kumimoji="1" lang="ja-JP" altLang="en-US" smtClean="0"/>
-              <a:t>2020/10/8</a:t>
+              <a:t>2020/10/18</a:t>
             </a:fld>
             <a:endParaRPr kumimoji="1" lang="ja-JP" altLang="en-US"/>
           </a:p>
@@ -1379,7 +1394,7 @@
           <a:p>
             <a:fld id="{BFE15652-DDD4-4E36-9CB3-8E9EF446BEDB}" type="datetime1">
               <a:rPr kumimoji="1" lang="ja-JP" altLang="en-US" smtClean="0"/>
-              <a:t>2020/10/8</a:t>
+              <a:t>2020/10/18</a:t>
             </a:fld>
             <a:endParaRPr kumimoji="1" lang="ja-JP" altLang="en-US"/>
           </a:p>
@@ -1650,7 +1665,7 @@
           <a:p>
             <a:fld id="{30BAF585-2E3D-431A-AD29-AD87965751CC}" type="datetime1">
               <a:rPr kumimoji="1" lang="ja-JP" altLang="en-US" smtClean="0"/>
-              <a:t>2020/10/8</a:t>
+              <a:t>2020/10/18</a:t>
             </a:fld>
             <a:endParaRPr kumimoji="1" lang="ja-JP" altLang="en-US"/>
           </a:p>
@@ -1973,7 +1988,7 @@
           <a:p>
             <a:fld id="{0A1D67E2-B520-4BB6-8434-DE7E995735B8}" type="datetime1">
               <a:rPr kumimoji="1" lang="ja-JP" altLang="en-US" smtClean="0"/>
-              <a:t>2020/10/8</a:t>
+              <a:t>2020/10/18</a:t>
             </a:fld>
             <a:endParaRPr kumimoji="1" lang="ja-JP" altLang="en-US"/>
           </a:p>
@@ -2431,7 +2446,7 @@
           <a:p>
             <a:fld id="{500F9857-EF08-440C-94CB-83D9EE0D5A5A}" type="datetime1">
               <a:rPr kumimoji="1" lang="ja-JP" altLang="en-US" smtClean="0"/>
-              <a:t>2020/10/8</a:t>
+              <a:t>2020/10/18</a:t>
             </a:fld>
             <a:endParaRPr kumimoji="1" lang="ja-JP" altLang="en-US"/>
           </a:p>
@@ -2576,7 +2591,7 @@
           <a:p>
             <a:fld id="{B6BF44F8-E47A-4CCA-94C1-5A88DC7B414A}" type="datetime1">
               <a:rPr kumimoji="1" lang="ja-JP" altLang="en-US" smtClean="0"/>
-              <a:t>2020/10/8</a:t>
+              <a:t>2020/10/18</a:t>
             </a:fld>
             <a:endParaRPr kumimoji="1" lang="ja-JP" altLang="en-US"/>
           </a:p>
@@ -2698,7 +2713,7 @@
           <a:p>
             <a:fld id="{DE263015-59FD-444D-A49B-45D0DD94C4F1}" type="datetime1">
               <a:rPr kumimoji="1" lang="ja-JP" altLang="en-US" smtClean="0"/>
-              <a:t>2020/10/8</a:t>
+              <a:t>2020/10/18</a:t>
             </a:fld>
             <a:endParaRPr kumimoji="1" lang="ja-JP" altLang="en-US"/>
           </a:p>
@@ -3034,7 +3049,7 @@
           <a:p>
             <a:fld id="{7A6651C1-F643-424E-9D81-62CF9A82FABB}" type="datetime1">
               <a:rPr kumimoji="1" lang="ja-JP" altLang="en-US" smtClean="0"/>
-              <a:t>2020/10/8</a:t>
+              <a:t>2020/10/18</a:t>
             </a:fld>
             <a:endParaRPr kumimoji="1" lang="ja-JP" altLang="en-US"/>
           </a:p>
@@ -3295,7 +3310,7 @@
           <a:p>
             <a:fld id="{E79AACC8-2A3E-4AB1-936D-2A445495DFBA}" type="datetime1">
               <a:rPr kumimoji="1" lang="ja-JP" altLang="en-US" smtClean="0"/>
-              <a:t>2020/10/8</a:t>
+              <a:t>2020/10/18</a:t>
             </a:fld>
             <a:endParaRPr kumimoji="1" lang="ja-JP" altLang="en-US"/>
           </a:p>
@@ -3544,7 +3559,7 @@
           <a:p>
             <a:fld id="{79B7E619-0862-4EB5-B675-91B651E48568}" type="datetime1">
               <a:rPr kumimoji="1" lang="ja-JP" altLang="en-US" smtClean="0"/>
-              <a:t>2020/10/8</a:t>
+              <a:t>2020/10/18</a:t>
             </a:fld>
             <a:endParaRPr kumimoji="1" lang="ja-JP" altLang="en-US"/>
           </a:p>
@@ -4183,7 +4198,7 @@
         <p:spPr>
           <a:xfrm>
             <a:off x="838200" y="1825625"/>
-            <a:ext cx="10515600" cy="4783604"/>
+            <a:ext cx="10611678" cy="679036"/>
           </a:xfrm>
         </p:spPr>
         <p:txBody>
@@ -4193,97 +4208,21 @@
           <a:lstStyle/>
           <a:p>
             <a:r>
-              <a:rPr lang="ja-JP" altLang="en-US" dirty="0"/>
-              <a:t>今日</a:t>
-            </a:r>
-            <a:r>
-              <a:rPr lang="ja-JP" altLang="en-US" dirty="0" smtClean="0"/>
-              <a:t>は</a:t>
-            </a:r>
-            <a:r>
-              <a:rPr lang="en-US" altLang="ja-JP" dirty="0" err="1" smtClean="0"/>
-              <a:t>Rstudio</a:t>
-            </a:r>
-            <a:r>
-              <a:rPr lang="en-US" altLang="ja-JP" dirty="0" smtClean="0"/>
-              <a:t> cloud free</a:t>
-            </a:r>
-            <a:r>
-              <a:rPr lang="ja-JP" altLang="en-US" dirty="0" smtClean="0"/>
-              <a:t>でセミナーを行います</a:t>
-            </a:r>
-            <a:endParaRPr lang="en-US" altLang="ja-JP" dirty="0" smtClean="0"/>
-          </a:p>
-          <a:p>
-            <a:r>
               <a:rPr kumimoji="1" lang="en-US" altLang="ja-JP" dirty="0" smtClean="0"/>
-              <a:t>15 project</a:t>
-            </a:r>
-            <a:r>
-              <a:rPr kumimoji="1" lang="ja-JP" altLang="en-US" dirty="0" err="1" smtClean="0"/>
-              <a:t>まで</a:t>
+              <a:t>Save a </a:t>
+            </a:r>
+            <a:r>
+              <a:rPr kumimoji="1" lang="en-US" altLang="ja-JP" dirty="0" err="1" smtClean="0"/>
+              <a:t>Permanet</a:t>
+            </a:r>
+            <a:r>
+              <a:rPr kumimoji="1" lang="en-US" altLang="ja-JP" dirty="0" smtClean="0"/>
+              <a:t> Coby</a:t>
             </a:r>
             <a:r>
               <a:rPr kumimoji="1" lang="ja-JP" altLang="en-US" dirty="0" smtClean="0"/>
-              <a:t>使用可能</a:t>
-            </a:r>
-            <a:endParaRPr kumimoji="1" lang="en-US" altLang="ja-JP" dirty="0" smtClean="0"/>
-          </a:p>
-          <a:p>
-            <a:r>
-              <a:rPr lang="en-US" altLang="ja-JP" dirty="0" smtClean="0"/>
-              <a:t>15 project hours per month</a:t>
-            </a:r>
-            <a:r>
-              <a:rPr lang="ja-JP" altLang="en-US" dirty="0" smtClean="0"/>
-              <a:t>の使用制限</a:t>
-            </a:r>
-            <a:endParaRPr lang="en-US" altLang="ja-JP" dirty="0" smtClean="0"/>
-          </a:p>
-          <a:p>
-            <a:r>
-              <a:rPr kumimoji="1" lang="ja-JP" altLang="en-US" dirty="0" smtClean="0"/>
-              <a:t>登録作業時間短縮のため、あらかじめ作成していただいた</a:t>
-            </a:r>
-            <a:r>
-              <a:rPr kumimoji="1" lang="en-US" altLang="ja-JP" dirty="0" smtClean="0"/>
-              <a:t/>
-            </a:r>
-            <a:br>
-              <a:rPr kumimoji="1" lang="en-US" altLang="ja-JP" dirty="0" smtClean="0"/>
-            </a:br>
-            <a:r>
-              <a:rPr kumimoji="1" lang="en-US" altLang="ja-JP" dirty="0" smtClean="0"/>
-              <a:t>Google</a:t>
-            </a:r>
-            <a:r>
-              <a:rPr kumimoji="1" lang="ja-JP" altLang="en-US" dirty="0" smtClean="0"/>
-              <a:t>アカウントでサインインしてください</a:t>
-            </a:r>
-            <a:endParaRPr kumimoji="1" lang="en-US" altLang="ja-JP" dirty="0" smtClean="0"/>
-          </a:p>
-          <a:p>
-            <a:endParaRPr lang="en-US" altLang="ja-JP" dirty="0"/>
-          </a:p>
-          <a:p>
-            <a:pPr marL="0" indent="0">
-              <a:buNone/>
-            </a:pPr>
-            <a:r>
-              <a:rPr lang="ja-JP" altLang="en-US" dirty="0" smtClean="0"/>
-              <a:t>　</a:t>
-            </a:r>
-            <a:r>
-              <a:rPr lang="en-US" altLang="ja-JP" dirty="0" smtClean="0"/>
-              <a:t>https</a:t>
-            </a:r>
-            <a:r>
-              <a:rPr lang="en-US" altLang="ja-JP" dirty="0"/>
-              <a:t>://rstudio.cloud/project/1573510</a:t>
-            </a:r>
-            <a:endParaRPr kumimoji="1" lang="en-US" altLang="ja-JP" dirty="0" smtClean="0"/>
-          </a:p>
-          <a:p>
+              <a:t>をクリックしてください</a:t>
+            </a:r>
             <a:endParaRPr kumimoji="1" lang="en-US" altLang="ja-JP" dirty="0" smtClean="0"/>
           </a:p>
         </p:txBody>
@@ -4350,10 +4289,347 @@
           </a:p>
         </p:txBody>
       </p:sp>
+      <p:pic>
+        <p:nvPicPr>
+          <p:cNvPr id="9" name="図 8" descr="画面の領域"/>
+          <p:cNvPicPr>
+            <a:picLocks noChangeAspect="1"/>
+          </p:cNvPicPr>
+          <p:nvPr/>
+        </p:nvPicPr>
+        <p:blipFill>
+          <a:blip r:embed="rId2">
+            <a:extLst>
+              <a:ext uri="{28A0092B-C50C-407E-A947-70E740481C1C}">
+                <a14:useLocalDpi xmlns:a14="http://schemas.microsoft.com/office/drawing/2010/main" val="0"/>
+              </a:ext>
+            </a:extLst>
+          </a:blip>
+          <a:stretch>
+            <a:fillRect/>
+          </a:stretch>
+        </p:blipFill>
+        <p:spPr>
+          <a:xfrm>
+            <a:off x="904461" y="2670942"/>
+            <a:ext cx="10996248" cy="646030"/>
+          </a:xfrm>
+          <a:prstGeom prst="rect">
+            <a:avLst/>
+          </a:prstGeom>
+          <a:ln>
+            <a:solidFill>
+              <a:schemeClr val="tx1">
+                <a:lumMod val="50000"/>
+                <a:lumOff val="50000"/>
+              </a:schemeClr>
+            </a:solidFill>
+          </a:ln>
+        </p:spPr>
+      </p:pic>
+      <p:sp>
+        <p:nvSpPr>
+          <p:cNvPr id="7" name="右矢印 6"/>
+          <p:cNvSpPr/>
+          <p:nvPr/>
+        </p:nvSpPr>
+        <p:spPr>
+          <a:xfrm rot="5400000">
+            <a:off x="8451461" y="2162877"/>
+            <a:ext cx="786270" cy="442686"/>
+          </a:xfrm>
+          <a:prstGeom prst="rightArrow">
+            <a:avLst/>
+          </a:prstGeom>
+          <a:solidFill>
+            <a:schemeClr val="accent4"/>
+          </a:solidFill>
+          <a:ln>
+            <a:solidFill>
+              <a:schemeClr val="accent2"/>
+            </a:solidFill>
+          </a:ln>
+        </p:spPr>
+        <p:style>
+          <a:lnRef idx="2">
+            <a:schemeClr val="accent1">
+              <a:shade val="50000"/>
+            </a:schemeClr>
+          </a:lnRef>
+          <a:fillRef idx="1">
+            <a:schemeClr val="accent1"/>
+          </a:fillRef>
+          <a:effectRef idx="0">
+            <a:schemeClr val="accent1"/>
+          </a:effectRef>
+          <a:fontRef idx="minor">
+            <a:schemeClr val="lt1"/>
+          </a:fontRef>
+        </p:style>
+        <p:txBody>
+          <a:bodyPr rtlCol="0" anchor="ctr"/>
+          <a:lstStyle/>
+          <a:p>
+            <a:pPr algn="ctr"/>
+            <a:endParaRPr kumimoji="1" lang="ja-JP" altLang="en-US"/>
+          </a:p>
+        </p:txBody>
+      </p:sp>
+      <p:pic>
+        <p:nvPicPr>
+          <p:cNvPr id="10" name="図 9" descr="画面の領域"/>
+          <p:cNvPicPr>
+            <a:picLocks noChangeAspect="1"/>
+          </p:cNvPicPr>
+          <p:nvPr/>
+        </p:nvPicPr>
+        <p:blipFill>
+          <a:blip r:embed="rId3">
+            <a:extLst>
+              <a:ext uri="{28A0092B-C50C-407E-A947-70E740481C1C}">
+                <a14:useLocalDpi xmlns:a14="http://schemas.microsoft.com/office/drawing/2010/main" val="0"/>
+              </a:ext>
+            </a:extLst>
+          </a:blip>
+          <a:stretch>
+            <a:fillRect/>
+          </a:stretch>
+        </p:blipFill>
+        <p:spPr>
+          <a:xfrm>
+            <a:off x="900379" y="4720522"/>
+            <a:ext cx="6741434" cy="1650461"/>
+          </a:xfrm>
+          <a:prstGeom prst="rect">
+            <a:avLst/>
+          </a:prstGeom>
+          <a:ln>
+            <a:solidFill>
+              <a:schemeClr val="tx1">
+                <a:lumMod val="50000"/>
+                <a:lumOff val="50000"/>
+              </a:schemeClr>
+            </a:solidFill>
+          </a:ln>
+        </p:spPr>
+      </p:pic>
+      <p:sp>
+        <p:nvSpPr>
+          <p:cNvPr id="11" name="コンテンツ プレースホルダー 2"/>
+          <p:cNvSpPr txBox="1">
+            <a:spLocks/>
+          </p:cNvSpPr>
+          <p:nvPr/>
+        </p:nvSpPr>
+        <p:spPr>
+          <a:xfrm>
+            <a:off x="841515" y="3687417"/>
+            <a:ext cx="10611678" cy="1093306"/>
+          </a:xfrm>
+          <a:prstGeom prst="rect">
+            <a:avLst/>
+          </a:prstGeom>
+        </p:spPr>
+        <p:txBody>
+          <a:bodyPr vert="horz" lIns="91440" tIns="45720" rIns="91440" bIns="45720" rtlCol="0">
+            <a:normAutofit/>
+          </a:bodyPr>
+          <a:lstStyle>
+            <a:lvl1pPr marL="228600" indent="-228600" algn="l" defTabSz="914400" rtl="0" eaLnBrk="1" latinLnBrk="0" hangingPunct="1">
+              <a:lnSpc>
+                <a:spcPct val="90000"/>
+              </a:lnSpc>
+              <a:spcBef>
+                <a:spcPts val="1000"/>
+              </a:spcBef>
+              <a:buFont typeface="Arial" panose="020B0604020202020204" pitchFamily="34" charset="0"/>
+              <a:buChar char="•"/>
+              <a:defRPr kumimoji="1" sz="2800" kern="1200">
+                <a:solidFill>
+                  <a:schemeClr val="tx1"/>
+                </a:solidFill>
+                <a:latin typeface="+mn-lt"/>
+                <a:ea typeface="+mn-ea"/>
+                <a:cs typeface="+mn-cs"/>
+              </a:defRPr>
+            </a:lvl1pPr>
+            <a:lvl2pPr marL="685800" indent="-228600" algn="l" defTabSz="914400" rtl="0" eaLnBrk="1" latinLnBrk="0" hangingPunct="1">
+              <a:lnSpc>
+                <a:spcPct val="90000"/>
+              </a:lnSpc>
+              <a:spcBef>
+                <a:spcPts val="500"/>
+              </a:spcBef>
+              <a:buFont typeface="Arial" panose="020B0604020202020204" pitchFamily="34" charset="0"/>
+              <a:buChar char="•"/>
+              <a:defRPr kumimoji="1" sz="2400" kern="1200">
+                <a:solidFill>
+                  <a:schemeClr val="tx1"/>
+                </a:solidFill>
+                <a:latin typeface="+mn-lt"/>
+                <a:ea typeface="+mn-ea"/>
+                <a:cs typeface="+mn-cs"/>
+              </a:defRPr>
+            </a:lvl2pPr>
+            <a:lvl3pPr marL="1143000" indent="-228600" algn="l" defTabSz="914400" rtl="0" eaLnBrk="1" latinLnBrk="0" hangingPunct="1">
+              <a:lnSpc>
+                <a:spcPct val="90000"/>
+              </a:lnSpc>
+              <a:spcBef>
+                <a:spcPts val="500"/>
+              </a:spcBef>
+              <a:buFont typeface="Arial" panose="020B0604020202020204" pitchFamily="34" charset="0"/>
+              <a:buChar char="•"/>
+              <a:defRPr kumimoji="1" sz="2000" kern="1200">
+                <a:solidFill>
+                  <a:schemeClr val="tx1"/>
+                </a:solidFill>
+                <a:latin typeface="+mn-lt"/>
+                <a:ea typeface="+mn-ea"/>
+                <a:cs typeface="+mn-cs"/>
+              </a:defRPr>
+            </a:lvl3pPr>
+            <a:lvl4pPr marL="1600200" indent="-228600" algn="l" defTabSz="914400" rtl="0" eaLnBrk="1" latinLnBrk="0" hangingPunct="1">
+              <a:lnSpc>
+                <a:spcPct val="90000"/>
+              </a:lnSpc>
+              <a:spcBef>
+                <a:spcPts val="500"/>
+              </a:spcBef>
+              <a:buFont typeface="Arial" panose="020B0604020202020204" pitchFamily="34" charset="0"/>
+              <a:buChar char="•"/>
+              <a:defRPr kumimoji="1" sz="1800" kern="1200">
+                <a:solidFill>
+                  <a:schemeClr val="tx1"/>
+                </a:solidFill>
+                <a:latin typeface="+mn-lt"/>
+                <a:ea typeface="+mn-ea"/>
+                <a:cs typeface="+mn-cs"/>
+              </a:defRPr>
+            </a:lvl4pPr>
+            <a:lvl5pPr marL="2057400" indent="-228600" algn="l" defTabSz="914400" rtl="0" eaLnBrk="1" latinLnBrk="0" hangingPunct="1">
+              <a:lnSpc>
+                <a:spcPct val="90000"/>
+              </a:lnSpc>
+              <a:spcBef>
+                <a:spcPts val="500"/>
+              </a:spcBef>
+              <a:buFont typeface="Arial" panose="020B0604020202020204" pitchFamily="34" charset="0"/>
+              <a:buChar char="•"/>
+              <a:defRPr kumimoji="1" sz="1800" kern="1200">
+                <a:solidFill>
+                  <a:schemeClr val="tx1"/>
+                </a:solidFill>
+                <a:latin typeface="+mn-lt"/>
+                <a:ea typeface="+mn-ea"/>
+                <a:cs typeface="+mn-cs"/>
+              </a:defRPr>
+            </a:lvl5pPr>
+            <a:lvl6pPr marL="2514600" indent="-228600" algn="l" defTabSz="914400" rtl="0" eaLnBrk="1" latinLnBrk="0" hangingPunct="1">
+              <a:lnSpc>
+                <a:spcPct val="90000"/>
+              </a:lnSpc>
+              <a:spcBef>
+                <a:spcPts val="500"/>
+              </a:spcBef>
+              <a:buFont typeface="Arial" panose="020B0604020202020204" pitchFamily="34" charset="0"/>
+              <a:buChar char="•"/>
+              <a:defRPr kumimoji="1" sz="1800" kern="1200">
+                <a:solidFill>
+                  <a:schemeClr val="tx1"/>
+                </a:solidFill>
+                <a:latin typeface="+mn-lt"/>
+                <a:ea typeface="+mn-ea"/>
+                <a:cs typeface="+mn-cs"/>
+              </a:defRPr>
+            </a:lvl6pPr>
+            <a:lvl7pPr marL="2971800" indent="-228600" algn="l" defTabSz="914400" rtl="0" eaLnBrk="1" latinLnBrk="0" hangingPunct="1">
+              <a:lnSpc>
+                <a:spcPct val="90000"/>
+              </a:lnSpc>
+              <a:spcBef>
+                <a:spcPts val="500"/>
+              </a:spcBef>
+              <a:buFont typeface="Arial" panose="020B0604020202020204" pitchFamily="34" charset="0"/>
+              <a:buChar char="•"/>
+              <a:defRPr kumimoji="1" sz="1800" kern="1200">
+                <a:solidFill>
+                  <a:schemeClr val="tx1"/>
+                </a:solidFill>
+                <a:latin typeface="+mn-lt"/>
+                <a:ea typeface="+mn-ea"/>
+                <a:cs typeface="+mn-cs"/>
+              </a:defRPr>
+            </a:lvl7pPr>
+            <a:lvl8pPr marL="3429000" indent="-228600" algn="l" defTabSz="914400" rtl="0" eaLnBrk="1" latinLnBrk="0" hangingPunct="1">
+              <a:lnSpc>
+                <a:spcPct val="90000"/>
+              </a:lnSpc>
+              <a:spcBef>
+                <a:spcPts val="500"/>
+              </a:spcBef>
+              <a:buFont typeface="Arial" panose="020B0604020202020204" pitchFamily="34" charset="0"/>
+              <a:buChar char="•"/>
+              <a:defRPr kumimoji="1" sz="1800" kern="1200">
+                <a:solidFill>
+                  <a:schemeClr val="tx1"/>
+                </a:solidFill>
+                <a:latin typeface="+mn-lt"/>
+                <a:ea typeface="+mn-ea"/>
+                <a:cs typeface="+mn-cs"/>
+              </a:defRPr>
+            </a:lvl8pPr>
+            <a:lvl9pPr marL="3886200" indent="-228600" algn="l" defTabSz="914400" rtl="0" eaLnBrk="1" latinLnBrk="0" hangingPunct="1">
+              <a:lnSpc>
+                <a:spcPct val="90000"/>
+              </a:lnSpc>
+              <a:spcBef>
+                <a:spcPts val="500"/>
+              </a:spcBef>
+              <a:buFont typeface="Arial" panose="020B0604020202020204" pitchFamily="34" charset="0"/>
+              <a:buChar char="•"/>
+              <a:defRPr kumimoji="1" sz="1800" kern="1200">
+                <a:solidFill>
+                  <a:schemeClr val="tx1"/>
+                </a:solidFill>
+                <a:latin typeface="+mn-lt"/>
+                <a:ea typeface="+mn-ea"/>
+                <a:cs typeface="+mn-cs"/>
+              </a:defRPr>
+            </a:lvl9pPr>
+          </a:lstStyle>
+          <a:p>
+            <a:r>
+              <a:rPr lang="en-US" altLang="ja-JP" dirty="0" smtClean="0"/>
+              <a:t>Project</a:t>
+            </a:r>
+            <a:r>
+              <a:rPr lang="ja-JP" altLang="en-US" dirty="0" smtClean="0"/>
+              <a:t>が各自の</a:t>
+            </a:r>
+            <a:r>
+              <a:rPr lang="en-US" altLang="ja-JP" dirty="0" smtClean="0"/>
+              <a:t>Workspace</a:t>
+            </a:r>
+            <a:r>
+              <a:rPr lang="ja-JP" altLang="en-US" dirty="0" smtClean="0"/>
+              <a:t>にコピーされます</a:t>
+            </a:r>
+            <a:endParaRPr lang="en-US" altLang="ja-JP" dirty="0" smtClean="0"/>
+          </a:p>
+          <a:p>
+            <a:r>
+              <a:rPr lang="ja-JP" altLang="en-US" dirty="0" smtClean="0"/>
+              <a:t>この操作により、修正がオリジナルに反映されなくなります</a:t>
+            </a:r>
+            <a:endParaRPr lang="en-US" altLang="ja-JP" dirty="0" smtClean="0"/>
+          </a:p>
+        </p:txBody>
+      </p:sp>
     </p:spTree>
     <p:extLst>
       <p:ext uri="{BB962C8B-B14F-4D97-AF65-F5344CB8AC3E}">
-        <p14:creationId xmlns:p14="http://schemas.microsoft.com/office/powerpoint/2010/main" val="3472844586"/>
+        <p14:creationId xmlns:p14="http://schemas.microsoft.com/office/powerpoint/2010/main" val="1571278786"/>
       </p:ext>
     </p:extLst>
   </p:cSld>
@@ -4382,172 +4658,6 @@
       </p:grpSpPr>
       <p:sp>
         <p:nvSpPr>
-          <p:cNvPr id="2" name="タイトル 1"/>
-          <p:cNvSpPr>
-            <a:spLocks noGrp="1"/>
-          </p:cNvSpPr>
-          <p:nvPr>
-            <p:ph type="title"/>
-          </p:nvPr>
-        </p:nvSpPr>
-        <p:spPr/>
-        <p:txBody>
-          <a:bodyPr/>
-          <a:lstStyle/>
-          <a:p>
-            <a:r>
-              <a:rPr kumimoji="1" lang="en-US" altLang="ja-JP" b="1" dirty="0" err="1" smtClean="0">
-                <a:solidFill>
-                  <a:schemeClr val="tx1">
-                    <a:lumMod val="50000"/>
-                    <a:lumOff val="50000"/>
-                  </a:schemeClr>
-                </a:solidFill>
-              </a:rPr>
-              <a:t>Rstudio</a:t>
-            </a:r>
-            <a:r>
-              <a:rPr kumimoji="1" lang="en-US" altLang="ja-JP" b="1" dirty="0" smtClean="0">
-                <a:solidFill>
-                  <a:schemeClr val="tx1">
-                    <a:lumMod val="50000"/>
-                    <a:lumOff val="50000"/>
-                  </a:schemeClr>
-                </a:solidFill>
-              </a:rPr>
-              <a:t> cloud</a:t>
-            </a:r>
-            <a:endParaRPr kumimoji="1" lang="ja-JP" altLang="en-US" b="1" dirty="0">
-              <a:solidFill>
-                <a:schemeClr val="tx1">
-                  <a:lumMod val="50000"/>
-                  <a:lumOff val="50000"/>
-                </a:schemeClr>
-              </a:solidFill>
-            </a:endParaRPr>
-          </a:p>
-        </p:txBody>
-      </p:sp>
-      <p:sp>
-        <p:nvSpPr>
-          <p:cNvPr id="3" name="コンテンツ プレースホルダー 2"/>
-          <p:cNvSpPr>
-            <a:spLocks noGrp="1"/>
-          </p:cNvSpPr>
-          <p:nvPr>
-            <p:ph idx="1"/>
-          </p:nvPr>
-        </p:nvSpPr>
-        <p:spPr>
-          <a:xfrm>
-            <a:off x="838200" y="1825625"/>
-            <a:ext cx="10515600" cy="4783604"/>
-          </a:xfrm>
-        </p:spPr>
-        <p:txBody>
-          <a:bodyPr>
-            <a:normAutofit/>
-          </a:bodyPr>
-          <a:lstStyle/>
-          <a:p>
-            <a:r>
-              <a:rPr lang="ja-JP" altLang="en-US" dirty="0"/>
-              <a:t>今日</a:t>
-            </a:r>
-            <a:r>
-              <a:rPr lang="ja-JP" altLang="en-US" dirty="0" smtClean="0"/>
-              <a:t>は</a:t>
-            </a:r>
-            <a:r>
-              <a:rPr lang="en-US" altLang="ja-JP" dirty="0" err="1" smtClean="0"/>
-              <a:t>Rstudio</a:t>
-            </a:r>
-            <a:r>
-              <a:rPr lang="en-US" altLang="ja-JP" dirty="0" smtClean="0"/>
-              <a:t> cloud free</a:t>
-            </a:r>
-            <a:r>
-              <a:rPr lang="ja-JP" altLang="en-US" dirty="0" smtClean="0"/>
-              <a:t>でセミナーを行います</a:t>
-            </a:r>
-            <a:endParaRPr lang="en-US" altLang="ja-JP" dirty="0" smtClean="0"/>
-          </a:p>
-          <a:p>
-            <a:r>
-              <a:rPr kumimoji="1" lang="en-US" altLang="ja-JP" dirty="0" smtClean="0"/>
-              <a:t>15 project</a:t>
-            </a:r>
-            <a:r>
-              <a:rPr kumimoji="1" lang="ja-JP" altLang="en-US" dirty="0" err="1" smtClean="0"/>
-              <a:t>まで</a:t>
-            </a:r>
-            <a:r>
-              <a:rPr kumimoji="1" lang="ja-JP" altLang="en-US" dirty="0" smtClean="0"/>
-              <a:t>使用可能</a:t>
-            </a:r>
-            <a:endParaRPr kumimoji="1" lang="en-US" altLang="ja-JP" dirty="0" smtClean="0"/>
-          </a:p>
-          <a:p>
-            <a:r>
-              <a:rPr lang="en-US" altLang="ja-JP" dirty="0" smtClean="0"/>
-              <a:t>15 project hours per month</a:t>
-            </a:r>
-            <a:r>
-              <a:rPr lang="ja-JP" altLang="en-US" dirty="0" smtClean="0"/>
-              <a:t>の使用制限</a:t>
-            </a:r>
-            <a:endParaRPr lang="en-US" altLang="ja-JP" dirty="0" smtClean="0"/>
-          </a:p>
-          <a:p>
-            <a:r>
-              <a:rPr kumimoji="1" lang="ja-JP" altLang="en-US" dirty="0" smtClean="0"/>
-              <a:t>登録作業時間短縮のため、あらかじめ作成していただいた</a:t>
-            </a:r>
-            <a:r>
-              <a:rPr kumimoji="1" lang="en-US" altLang="ja-JP" dirty="0" smtClean="0"/>
-              <a:t/>
-            </a:r>
-            <a:br>
-              <a:rPr kumimoji="1" lang="en-US" altLang="ja-JP" dirty="0" smtClean="0"/>
-            </a:br>
-            <a:r>
-              <a:rPr kumimoji="1" lang="en-US" altLang="ja-JP" dirty="0" smtClean="0"/>
-              <a:t>Google</a:t>
-            </a:r>
-            <a:r>
-              <a:rPr kumimoji="1" lang="ja-JP" altLang="en-US" dirty="0" smtClean="0"/>
-              <a:t>アカウントでサインインしてください</a:t>
-            </a:r>
-            <a:endParaRPr kumimoji="1" lang="en-US" altLang="ja-JP" dirty="0" smtClean="0"/>
-          </a:p>
-          <a:p>
-            <a:endParaRPr lang="en-US" altLang="ja-JP" dirty="0"/>
-          </a:p>
-          <a:p>
-            <a:pPr marL="0" indent="0">
-              <a:buNone/>
-            </a:pPr>
-            <a:r>
-              <a:rPr lang="ja-JP" altLang="en-US" dirty="0" smtClean="0"/>
-              <a:t>　</a:t>
-            </a:r>
-            <a:r>
-              <a:rPr lang="en-US" altLang="ja-JP" dirty="0" smtClean="0"/>
-              <a:t>https</a:t>
-            </a:r>
-            <a:r>
-              <a:rPr lang="en-US" altLang="ja-JP" dirty="0"/>
-              <a:t>://rstudio.cloud/project/1573510</a:t>
-            </a:r>
-            <a:endParaRPr kumimoji="1" lang="en-US" altLang="ja-JP" dirty="0" smtClean="0"/>
-          </a:p>
-          <a:p>
-            <a:endParaRPr kumimoji="1" lang="en-US" altLang="ja-JP" dirty="0" smtClean="0"/>
-          </a:p>
-        </p:txBody>
-      </p:sp>
-      <p:sp>
-        <p:nvSpPr>
           <p:cNvPr id="4" name="フッター プレースホルダー 3"/>
           <p:cNvSpPr>
             <a:spLocks noGrp="1"/>
@@ -4608,10 +4718,199 @@
           </a:p>
         </p:txBody>
       </p:sp>
+      <p:pic>
+        <p:nvPicPr>
+          <p:cNvPr id="9" name="図 8"/>
+          <p:cNvPicPr>
+            <a:picLocks noChangeAspect="1"/>
+          </p:cNvPicPr>
+          <p:nvPr/>
+        </p:nvPicPr>
+        <p:blipFill rotWithShape="1">
+          <a:blip r:embed="rId2" cstate="print">
+            <a:extLst>
+              <a:ext uri="{28A0092B-C50C-407E-A947-70E740481C1C}">
+                <a14:useLocalDpi xmlns:a14="http://schemas.microsoft.com/office/drawing/2010/main" val="0"/>
+              </a:ext>
+            </a:extLst>
+          </a:blip>
+          <a:srcRect/>
+          <a:stretch/>
+        </p:blipFill>
+        <p:spPr>
+          <a:xfrm>
+            <a:off x="1623060" y="686480"/>
+            <a:ext cx="8580119" cy="5842544"/>
+          </a:xfrm>
+          <a:prstGeom prst="rect">
+            <a:avLst/>
+          </a:prstGeom>
+        </p:spPr>
+      </p:pic>
+      <p:sp>
+        <p:nvSpPr>
+          <p:cNvPr id="8" name="右矢印 7"/>
+          <p:cNvSpPr/>
+          <p:nvPr/>
+        </p:nvSpPr>
+        <p:spPr>
+          <a:xfrm rot="5400000">
+            <a:off x="3024142" y="628923"/>
+            <a:ext cx="908050" cy="496025"/>
+          </a:xfrm>
+          <a:prstGeom prst="rightArrow">
+            <a:avLst/>
+          </a:prstGeom>
+          <a:solidFill>
+            <a:schemeClr val="accent4"/>
+          </a:solidFill>
+          <a:ln>
+            <a:solidFill>
+              <a:schemeClr val="accent2"/>
+            </a:solidFill>
+          </a:ln>
+        </p:spPr>
+        <p:style>
+          <a:lnRef idx="2">
+            <a:schemeClr val="accent1">
+              <a:shade val="50000"/>
+            </a:schemeClr>
+          </a:lnRef>
+          <a:fillRef idx="1">
+            <a:schemeClr val="accent1"/>
+          </a:fillRef>
+          <a:effectRef idx="0">
+            <a:schemeClr val="accent1"/>
+          </a:effectRef>
+          <a:fontRef idx="minor">
+            <a:schemeClr val="lt1"/>
+          </a:fontRef>
+        </p:style>
+        <p:txBody>
+          <a:bodyPr rtlCol="0" anchor="ctr"/>
+          <a:lstStyle/>
+          <a:p>
+            <a:pPr algn="ctr"/>
+            <a:endParaRPr kumimoji="1" lang="ja-JP" altLang="en-US"/>
+          </a:p>
+        </p:txBody>
+      </p:sp>
+      <p:sp>
+        <p:nvSpPr>
+          <p:cNvPr id="14" name="右矢印 13"/>
+          <p:cNvSpPr/>
+          <p:nvPr/>
+        </p:nvSpPr>
+        <p:spPr>
+          <a:xfrm rot="10800000">
+            <a:off x="4833894" y="1421403"/>
+            <a:ext cx="908050" cy="496025"/>
+          </a:xfrm>
+          <a:prstGeom prst="rightArrow">
+            <a:avLst/>
+          </a:prstGeom>
+          <a:solidFill>
+            <a:schemeClr val="accent4"/>
+          </a:solidFill>
+          <a:ln>
+            <a:solidFill>
+              <a:schemeClr val="accent2"/>
+            </a:solidFill>
+          </a:ln>
+        </p:spPr>
+        <p:style>
+          <a:lnRef idx="2">
+            <a:schemeClr val="accent1">
+              <a:shade val="50000"/>
+            </a:schemeClr>
+          </a:lnRef>
+          <a:fillRef idx="1">
+            <a:schemeClr val="accent1"/>
+          </a:fillRef>
+          <a:effectRef idx="0">
+            <a:schemeClr val="accent1"/>
+          </a:effectRef>
+          <a:fontRef idx="minor">
+            <a:schemeClr val="lt1"/>
+          </a:fontRef>
+        </p:style>
+        <p:txBody>
+          <a:bodyPr rtlCol="0" anchor="ctr"/>
+          <a:lstStyle/>
+          <a:p>
+            <a:pPr algn="ctr"/>
+            <a:endParaRPr kumimoji="1" lang="ja-JP" altLang="en-US"/>
+          </a:p>
+        </p:txBody>
+      </p:sp>
+      <p:sp>
+        <p:nvSpPr>
+          <p:cNvPr id="15" name="テキスト ボックス 14"/>
+          <p:cNvSpPr txBox="1"/>
+          <p:nvPr/>
+        </p:nvSpPr>
+        <p:spPr>
+          <a:xfrm>
+            <a:off x="5941382" y="4731352"/>
+            <a:ext cx="4116833" cy="523220"/>
+          </a:xfrm>
+          <a:prstGeom prst="rect">
+            <a:avLst/>
+          </a:prstGeom>
+          <a:solidFill>
+            <a:schemeClr val="tx2"/>
+          </a:solidFill>
+        </p:spPr>
+        <p:txBody>
+          <a:bodyPr wrap="none" rtlCol="0">
+            <a:spAutoFit/>
+          </a:bodyPr>
+          <a:lstStyle/>
+          <a:p>
+            <a:r>
+              <a:rPr kumimoji="1" lang="en-US" altLang="ja-JP" sz="2800" b="1" dirty="0" smtClean="0">
+                <a:solidFill>
+                  <a:srgbClr val="FFC000"/>
+                </a:solidFill>
+              </a:rPr>
+              <a:t>R</a:t>
+            </a:r>
+            <a:r>
+              <a:rPr kumimoji="1" lang="ja-JP" altLang="en-US" sz="2800" b="1" dirty="0" smtClean="0">
+                <a:solidFill>
+                  <a:srgbClr val="FFC000"/>
+                </a:solidFill>
+              </a:rPr>
+              <a:t> </a:t>
+            </a:r>
+            <a:r>
+              <a:rPr kumimoji="1" lang="en-US" altLang="ja-JP" sz="2800" b="1" dirty="0" err="1" smtClean="0">
+                <a:solidFill>
+                  <a:srgbClr val="FFC000"/>
+                </a:solidFill>
+              </a:rPr>
+              <a:t>Scrict</a:t>
+            </a:r>
+            <a:r>
+              <a:rPr kumimoji="1" lang="ja-JP" altLang="en-US" sz="2800" b="1" dirty="0" smtClean="0">
+                <a:solidFill>
+                  <a:srgbClr val="FFC000"/>
+                </a:solidFill>
+              </a:rPr>
+              <a:t>を選択してください</a:t>
+            </a:r>
+            <a:endParaRPr kumimoji="1" lang="ja-JP" altLang="en-US" sz="2800" b="1" dirty="0">
+              <a:solidFill>
+                <a:srgbClr val="FFC000"/>
+              </a:solidFill>
+            </a:endParaRPr>
+          </a:p>
+        </p:txBody>
+      </p:sp>
     </p:spTree>
     <p:extLst>
       <p:ext uri="{BB962C8B-B14F-4D97-AF65-F5344CB8AC3E}">
-        <p14:creationId xmlns:p14="http://schemas.microsoft.com/office/powerpoint/2010/main" val="1006658430"/>
+        <p14:creationId xmlns:p14="http://schemas.microsoft.com/office/powerpoint/2010/main" val="2504524040"/>
       </p:ext>
     </p:extLst>
   </p:cSld>
@@ -4640,44 +4939,6 @@
       </p:grpSpPr>
       <p:sp>
         <p:nvSpPr>
-          <p:cNvPr id="2" name="タイトル 1"/>
-          <p:cNvSpPr>
-            <a:spLocks noGrp="1"/>
-          </p:cNvSpPr>
-          <p:nvPr>
-            <p:ph type="title"/>
-          </p:nvPr>
-        </p:nvSpPr>
-        <p:spPr/>
-        <p:txBody>
-          <a:bodyPr/>
-          <a:lstStyle/>
-          <a:p>
-            <a:endParaRPr kumimoji="1" lang="ja-JP" altLang="en-US"/>
-          </a:p>
-        </p:txBody>
-      </p:sp>
-      <p:sp>
-        <p:nvSpPr>
-          <p:cNvPr id="3" name="コンテンツ プレースホルダー 2"/>
-          <p:cNvSpPr>
-            <a:spLocks noGrp="1"/>
-          </p:cNvSpPr>
-          <p:nvPr>
-            <p:ph idx="1"/>
-          </p:nvPr>
-        </p:nvSpPr>
-        <p:spPr/>
-        <p:txBody>
-          <a:bodyPr/>
-          <a:lstStyle/>
-          <a:p>
-            <a:endParaRPr kumimoji="1" lang="ja-JP" altLang="en-US"/>
-          </a:p>
-        </p:txBody>
-      </p:sp>
-      <p:sp>
-        <p:nvSpPr>
           <p:cNvPr id="4" name="フッター プレースホルダー 3"/>
           <p:cNvSpPr>
             <a:spLocks noGrp="1"/>
@@ -4738,10 +4999,2864 @@
           </a:p>
         </p:txBody>
       </p:sp>
+      <p:pic>
+        <p:nvPicPr>
+          <p:cNvPr id="6" name="図 5"/>
+          <p:cNvPicPr>
+            <a:picLocks noChangeAspect="1"/>
+          </p:cNvPicPr>
+          <p:nvPr/>
+        </p:nvPicPr>
+        <p:blipFill rotWithShape="1">
+          <a:blip r:embed="rId2"/>
+          <a:srcRect t="12184"/>
+          <a:stretch/>
+        </p:blipFill>
+        <p:spPr>
+          <a:xfrm>
+            <a:off x="1737359" y="515273"/>
+            <a:ext cx="8620125" cy="5888384"/>
+          </a:xfrm>
+          <a:prstGeom prst="rect">
+            <a:avLst/>
+          </a:prstGeom>
+        </p:spPr>
+      </p:pic>
+      <p:sp>
+        <p:nvSpPr>
+          <p:cNvPr id="8" name="角丸四角形 7"/>
+          <p:cNvSpPr/>
+          <p:nvPr/>
+        </p:nvSpPr>
+        <p:spPr>
+          <a:xfrm>
+            <a:off x="3623310" y="1920240"/>
+            <a:ext cx="3600450" cy="2413687"/>
+          </a:xfrm>
+          <a:prstGeom prst="roundRect">
+            <a:avLst>
+              <a:gd name="adj" fmla="val 6239"/>
+            </a:avLst>
+          </a:prstGeom>
+          <a:noFill/>
+          <a:ln w="57150">
+            <a:solidFill>
+              <a:schemeClr val="accent6"/>
+            </a:solidFill>
+          </a:ln>
+        </p:spPr>
+        <p:style>
+          <a:lnRef idx="2">
+            <a:schemeClr val="accent1">
+              <a:shade val="50000"/>
+            </a:schemeClr>
+          </a:lnRef>
+          <a:fillRef idx="1">
+            <a:schemeClr val="accent1"/>
+          </a:fillRef>
+          <a:effectRef idx="0">
+            <a:schemeClr val="accent1"/>
+          </a:effectRef>
+          <a:fontRef idx="minor">
+            <a:schemeClr val="lt1"/>
+          </a:fontRef>
+        </p:style>
+        <p:txBody>
+          <a:bodyPr rtlCol="0" anchor="ctr"/>
+          <a:lstStyle/>
+          <a:p>
+            <a:pPr algn="ctr"/>
+            <a:endParaRPr kumimoji="1" lang="ja-JP" altLang="en-US"/>
+          </a:p>
+        </p:txBody>
+      </p:sp>
+      <p:sp>
+        <p:nvSpPr>
+          <p:cNvPr id="9" name="テキスト ボックス 8"/>
+          <p:cNvSpPr txBox="1"/>
+          <p:nvPr/>
+        </p:nvSpPr>
+        <p:spPr>
+          <a:xfrm>
+            <a:off x="3453925" y="2676991"/>
+            <a:ext cx="3866764" cy="954107"/>
+          </a:xfrm>
+          <a:prstGeom prst="rect">
+            <a:avLst/>
+          </a:prstGeom>
+          <a:solidFill>
+            <a:schemeClr val="tx2"/>
+          </a:solidFill>
+        </p:spPr>
+        <p:txBody>
+          <a:bodyPr wrap="none" rtlCol="0">
+            <a:spAutoFit/>
+          </a:bodyPr>
+          <a:lstStyle/>
+          <a:p>
+            <a:r>
+              <a:rPr lang="ja-JP" altLang="en-US" sz="2800" b="1" dirty="0" smtClean="0">
+                <a:solidFill>
+                  <a:schemeClr val="accent6"/>
+                </a:solidFill>
+              </a:rPr>
+              <a:t>このスペースに</a:t>
+            </a:r>
+            <a:r>
+              <a:rPr lang="en-US" altLang="ja-JP" sz="2800" b="1" dirty="0" smtClean="0">
+                <a:solidFill>
+                  <a:schemeClr val="accent6"/>
+                </a:solidFill>
+              </a:rPr>
+              <a:t/>
+            </a:r>
+            <a:br>
+              <a:rPr lang="en-US" altLang="ja-JP" sz="2800" b="1" dirty="0" smtClean="0">
+                <a:solidFill>
+                  <a:schemeClr val="accent6"/>
+                </a:solidFill>
+              </a:rPr>
+            </a:br>
+            <a:r>
+              <a:rPr lang="ja-JP" altLang="en-US" sz="2800" b="1" dirty="0" smtClean="0">
+                <a:solidFill>
+                  <a:schemeClr val="accent6"/>
+                </a:solidFill>
+              </a:rPr>
+              <a:t>コードを入力してください</a:t>
+            </a:r>
+            <a:endParaRPr kumimoji="1" lang="ja-JP" altLang="en-US" sz="2800" b="1" dirty="0">
+              <a:solidFill>
+                <a:schemeClr val="accent6"/>
+              </a:solidFill>
+            </a:endParaRPr>
+          </a:p>
+        </p:txBody>
+      </p:sp>
+      <p:sp>
+        <p:nvSpPr>
+          <p:cNvPr id="10" name="右矢印 9"/>
+          <p:cNvSpPr/>
+          <p:nvPr/>
+        </p:nvSpPr>
+        <p:spPr>
+          <a:xfrm rot="5400000">
+            <a:off x="5470164" y="868953"/>
+            <a:ext cx="908050" cy="496025"/>
+          </a:xfrm>
+          <a:prstGeom prst="rightArrow">
+            <a:avLst/>
+          </a:prstGeom>
+          <a:solidFill>
+            <a:schemeClr val="accent4"/>
+          </a:solidFill>
+          <a:ln>
+            <a:solidFill>
+              <a:schemeClr val="accent2"/>
+            </a:solidFill>
+          </a:ln>
+        </p:spPr>
+        <p:style>
+          <a:lnRef idx="2">
+            <a:schemeClr val="accent1">
+              <a:shade val="50000"/>
+            </a:schemeClr>
+          </a:lnRef>
+          <a:fillRef idx="1">
+            <a:schemeClr val="accent1"/>
+          </a:fillRef>
+          <a:effectRef idx="0">
+            <a:schemeClr val="accent1"/>
+          </a:effectRef>
+          <a:fontRef idx="minor">
+            <a:schemeClr val="lt1"/>
+          </a:fontRef>
+        </p:style>
+        <p:txBody>
+          <a:bodyPr rtlCol="0" anchor="ctr"/>
+          <a:lstStyle/>
+          <a:p>
+            <a:pPr algn="ctr"/>
+            <a:endParaRPr kumimoji="1" lang="ja-JP" altLang="en-US"/>
+          </a:p>
+        </p:txBody>
+      </p:sp>
+      <p:sp>
+        <p:nvSpPr>
+          <p:cNvPr id="11" name="テキスト ボックス 10"/>
+          <p:cNvSpPr txBox="1"/>
+          <p:nvPr/>
+        </p:nvSpPr>
+        <p:spPr>
+          <a:xfrm>
+            <a:off x="6444302" y="822292"/>
+            <a:ext cx="4996881" cy="523220"/>
+          </a:xfrm>
+          <a:prstGeom prst="rect">
+            <a:avLst/>
+          </a:prstGeom>
+          <a:solidFill>
+            <a:schemeClr val="tx2"/>
+          </a:solidFill>
+        </p:spPr>
+        <p:txBody>
+          <a:bodyPr wrap="none" rtlCol="0">
+            <a:spAutoFit/>
+          </a:bodyPr>
+          <a:lstStyle/>
+          <a:p>
+            <a:r>
+              <a:rPr kumimoji="1" lang="ja-JP" altLang="en-US" sz="2800" b="1" dirty="0" smtClean="0">
+                <a:solidFill>
+                  <a:srgbClr val="FFC000"/>
+                </a:solidFill>
+              </a:rPr>
+              <a:t>コードの実行は緑の矢印ボタン</a:t>
+            </a:r>
+            <a:endParaRPr kumimoji="1" lang="ja-JP" altLang="en-US" sz="2800" b="1" dirty="0">
+              <a:solidFill>
+                <a:srgbClr val="FFC000"/>
+              </a:solidFill>
+            </a:endParaRPr>
+          </a:p>
+        </p:txBody>
+      </p:sp>
     </p:spTree>
     <p:extLst>
       <p:ext uri="{BB962C8B-B14F-4D97-AF65-F5344CB8AC3E}">
-        <p14:creationId xmlns:p14="http://schemas.microsoft.com/office/powerpoint/2010/main" val="2909381470"/>
+        <p14:creationId xmlns:p14="http://schemas.microsoft.com/office/powerpoint/2010/main" val="1699611461"/>
+      </p:ext>
+    </p:extLst>
+  </p:cSld>
+  <p:clrMapOvr>
+    <a:masterClrMapping/>
+  </p:clrMapOvr>
+</p:sld>
+</file>
+
+<file path=ppt/slides/slide13.xml><?xml version="1.0" encoding="utf-8"?>
+<p:sld xmlns:a="http://schemas.openxmlformats.org/drawingml/2006/main" xmlns:r="http://schemas.openxmlformats.org/officeDocument/2006/relationships" xmlns:p="http://schemas.openxmlformats.org/presentationml/2006/main">
+  <p:cSld>
+    <p:spTree>
+      <p:nvGrpSpPr>
+        <p:cNvPr id="1" name=""/>
+        <p:cNvGrpSpPr/>
+        <p:nvPr/>
+      </p:nvGrpSpPr>
+      <p:grpSpPr>
+        <a:xfrm>
+          <a:off x="0" y="0"/>
+          <a:ext cx="0" cy="0"/>
+          <a:chOff x="0" y="0"/>
+          <a:chExt cx="0" cy="0"/>
+        </a:xfrm>
+      </p:grpSpPr>
+      <p:sp>
+        <p:nvSpPr>
+          <p:cNvPr id="2" name="タイトル 1"/>
+          <p:cNvSpPr>
+            <a:spLocks noGrp="1"/>
+          </p:cNvSpPr>
+          <p:nvPr>
+            <p:ph type="title"/>
+          </p:nvPr>
+        </p:nvSpPr>
+        <p:spPr/>
+        <p:txBody>
+          <a:bodyPr/>
+          <a:lstStyle/>
+          <a:p>
+            <a:r>
+              <a:rPr lang="ja-JP" altLang="en-US" b="1" dirty="0" smtClean="0">
+                <a:solidFill>
+                  <a:schemeClr val="tx1">
+                    <a:lumMod val="50000"/>
+                    <a:lumOff val="50000"/>
+                  </a:schemeClr>
+                </a:solidFill>
+              </a:rPr>
+              <a:t>エディタに書いたコードの実行</a:t>
+            </a:r>
+            <a:endParaRPr kumimoji="1" lang="ja-JP" altLang="en-US" b="1" dirty="0">
+              <a:solidFill>
+                <a:schemeClr val="tx1">
+                  <a:lumMod val="50000"/>
+                  <a:lumOff val="50000"/>
+                </a:schemeClr>
+              </a:solidFill>
+            </a:endParaRPr>
+          </a:p>
+        </p:txBody>
+      </p:sp>
+      <p:sp>
+        <p:nvSpPr>
+          <p:cNvPr id="3" name="コンテンツ プレースホルダー 2"/>
+          <p:cNvSpPr>
+            <a:spLocks noGrp="1"/>
+          </p:cNvSpPr>
+          <p:nvPr>
+            <p:ph idx="1"/>
+          </p:nvPr>
+        </p:nvSpPr>
+        <p:spPr>
+          <a:xfrm>
+            <a:off x="838200" y="1825625"/>
+            <a:ext cx="10515600" cy="4783604"/>
+          </a:xfrm>
+        </p:spPr>
+        <p:txBody>
+          <a:bodyPr>
+            <a:normAutofit/>
+          </a:bodyPr>
+          <a:lstStyle/>
+          <a:p>
+            <a:pPr marL="457200" lvl="1" indent="0">
+              <a:buNone/>
+            </a:pPr>
+            <a:r>
+              <a:rPr lang="en-US" altLang="ja-JP" sz="2800" dirty="0" smtClean="0"/>
+              <a:t>x </a:t>
+            </a:r>
+            <a:r>
+              <a:rPr lang="en-US" altLang="ja-JP" sz="2800" dirty="0"/>
+              <a:t>&lt;- c(2, 4, 6</a:t>
+            </a:r>
+            <a:r>
+              <a:rPr lang="en-US" altLang="ja-JP" sz="2800" dirty="0" smtClean="0"/>
+              <a:t>)</a:t>
+            </a:r>
+          </a:p>
+          <a:p>
+            <a:pPr marL="0" indent="0">
+              <a:buNone/>
+            </a:pPr>
+            <a:r>
+              <a:rPr lang="en-US" altLang="ja-JP" dirty="0" smtClean="0"/>
+              <a:t>c()</a:t>
+            </a:r>
+            <a:r>
+              <a:rPr lang="ja-JP" altLang="en-US" dirty="0" smtClean="0"/>
+              <a:t>は数字の列（ベクトル）を作成する関数</a:t>
+            </a:r>
+            <a:endParaRPr lang="en-US" altLang="ja-JP" dirty="0" smtClean="0"/>
+          </a:p>
+          <a:p>
+            <a:pPr marL="0" indent="0">
+              <a:buNone/>
+            </a:pPr>
+            <a:r>
+              <a:rPr kumimoji="1" lang="en-US" altLang="ja-JP" dirty="0" smtClean="0"/>
+              <a:t>x </a:t>
+            </a:r>
+            <a:r>
+              <a:rPr kumimoji="1" lang="ja-JP" altLang="en-US" dirty="0" smtClean="0"/>
+              <a:t>に</a:t>
+            </a:r>
+            <a:r>
+              <a:rPr kumimoji="1" lang="en-US" altLang="ja-JP" dirty="0" smtClean="0"/>
+              <a:t>2, 4, 6</a:t>
+            </a:r>
+            <a:r>
+              <a:rPr kumimoji="1" lang="ja-JP" altLang="en-US" dirty="0" smtClean="0"/>
+              <a:t>という数字の列を代入する</a:t>
+            </a:r>
+            <a:endParaRPr kumimoji="1" lang="en-US" altLang="ja-JP" dirty="0" smtClean="0"/>
+          </a:p>
+          <a:p>
+            <a:pPr marL="0" indent="0">
+              <a:buNone/>
+            </a:pPr>
+            <a:r>
+              <a:rPr kumimoji="1" lang="ja-JP" altLang="en-US" dirty="0" smtClean="0"/>
+              <a:t>注意　</a:t>
+            </a:r>
+            <a:r>
+              <a:rPr lang="ja-JP" altLang="en-US" dirty="0" smtClean="0"/>
+              <a:t>大文字と小文字は区別されます</a:t>
+            </a:r>
+            <a:endParaRPr kumimoji="1" lang="en-US" altLang="ja-JP" dirty="0" smtClean="0"/>
+          </a:p>
+          <a:p>
+            <a:pPr marL="0" indent="0">
+              <a:buNone/>
+            </a:pPr>
+            <a:endParaRPr kumimoji="1" lang="en-US" altLang="ja-JP" dirty="0" smtClean="0"/>
+          </a:p>
+          <a:p>
+            <a:pPr marL="0" indent="0">
+              <a:buNone/>
+            </a:pPr>
+            <a:r>
+              <a:rPr kumimoji="1" lang="ja-JP" altLang="en-US" dirty="0" smtClean="0"/>
+              <a:t>マウスによる選択箇所により、実行されるコードが変わる</a:t>
+            </a:r>
+            <a:endParaRPr kumimoji="1" lang="en-US" altLang="ja-JP" dirty="0" smtClean="0"/>
+          </a:p>
+        </p:txBody>
+      </p:sp>
+      <p:sp>
+        <p:nvSpPr>
+          <p:cNvPr id="4" name="フッター プレースホルダー 3"/>
+          <p:cNvSpPr>
+            <a:spLocks noGrp="1"/>
+          </p:cNvSpPr>
+          <p:nvPr>
+            <p:ph type="ftr" sz="quarter" idx="11"/>
+          </p:nvPr>
+        </p:nvSpPr>
+        <p:spPr/>
+        <p:txBody>
+          <a:bodyPr/>
+          <a:lstStyle/>
+          <a:p>
+            <a:r>
+              <a:rPr lang="en-US" altLang="ja-JP" smtClean="0"/>
+              <a:t>R</a:t>
+            </a:r>
+            <a:r>
+              <a:rPr lang="ja-JP" altLang="en-US" smtClean="0"/>
+              <a:t> </a:t>
+            </a:r>
+            <a:r>
+              <a:rPr lang="en-US" altLang="ja-JP" smtClean="0"/>
+              <a:t>for</a:t>
+            </a:r>
+            <a:r>
+              <a:rPr lang="ja-JP" altLang="en-US" smtClean="0"/>
+              <a:t> </a:t>
+            </a:r>
+            <a:r>
+              <a:rPr lang="en-US" altLang="ja-JP" smtClean="0"/>
+              <a:t>Pharmacometrics</a:t>
+            </a:r>
+            <a:endParaRPr lang="ja-JP" altLang="en-US" dirty="0" smtClean="0"/>
+          </a:p>
+        </p:txBody>
+      </p:sp>
+      <p:sp>
+        <p:nvSpPr>
+          <p:cNvPr id="5" name="スライド番号プレースホルダー 4"/>
+          <p:cNvSpPr>
+            <a:spLocks noGrp="1"/>
+          </p:cNvSpPr>
+          <p:nvPr>
+            <p:ph type="sldNum" sz="quarter" idx="12"/>
+          </p:nvPr>
+        </p:nvSpPr>
+        <p:spPr/>
+        <p:txBody>
+          <a:bodyPr/>
+          <a:lstStyle/>
+          <a:p>
+            <a:fld id="{93256357-0251-4953-A9B8-633A05DE8E91}" type="slidenum">
+              <a:rPr kumimoji="1" lang="ja-JP" altLang="en-US" smtClean="0"/>
+              <a:t>13</a:t>
+            </a:fld>
+            <a:endParaRPr kumimoji="1" lang="ja-JP" altLang="en-US"/>
+          </a:p>
+        </p:txBody>
+      </p:sp>
+      <p:pic>
+        <p:nvPicPr>
+          <p:cNvPr id="8" name="図 7" descr="画面の領域"/>
+          <p:cNvPicPr>
+            <a:picLocks noChangeAspect="1"/>
+          </p:cNvPicPr>
+          <p:nvPr/>
+        </p:nvPicPr>
+        <p:blipFill>
+          <a:blip r:embed="rId2">
+            <a:extLst>
+              <a:ext uri="{28A0092B-C50C-407E-A947-70E740481C1C}">
+                <a14:useLocalDpi xmlns:a14="http://schemas.microsoft.com/office/drawing/2010/main" val="0"/>
+              </a:ext>
+            </a:extLst>
+          </a:blip>
+          <a:stretch>
+            <a:fillRect/>
+          </a:stretch>
+        </p:blipFill>
+        <p:spPr>
+          <a:xfrm>
+            <a:off x="963872" y="5017770"/>
+            <a:ext cx="4849978" cy="529597"/>
+          </a:xfrm>
+          <a:prstGeom prst="rect">
+            <a:avLst/>
+          </a:prstGeom>
+          <a:ln>
+            <a:solidFill>
+              <a:schemeClr val="tx1">
+                <a:lumMod val="50000"/>
+                <a:lumOff val="50000"/>
+              </a:schemeClr>
+            </a:solidFill>
+          </a:ln>
+        </p:spPr>
+      </p:pic>
+      <p:sp>
+        <p:nvSpPr>
+          <p:cNvPr id="9" name="テキスト ボックス 8"/>
+          <p:cNvSpPr txBox="1"/>
+          <p:nvPr/>
+        </p:nvSpPr>
+        <p:spPr>
+          <a:xfrm>
+            <a:off x="2194560" y="5600700"/>
+            <a:ext cx="2223686" cy="523220"/>
+          </a:xfrm>
+          <a:prstGeom prst="rect">
+            <a:avLst/>
+          </a:prstGeom>
+          <a:noFill/>
+        </p:spPr>
+        <p:txBody>
+          <a:bodyPr wrap="none" rtlCol="0">
+            <a:spAutoFit/>
+          </a:bodyPr>
+          <a:lstStyle/>
+          <a:p>
+            <a:r>
+              <a:rPr kumimoji="1" lang="ja-JP" altLang="en-US" sz="2800" b="1" dirty="0" smtClean="0"/>
+              <a:t>この行を実行</a:t>
+            </a:r>
+            <a:endParaRPr kumimoji="1" lang="ja-JP" altLang="en-US" sz="2800" b="1" dirty="0"/>
+          </a:p>
+        </p:txBody>
+      </p:sp>
+      <p:pic>
+        <p:nvPicPr>
+          <p:cNvPr id="10" name="図 9" descr="画面の領域"/>
+          <p:cNvPicPr>
+            <a:picLocks noChangeAspect="1"/>
+          </p:cNvPicPr>
+          <p:nvPr/>
+        </p:nvPicPr>
+        <p:blipFill>
+          <a:blip r:embed="rId3">
+            <a:extLst>
+              <a:ext uri="{28A0092B-C50C-407E-A947-70E740481C1C}">
+                <a14:useLocalDpi xmlns:a14="http://schemas.microsoft.com/office/drawing/2010/main" val="0"/>
+              </a:ext>
+            </a:extLst>
+          </a:blip>
+          <a:stretch>
+            <a:fillRect/>
+          </a:stretch>
+        </p:blipFill>
+        <p:spPr>
+          <a:xfrm>
+            <a:off x="6879953" y="5055863"/>
+            <a:ext cx="3964710" cy="464827"/>
+          </a:xfrm>
+          <a:prstGeom prst="rect">
+            <a:avLst/>
+          </a:prstGeom>
+          <a:ln>
+            <a:solidFill>
+              <a:schemeClr val="tx1">
+                <a:lumMod val="50000"/>
+                <a:lumOff val="50000"/>
+              </a:schemeClr>
+            </a:solidFill>
+          </a:ln>
+        </p:spPr>
+      </p:pic>
+      <p:sp>
+        <p:nvSpPr>
+          <p:cNvPr id="11" name="テキスト ボックス 10"/>
+          <p:cNvSpPr txBox="1"/>
+          <p:nvPr/>
+        </p:nvSpPr>
+        <p:spPr>
+          <a:xfrm>
+            <a:off x="7399020" y="5604510"/>
+            <a:ext cx="3265638" cy="523220"/>
+          </a:xfrm>
+          <a:prstGeom prst="rect">
+            <a:avLst/>
+          </a:prstGeom>
+          <a:noFill/>
+        </p:spPr>
+        <p:txBody>
+          <a:bodyPr wrap="none" rtlCol="0">
+            <a:spAutoFit/>
+          </a:bodyPr>
+          <a:lstStyle/>
+          <a:p>
+            <a:r>
+              <a:rPr kumimoji="1" lang="ja-JP" altLang="en-US" sz="2800" b="1" dirty="0" smtClean="0"/>
+              <a:t>選択した範囲を実行</a:t>
+            </a:r>
+            <a:endParaRPr kumimoji="1" lang="ja-JP" altLang="en-US" sz="2800" b="1" dirty="0"/>
+          </a:p>
+        </p:txBody>
+      </p:sp>
+    </p:spTree>
+    <p:extLst>
+      <p:ext uri="{BB962C8B-B14F-4D97-AF65-F5344CB8AC3E}">
+        <p14:creationId xmlns:p14="http://schemas.microsoft.com/office/powerpoint/2010/main" val="2813315097"/>
+      </p:ext>
+    </p:extLst>
+  </p:cSld>
+  <p:clrMapOvr>
+    <a:masterClrMapping/>
+  </p:clrMapOvr>
+</p:sld>
+</file>
+
+<file path=ppt/slides/slide14.xml><?xml version="1.0" encoding="utf-8"?>
+<p:sld xmlns:a="http://schemas.openxmlformats.org/drawingml/2006/main" xmlns:r="http://schemas.openxmlformats.org/officeDocument/2006/relationships" xmlns:p="http://schemas.openxmlformats.org/presentationml/2006/main">
+  <p:cSld>
+    <p:spTree>
+      <p:nvGrpSpPr>
+        <p:cNvPr id="1" name=""/>
+        <p:cNvGrpSpPr/>
+        <p:nvPr/>
+      </p:nvGrpSpPr>
+      <p:grpSpPr>
+        <a:xfrm>
+          <a:off x="0" y="0"/>
+          <a:ext cx="0" cy="0"/>
+          <a:chOff x="0" y="0"/>
+          <a:chExt cx="0" cy="0"/>
+        </a:xfrm>
+      </p:grpSpPr>
+      <p:sp>
+        <p:nvSpPr>
+          <p:cNvPr id="2" name="タイトル 1"/>
+          <p:cNvSpPr>
+            <a:spLocks noGrp="1"/>
+          </p:cNvSpPr>
+          <p:nvPr>
+            <p:ph type="title"/>
+          </p:nvPr>
+        </p:nvSpPr>
+        <p:spPr/>
+        <p:txBody>
+          <a:bodyPr/>
+          <a:lstStyle/>
+          <a:p>
+            <a:r>
+              <a:rPr kumimoji="1" lang="ja-JP" altLang="en-US" b="1" dirty="0" smtClean="0">
+                <a:solidFill>
+                  <a:schemeClr val="tx1">
+                    <a:lumMod val="50000"/>
+                    <a:lumOff val="50000"/>
+                  </a:schemeClr>
+                </a:solidFill>
+              </a:rPr>
+              <a:t>演習</a:t>
+            </a:r>
+            <a:r>
+              <a:rPr kumimoji="1" lang="en-US" altLang="ja-JP" b="1" dirty="0" smtClean="0">
+                <a:solidFill>
+                  <a:schemeClr val="tx1">
+                    <a:lumMod val="50000"/>
+                    <a:lumOff val="50000"/>
+                  </a:schemeClr>
+                </a:solidFill>
+              </a:rPr>
+              <a:t>‐1</a:t>
+            </a:r>
+            <a:endParaRPr kumimoji="1" lang="ja-JP" altLang="en-US" b="1" dirty="0">
+              <a:solidFill>
+                <a:schemeClr val="tx1">
+                  <a:lumMod val="50000"/>
+                  <a:lumOff val="50000"/>
+                </a:schemeClr>
+              </a:solidFill>
+            </a:endParaRPr>
+          </a:p>
+        </p:txBody>
+      </p:sp>
+      <p:sp>
+        <p:nvSpPr>
+          <p:cNvPr id="3" name="コンテンツ プレースホルダー 2"/>
+          <p:cNvSpPr>
+            <a:spLocks noGrp="1"/>
+          </p:cNvSpPr>
+          <p:nvPr>
+            <p:ph idx="1"/>
+          </p:nvPr>
+        </p:nvSpPr>
+        <p:spPr>
+          <a:xfrm>
+            <a:off x="838200" y="1825625"/>
+            <a:ext cx="10601739" cy="4783604"/>
+          </a:xfrm>
+        </p:spPr>
+        <p:txBody>
+          <a:bodyPr>
+            <a:normAutofit/>
+          </a:bodyPr>
+          <a:lstStyle/>
+          <a:p>
+            <a:r>
+              <a:rPr lang="en-US" altLang="ja-JP" dirty="0" err="1" smtClean="0"/>
+              <a:t>Rstudio</a:t>
+            </a:r>
+            <a:r>
+              <a:rPr lang="en-US" altLang="ja-JP" dirty="0" smtClean="0"/>
+              <a:t> cloud</a:t>
+            </a:r>
+            <a:r>
+              <a:rPr lang="ja-JP" altLang="en-US" dirty="0" smtClean="0"/>
+              <a:t>にログインし、</a:t>
+            </a:r>
+            <a:r>
+              <a:rPr lang="en-US" altLang="ja-JP" dirty="0" err="1" smtClean="0"/>
+              <a:t>Rstudio</a:t>
+            </a:r>
+            <a:r>
+              <a:rPr lang="en-US" altLang="ja-JP" dirty="0" smtClean="0"/>
+              <a:t> cloud</a:t>
+            </a:r>
+            <a:r>
+              <a:rPr lang="ja-JP" altLang="en-US" dirty="0" smtClean="0"/>
+              <a:t>で以下のコードを</a:t>
+            </a:r>
+            <a:r>
+              <a:rPr lang="en-US" altLang="ja-JP" dirty="0" smtClean="0"/>
+              <a:t/>
+            </a:r>
+            <a:br>
+              <a:rPr lang="en-US" altLang="ja-JP" dirty="0" smtClean="0"/>
+            </a:br>
+            <a:r>
+              <a:rPr lang="ja-JP" altLang="en-US" dirty="0" smtClean="0"/>
+              <a:t>実行してください</a:t>
+            </a:r>
+            <a:endParaRPr lang="en-US" altLang="ja-JP" dirty="0" smtClean="0"/>
+          </a:p>
+          <a:p>
+            <a:pPr marL="0" indent="0">
+              <a:buNone/>
+            </a:pPr>
+            <a:endParaRPr lang="en-US" altLang="ja-JP" dirty="0" smtClean="0"/>
+          </a:p>
+          <a:p>
+            <a:pPr marL="0" indent="0">
+              <a:buNone/>
+            </a:pPr>
+            <a:r>
+              <a:rPr lang="en-US" altLang="ja-JP" dirty="0" smtClean="0"/>
+              <a:t>x </a:t>
+            </a:r>
+            <a:r>
+              <a:rPr lang="en-US" altLang="ja-JP" dirty="0"/>
+              <a:t>&lt;- c(2, 4, 6)</a:t>
+            </a:r>
+          </a:p>
+          <a:p>
+            <a:pPr marL="0" indent="0">
+              <a:buNone/>
+            </a:pPr>
+            <a:r>
+              <a:rPr lang="en-US" altLang="ja-JP" dirty="0" smtClean="0"/>
+              <a:t>y &lt;- c(1, 2, 3)</a:t>
+            </a:r>
+          </a:p>
+          <a:p>
+            <a:pPr marL="0" indent="0">
+              <a:buNone/>
+            </a:pPr>
+            <a:r>
+              <a:rPr lang="en-US" altLang="ja-JP" dirty="0" smtClean="0"/>
+              <a:t>plot(x, y)</a:t>
+            </a:r>
+            <a:endParaRPr lang="en-US" altLang="ja-JP" dirty="0" smtClean="0"/>
+          </a:p>
+          <a:p>
+            <a:pPr marL="0" indent="0">
+              <a:buNone/>
+            </a:pPr>
+            <a:endParaRPr kumimoji="1" lang="en-US" altLang="ja-JP" dirty="0" smtClean="0"/>
+          </a:p>
+        </p:txBody>
+      </p:sp>
+      <p:sp>
+        <p:nvSpPr>
+          <p:cNvPr id="4" name="フッター プレースホルダー 3"/>
+          <p:cNvSpPr>
+            <a:spLocks noGrp="1"/>
+          </p:cNvSpPr>
+          <p:nvPr>
+            <p:ph type="ftr" sz="quarter" idx="11"/>
+          </p:nvPr>
+        </p:nvSpPr>
+        <p:spPr/>
+        <p:txBody>
+          <a:bodyPr/>
+          <a:lstStyle/>
+          <a:p>
+            <a:r>
+              <a:rPr lang="en-US" altLang="ja-JP" smtClean="0"/>
+              <a:t>R</a:t>
+            </a:r>
+            <a:r>
+              <a:rPr lang="ja-JP" altLang="en-US" smtClean="0"/>
+              <a:t> </a:t>
+            </a:r>
+            <a:r>
+              <a:rPr lang="en-US" altLang="ja-JP" smtClean="0"/>
+              <a:t>for</a:t>
+            </a:r>
+            <a:r>
+              <a:rPr lang="ja-JP" altLang="en-US" smtClean="0"/>
+              <a:t> </a:t>
+            </a:r>
+            <a:r>
+              <a:rPr lang="en-US" altLang="ja-JP" smtClean="0"/>
+              <a:t>Pharmacometrics</a:t>
+            </a:r>
+            <a:endParaRPr lang="ja-JP" altLang="en-US" dirty="0" smtClean="0"/>
+          </a:p>
+        </p:txBody>
+      </p:sp>
+      <p:sp>
+        <p:nvSpPr>
+          <p:cNvPr id="5" name="スライド番号プレースホルダー 4"/>
+          <p:cNvSpPr>
+            <a:spLocks noGrp="1"/>
+          </p:cNvSpPr>
+          <p:nvPr>
+            <p:ph type="sldNum" sz="quarter" idx="12"/>
+          </p:nvPr>
+        </p:nvSpPr>
+        <p:spPr/>
+        <p:txBody>
+          <a:bodyPr/>
+          <a:lstStyle/>
+          <a:p>
+            <a:fld id="{93256357-0251-4953-A9B8-633A05DE8E91}" type="slidenum">
+              <a:rPr kumimoji="1" lang="ja-JP" altLang="en-US" smtClean="0"/>
+              <a:t>14</a:t>
+            </a:fld>
+            <a:endParaRPr kumimoji="1" lang="ja-JP" altLang="en-US"/>
+          </a:p>
+        </p:txBody>
+      </p:sp>
+      <p:sp>
+        <p:nvSpPr>
+          <p:cNvPr id="8" name="テキスト ボックス 7"/>
+          <p:cNvSpPr txBox="1"/>
+          <p:nvPr/>
+        </p:nvSpPr>
+        <p:spPr>
+          <a:xfrm>
+            <a:off x="10530968" y="0"/>
+            <a:ext cx="1661032" cy="523220"/>
+          </a:xfrm>
+          <a:prstGeom prst="rect">
+            <a:avLst/>
+          </a:prstGeom>
+          <a:solidFill>
+            <a:schemeClr val="tx2"/>
+          </a:solidFill>
+        </p:spPr>
+        <p:txBody>
+          <a:bodyPr wrap="none" rtlCol="0">
+            <a:spAutoFit/>
+          </a:bodyPr>
+          <a:lstStyle/>
+          <a:p>
+            <a:r>
+              <a:rPr kumimoji="1" lang="en-US" altLang="ja-JP" sz="2800" b="1" dirty="0" smtClean="0">
+                <a:solidFill>
+                  <a:srgbClr val="FFC000"/>
+                </a:solidFill>
+              </a:rPr>
+              <a:t>Hands-On</a:t>
+            </a:r>
+            <a:endParaRPr kumimoji="1" lang="ja-JP" altLang="en-US" sz="2800" b="1" dirty="0">
+              <a:solidFill>
+                <a:srgbClr val="FFC000"/>
+              </a:solidFill>
+            </a:endParaRPr>
+          </a:p>
+        </p:txBody>
+      </p:sp>
+    </p:spTree>
+    <p:extLst>
+      <p:ext uri="{BB962C8B-B14F-4D97-AF65-F5344CB8AC3E}">
+        <p14:creationId xmlns:p14="http://schemas.microsoft.com/office/powerpoint/2010/main" val="4006323058"/>
+      </p:ext>
+    </p:extLst>
+  </p:cSld>
+  <p:clrMapOvr>
+    <a:masterClrMapping/>
+  </p:clrMapOvr>
+</p:sld>
+</file>
+
+<file path=ppt/slides/slide15.xml><?xml version="1.0" encoding="utf-8"?>
+<p:sld xmlns:a="http://schemas.openxmlformats.org/drawingml/2006/main" xmlns:r="http://schemas.openxmlformats.org/officeDocument/2006/relationships" xmlns:p="http://schemas.openxmlformats.org/presentationml/2006/main">
+  <p:cSld>
+    <p:spTree>
+      <p:nvGrpSpPr>
+        <p:cNvPr id="1" name=""/>
+        <p:cNvGrpSpPr/>
+        <p:nvPr/>
+      </p:nvGrpSpPr>
+      <p:grpSpPr>
+        <a:xfrm>
+          <a:off x="0" y="0"/>
+          <a:ext cx="0" cy="0"/>
+          <a:chOff x="0" y="0"/>
+          <a:chExt cx="0" cy="0"/>
+        </a:xfrm>
+      </p:grpSpPr>
+      <p:sp>
+        <p:nvSpPr>
+          <p:cNvPr id="2" name="タイトル 1"/>
+          <p:cNvSpPr>
+            <a:spLocks noGrp="1"/>
+          </p:cNvSpPr>
+          <p:nvPr>
+            <p:ph type="title"/>
+          </p:nvPr>
+        </p:nvSpPr>
+        <p:spPr/>
+        <p:txBody>
+          <a:bodyPr/>
+          <a:lstStyle/>
+          <a:p>
+            <a:r>
+              <a:rPr kumimoji="1" lang="en-US" altLang="ja-JP" b="1" dirty="0" smtClean="0">
+                <a:solidFill>
+                  <a:schemeClr val="tx1">
+                    <a:lumMod val="50000"/>
+                    <a:lumOff val="50000"/>
+                  </a:schemeClr>
+                </a:solidFill>
+              </a:rPr>
+              <a:t>Package</a:t>
+            </a:r>
+            <a:endParaRPr kumimoji="1" lang="ja-JP" altLang="en-US" b="1" dirty="0">
+              <a:solidFill>
+                <a:schemeClr val="tx1">
+                  <a:lumMod val="50000"/>
+                  <a:lumOff val="50000"/>
+                </a:schemeClr>
+              </a:solidFill>
+            </a:endParaRPr>
+          </a:p>
+        </p:txBody>
+      </p:sp>
+      <p:sp>
+        <p:nvSpPr>
+          <p:cNvPr id="3" name="コンテンツ プレースホルダー 2"/>
+          <p:cNvSpPr>
+            <a:spLocks noGrp="1"/>
+          </p:cNvSpPr>
+          <p:nvPr>
+            <p:ph idx="1"/>
+          </p:nvPr>
+        </p:nvSpPr>
+        <p:spPr>
+          <a:xfrm>
+            <a:off x="838200" y="1825625"/>
+            <a:ext cx="10515600" cy="4783604"/>
+          </a:xfrm>
+        </p:spPr>
+        <p:txBody>
+          <a:bodyPr>
+            <a:normAutofit/>
+          </a:bodyPr>
+          <a:lstStyle/>
+          <a:p>
+            <a:r>
+              <a:rPr kumimoji="1" lang="en-US" altLang="ja-JP" dirty="0" smtClean="0"/>
+              <a:t>Package</a:t>
+            </a:r>
+            <a:r>
+              <a:rPr kumimoji="1" lang="ja-JP" altLang="en-US" dirty="0" smtClean="0"/>
+              <a:t>をインストールすることにより機能を追加することができる</a:t>
+            </a:r>
+            <a:endParaRPr kumimoji="1" lang="en-US" altLang="ja-JP" dirty="0" smtClean="0"/>
+          </a:p>
+          <a:p>
+            <a:r>
+              <a:rPr lang="ja-JP" altLang="en-US" dirty="0" smtClean="0"/>
+              <a:t>本日使用する主な</a:t>
+            </a:r>
+            <a:r>
+              <a:rPr lang="en-US" altLang="ja-JP" dirty="0" smtClean="0"/>
+              <a:t>package</a:t>
+            </a:r>
+          </a:p>
+          <a:p>
+            <a:pPr lvl="1">
+              <a:buFont typeface="Wingdings" panose="05000000000000000000" pitchFamily="2" charset="2"/>
+              <a:buChar char="ü"/>
+              <a:tabLst>
+                <a:tab pos="2155825" algn="l"/>
+              </a:tabLst>
+            </a:pPr>
+            <a:r>
+              <a:rPr lang="en-US" altLang="ja-JP" dirty="0" err="1" smtClean="0"/>
+              <a:t>dplyr</a:t>
+            </a:r>
+            <a:r>
+              <a:rPr lang="en-US" altLang="ja-JP" dirty="0" smtClean="0"/>
+              <a:t>	</a:t>
+            </a:r>
+            <a:r>
+              <a:rPr lang="ja-JP" altLang="en-US" dirty="0" smtClean="0"/>
+              <a:t>データの加工</a:t>
+            </a:r>
+            <a:endParaRPr lang="en-US" altLang="ja-JP" dirty="0"/>
+          </a:p>
+          <a:p>
+            <a:pPr lvl="1">
+              <a:buFont typeface="Wingdings" panose="05000000000000000000" pitchFamily="2" charset="2"/>
+              <a:buChar char="ü"/>
+              <a:tabLst>
+                <a:tab pos="2155825" algn="l"/>
+              </a:tabLst>
+            </a:pPr>
+            <a:r>
+              <a:rPr lang="en-US" altLang="ja-JP" dirty="0" smtClean="0"/>
+              <a:t>ggplot2	</a:t>
+            </a:r>
+            <a:r>
+              <a:rPr lang="ja-JP" altLang="en-US" dirty="0" smtClean="0"/>
+              <a:t>グラフ作成</a:t>
+            </a:r>
+            <a:endParaRPr lang="en-US" altLang="ja-JP" dirty="0"/>
+          </a:p>
+          <a:p>
+            <a:pPr lvl="1">
+              <a:buFont typeface="Wingdings" panose="05000000000000000000" pitchFamily="2" charset="2"/>
+              <a:buChar char="ü"/>
+              <a:tabLst>
+                <a:tab pos="2155825" algn="l"/>
+              </a:tabLst>
+            </a:pPr>
+            <a:r>
+              <a:rPr lang="en-US" altLang="ja-JP" dirty="0" err="1" smtClean="0"/>
+              <a:t>readr</a:t>
+            </a:r>
+            <a:r>
+              <a:rPr lang="en-US" altLang="ja-JP" dirty="0" smtClean="0"/>
+              <a:t>	</a:t>
+            </a:r>
+            <a:r>
+              <a:rPr lang="ja-JP" altLang="en-US" dirty="0" smtClean="0"/>
+              <a:t>データの読み込み</a:t>
+            </a:r>
+            <a:endParaRPr lang="en-US" altLang="ja-JP" dirty="0"/>
+          </a:p>
+          <a:p>
+            <a:pPr lvl="1">
+              <a:buFont typeface="Wingdings" panose="05000000000000000000" pitchFamily="2" charset="2"/>
+              <a:buChar char="ü"/>
+              <a:tabLst>
+                <a:tab pos="2155825" algn="l"/>
+              </a:tabLst>
+            </a:pPr>
+            <a:r>
+              <a:rPr lang="en-US" altLang="ja-JP" dirty="0" err="1" smtClean="0"/>
+              <a:t>gridExtra</a:t>
+            </a:r>
+            <a:r>
+              <a:rPr lang="en-US" altLang="ja-JP" dirty="0" smtClean="0"/>
+              <a:t>	</a:t>
+            </a:r>
+            <a:r>
+              <a:rPr lang="ja-JP" altLang="en-US" dirty="0" smtClean="0"/>
+              <a:t>グラフ表示</a:t>
+            </a:r>
+            <a:endParaRPr lang="en-US" altLang="ja-JP" dirty="0"/>
+          </a:p>
+          <a:p>
+            <a:pPr lvl="1">
+              <a:buFont typeface="Wingdings" panose="05000000000000000000" pitchFamily="2" charset="2"/>
+              <a:buChar char="ü"/>
+              <a:tabLst>
+                <a:tab pos="2155825" algn="l"/>
+              </a:tabLst>
+            </a:pPr>
+            <a:r>
+              <a:rPr lang="en-US" altLang="ja-JP" dirty="0" err="1" smtClean="0"/>
+              <a:t>GGally</a:t>
+            </a:r>
+            <a:r>
+              <a:rPr lang="en-US" altLang="ja-JP" dirty="0" smtClean="0"/>
+              <a:t>	</a:t>
+            </a:r>
+            <a:r>
+              <a:rPr lang="ja-JP" altLang="en-US" dirty="0" smtClean="0"/>
+              <a:t>グラフ表示</a:t>
+            </a:r>
+            <a:endParaRPr kumimoji="1" lang="en-US" altLang="ja-JP" dirty="0" smtClean="0"/>
+          </a:p>
+          <a:p>
+            <a:r>
+              <a:rPr lang="en-US" altLang="ja-JP" dirty="0" smtClean="0"/>
+              <a:t>Package</a:t>
+            </a:r>
+            <a:r>
+              <a:rPr lang="ja-JP" altLang="en-US" dirty="0" smtClean="0"/>
+              <a:t>をインストールする</a:t>
+            </a:r>
+            <a:endParaRPr lang="en-US" altLang="ja-JP" dirty="0" smtClean="0"/>
+          </a:p>
+          <a:p>
+            <a:pPr lvl="1">
+              <a:buFont typeface="Wingdings" panose="05000000000000000000" pitchFamily="2" charset="2"/>
+              <a:buChar char="Ø"/>
+            </a:pPr>
+            <a:r>
+              <a:rPr lang="en-US" altLang="ja-JP" dirty="0" err="1" smtClean="0"/>
+              <a:t>install.packages</a:t>
+            </a:r>
+            <a:r>
+              <a:rPr lang="en-US" altLang="ja-JP" dirty="0" smtClean="0"/>
+              <a:t>(“</a:t>
+            </a:r>
+            <a:r>
+              <a:rPr lang="en-US" altLang="ja-JP" dirty="0" err="1" smtClean="0"/>
+              <a:t>dplyr</a:t>
+            </a:r>
+            <a:r>
+              <a:rPr lang="en-US" altLang="ja-JP" dirty="0" smtClean="0"/>
+              <a:t>")</a:t>
+            </a:r>
+          </a:p>
+          <a:p>
+            <a:r>
+              <a:rPr kumimoji="1" lang="en-US" altLang="ja-JP" dirty="0" smtClean="0"/>
+              <a:t>Package</a:t>
+            </a:r>
+            <a:r>
+              <a:rPr kumimoji="1" lang="ja-JP" altLang="en-US" dirty="0" smtClean="0"/>
+              <a:t>を使う</a:t>
+            </a:r>
+            <a:endParaRPr kumimoji="1" lang="en-US" altLang="ja-JP" dirty="0" smtClean="0"/>
+          </a:p>
+          <a:p>
+            <a:pPr lvl="1">
+              <a:buFont typeface="Wingdings" panose="05000000000000000000" pitchFamily="2" charset="2"/>
+              <a:buChar char="Ø"/>
+            </a:pPr>
+            <a:r>
+              <a:rPr kumimoji="1" lang="en-US" altLang="ja-JP" dirty="0" smtClean="0"/>
+              <a:t>library(</a:t>
+            </a:r>
+            <a:r>
+              <a:rPr kumimoji="1" lang="en-US" altLang="ja-JP" dirty="0" err="1" smtClean="0"/>
+              <a:t>dplyr</a:t>
+            </a:r>
+            <a:r>
+              <a:rPr kumimoji="1" lang="en-US" altLang="ja-JP" dirty="0" smtClean="0"/>
+              <a:t>)</a:t>
+            </a:r>
+          </a:p>
+        </p:txBody>
+      </p:sp>
+      <p:sp>
+        <p:nvSpPr>
+          <p:cNvPr id="4" name="フッター プレースホルダー 3"/>
+          <p:cNvSpPr>
+            <a:spLocks noGrp="1"/>
+          </p:cNvSpPr>
+          <p:nvPr>
+            <p:ph type="ftr" sz="quarter" idx="11"/>
+          </p:nvPr>
+        </p:nvSpPr>
+        <p:spPr/>
+        <p:txBody>
+          <a:bodyPr/>
+          <a:lstStyle/>
+          <a:p>
+            <a:r>
+              <a:rPr lang="en-US" altLang="ja-JP" dirty="0" smtClean="0"/>
+              <a:t>R</a:t>
+            </a:r>
+            <a:r>
+              <a:rPr lang="ja-JP" altLang="en-US" dirty="0" smtClean="0"/>
+              <a:t> </a:t>
+            </a:r>
+            <a:r>
+              <a:rPr lang="en-US" altLang="ja-JP" dirty="0" smtClean="0"/>
+              <a:t>for</a:t>
+            </a:r>
+            <a:r>
+              <a:rPr lang="ja-JP" altLang="en-US" dirty="0" smtClean="0"/>
+              <a:t> </a:t>
+            </a:r>
+            <a:r>
+              <a:rPr lang="en-US" altLang="ja-JP" dirty="0" err="1" smtClean="0"/>
+              <a:t>Pharmacometrics</a:t>
+            </a:r>
+            <a:endParaRPr lang="ja-JP" altLang="en-US" dirty="0" smtClean="0"/>
+          </a:p>
+        </p:txBody>
+      </p:sp>
+      <p:sp>
+        <p:nvSpPr>
+          <p:cNvPr id="5" name="スライド番号プレースホルダー 4"/>
+          <p:cNvSpPr>
+            <a:spLocks noGrp="1"/>
+          </p:cNvSpPr>
+          <p:nvPr>
+            <p:ph type="sldNum" sz="quarter" idx="12"/>
+          </p:nvPr>
+        </p:nvSpPr>
+        <p:spPr/>
+        <p:txBody>
+          <a:bodyPr/>
+          <a:lstStyle/>
+          <a:p>
+            <a:fld id="{93256357-0251-4953-A9B8-633A05DE8E91}" type="slidenum">
+              <a:rPr kumimoji="1" lang="ja-JP" altLang="en-US" smtClean="0"/>
+              <a:t>15</a:t>
+            </a:fld>
+            <a:endParaRPr kumimoji="1" lang="ja-JP" altLang="en-US"/>
+          </a:p>
+        </p:txBody>
+      </p:sp>
+    </p:spTree>
+    <p:extLst>
+      <p:ext uri="{BB962C8B-B14F-4D97-AF65-F5344CB8AC3E}">
+        <p14:creationId xmlns:p14="http://schemas.microsoft.com/office/powerpoint/2010/main" val="2298397532"/>
+      </p:ext>
+    </p:extLst>
+  </p:cSld>
+  <p:clrMapOvr>
+    <a:masterClrMapping/>
+  </p:clrMapOvr>
+</p:sld>
+</file>
+
+<file path=ppt/slides/slide16.xml><?xml version="1.0" encoding="utf-8"?>
+<p:sld xmlns:a="http://schemas.openxmlformats.org/drawingml/2006/main" xmlns:r="http://schemas.openxmlformats.org/officeDocument/2006/relationships" xmlns:p="http://schemas.openxmlformats.org/presentationml/2006/main">
+  <p:cSld>
+    <p:spTree>
+      <p:nvGrpSpPr>
+        <p:cNvPr id="1" name=""/>
+        <p:cNvGrpSpPr/>
+        <p:nvPr/>
+      </p:nvGrpSpPr>
+      <p:grpSpPr>
+        <a:xfrm>
+          <a:off x="0" y="0"/>
+          <a:ext cx="0" cy="0"/>
+          <a:chOff x="0" y="0"/>
+          <a:chExt cx="0" cy="0"/>
+        </a:xfrm>
+      </p:grpSpPr>
+      <p:sp>
+        <p:nvSpPr>
+          <p:cNvPr id="4" name="フッター プレースホルダー 3"/>
+          <p:cNvSpPr>
+            <a:spLocks noGrp="1"/>
+          </p:cNvSpPr>
+          <p:nvPr>
+            <p:ph type="ftr" sz="quarter" idx="11"/>
+          </p:nvPr>
+        </p:nvSpPr>
+        <p:spPr/>
+        <p:txBody>
+          <a:bodyPr/>
+          <a:lstStyle/>
+          <a:p>
+            <a:r>
+              <a:rPr lang="en-US" altLang="ja-JP" smtClean="0"/>
+              <a:t>R</a:t>
+            </a:r>
+            <a:r>
+              <a:rPr lang="ja-JP" altLang="en-US" smtClean="0"/>
+              <a:t> </a:t>
+            </a:r>
+            <a:r>
+              <a:rPr lang="en-US" altLang="ja-JP" smtClean="0"/>
+              <a:t>for</a:t>
+            </a:r>
+            <a:r>
+              <a:rPr lang="ja-JP" altLang="en-US" smtClean="0"/>
+              <a:t> </a:t>
+            </a:r>
+            <a:r>
+              <a:rPr lang="en-US" altLang="ja-JP" smtClean="0"/>
+              <a:t>Pharmacometrics</a:t>
+            </a:r>
+            <a:endParaRPr lang="ja-JP" altLang="en-US" dirty="0" smtClean="0"/>
+          </a:p>
+        </p:txBody>
+      </p:sp>
+      <p:sp>
+        <p:nvSpPr>
+          <p:cNvPr id="5" name="スライド番号プレースホルダー 4"/>
+          <p:cNvSpPr>
+            <a:spLocks noGrp="1"/>
+          </p:cNvSpPr>
+          <p:nvPr>
+            <p:ph type="sldNum" sz="quarter" idx="12"/>
+          </p:nvPr>
+        </p:nvSpPr>
+        <p:spPr/>
+        <p:txBody>
+          <a:bodyPr/>
+          <a:lstStyle/>
+          <a:p>
+            <a:fld id="{93256357-0251-4953-A9B8-633A05DE8E91}" type="slidenum">
+              <a:rPr kumimoji="1" lang="ja-JP" altLang="en-US" smtClean="0"/>
+              <a:t>16</a:t>
+            </a:fld>
+            <a:endParaRPr kumimoji="1" lang="ja-JP" altLang="en-US"/>
+          </a:p>
+        </p:txBody>
+      </p:sp>
+      <p:pic>
+        <p:nvPicPr>
+          <p:cNvPr id="7" name="図 6"/>
+          <p:cNvPicPr>
+            <a:picLocks noChangeAspect="1"/>
+          </p:cNvPicPr>
+          <p:nvPr/>
+        </p:nvPicPr>
+        <p:blipFill>
+          <a:blip r:embed="rId2"/>
+          <a:stretch>
+            <a:fillRect/>
+          </a:stretch>
+        </p:blipFill>
+        <p:spPr>
+          <a:xfrm>
+            <a:off x="1167663" y="127323"/>
+            <a:ext cx="9431001" cy="6459012"/>
+          </a:xfrm>
+          <a:prstGeom prst="rect">
+            <a:avLst/>
+          </a:prstGeom>
+        </p:spPr>
+      </p:pic>
+      <p:sp>
+        <p:nvSpPr>
+          <p:cNvPr id="10" name="角丸四角形 9"/>
+          <p:cNvSpPr/>
+          <p:nvPr/>
+        </p:nvSpPr>
+        <p:spPr>
+          <a:xfrm>
+            <a:off x="763929" y="3958542"/>
+            <a:ext cx="5989209" cy="2812648"/>
+          </a:xfrm>
+          <a:prstGeom prst="roundRect">
+            <a:avLst>
+              <a:gd name="adj" fmla="val 6239"/>
+            </a:avLst>
+          </a:prstGeom>
+          <a:noFill/>
+          <a:ln w="57150">
+            <a:solidFill>
+              <a:schemeClr val="accent4">
+                <a:lumMod val="60000"/>
+                <a:lumOff val="40000"/>
+              </a:schemeClr>
+            </a:solidFill>
+          </a:ln>
+        </p:spPr>
+        <p:style>
+          <a:lnRef idx="2">
+            <a:schemeClr val="accent1">
+              <a:shade val="50000"/>
+            </a:schemeClr>
+          </a:lnRef>
+          <a:fillRef idx="1">
+            <a:schemeClr val="accent1"/>
+          </a:fillRef>
+          <a:effectRef idx="0">
+            <a:schemeClr val="accent1"/>
+          </a:effectRef>
+          <a:fontRef idx="minor">
+            <a:schemeClr val="lt1"/>
+          </a:fontRef>
+        </p:style>
+        <p:txBody>
+          <a:bodyPr rtlCol="0" anchor="ctr"/>
+          <a:lstStyle/>
+          <a:p>
+            <a:pPr algn="ctr"/>
+            <a:endParaRPr kumimoji="1" lang="ja-JP" altLang="en-US"/>
+          </a:p>
+        </p:txBody>
+      </p:sp>
+      <p:sp>
+        <p:nvSpPr>
+          <p:cNvPr id="11" name="テキスト ボックス 10"/>
+          <p:cNvSpPr txBox="1"/>
+          <p:nvPr/>
+        </p:nvSpPr>
+        <p:spPr>
+          <a:xfrm>
+            <a:off x="2551109" y="5128605"/>
+            <a:ext cx="2501006" cy="523220"/>
+          </a:xfrm>
+          <a:prstGeom prst="rect">
+            <a:avLst/>
+          </a:prstGeom>
+          <a:solidFill>
+            <a:schemeClr val="tx2"/>
+          </a:solidFill>
+        </p:spPr>
+        <p:txBody>
+          <a:bodyPr wrap="none" rtlCol="0">
+            <a:spAutoFit/>
+          </a:bodyPr>
+          <a:lstStyle/>
+          <a:p>
+            <a:r>
+              <a:rPr kumimoji="1" lang="ja-JP" altLang="en-US" sz="2800" b="1" dirty="0" smtClean="0">
+                <a:solidFill>
+                  <a:srgbClr val="FFC000"/>
+                </a:solidFill>
+              </a:rPr>
+              <a:t>コンソール画面</a:t>
+            </a:r>
+            <a:endParaRPr kumimoji="1" lang="ja-JP" altLang="en-US" sz="2800" b="1" dirty="0">
+              <a:solidFill>
+                <a:srgbClr val="FFC000"/>
+              </a:solidFill>
+            </a:endParaRPr>
+          </a:p>
+        </p:txBody>
+      </p:sp>
+      <p:sp>
+        <p:nvSpPr>
+          <p:cNvPr id="12" name="角丸四角形 11"/>
+          <p:cNvSpPr/>
+          <p:nvPr/>
+        </p:nvSpPr>
+        <p:spPr>
+          <a:xfrm>
+            <a:off x="802398" y="1008528"/>
+            <a:ext cx="5941302" cy="2879629"/>
+          </a:xfrm>
+          <a:prstGeom prst="roundRect">
+            <a:avLst>
+              <a:gd name="adj" fmla="val 6239"/>
+            </a:avLst>
+          </a:prstGeom>
+          <a:noFill/>
+          <a:ln w="57150">
+            <a:solidFill>
+              <a:schemeClr val="accent6"/>
+            </a:solidFill>
+          </a:ln>
+        </p:spPr>
+        <p:style>
+          <a:lnRef idx="2">
+            <a:schemeClr val="accent1">
+              <a:shade val="50000"/>
+            </a:schemeClr>
+          </a:lnRef>
+          <a:fillRef idx="1">
+            <a:schemeClr val="accent1"/>
+          </a:fillRef>
+          <a:effectRef idx="0">
+            <a:schemeClr val="accent1"/>
+          </a:effectRef>
+          <a:fontRef idx="minor">
+            <a:schemeClr val="lt1"/>
+          </a:fontRef>
+        </p:style>
+        <p:txBody>
+          <a:bodyPr rtlCol="0" anchor="ctr"/>
+          <a:lstStyle/>
+          <a:p>
+            <a:pPr algn="ctr"/>
+            <a:endParaRPr kumimoji="1" lang="ja-JP" altLang="en-US"/>
+          </a:p>
+        </p:txBody>
+      </p:sp>
+      <p:sp>
+        <p:nvSpPr>
+          <p:cNvPr id="13" name="テキスト ボックス 12"/>
+          <p:cNvSpPr txBox="1"/>
+          <p:nvPr/>
+        </p:nvSpPr>
+        <p:spPr>
+          <a:xfrm>
+            <a:off x="3065305" y="2242651"/>
+            <a:ext cx="1364476" cy="523220"/>
+          </a:xfrm>
+          <a:prstGeom prst="rect">
+            <a:avLst/>
+          </a:prstGeom>
+          <a:solidFill>
+            <a:schemeClr val="tx2"/>
+          </a:solidFill>
+        </p:spPr>
+        <p:txBody>
+          <a:bodyPr wrap="none" rtlCol="0">
+            <a:spAutoFit/>
+          </a:bodyPr>
+          <a:lstStyle/>
+          <a:p>
+            <a:r>
+              <a:rPr kumimoji="1" lang="ja-JP" altLang="en-US" sz="2800" b="1" dirty="0" smtClean="0">
+                <a:solidFill>
+                  <a:schemeClr val="accent6"/>
+                </a:solidFill>
+              </a:rPr>
+              <a:t>エディタ</a:t>
+            </a:r>
+            <a:endParaRPr kumimoji="1" lang="ja-JP" altLang="en-US" sz="2800" b="1" dirty="0">
+              <a:solidFill>
+                <a:schemeClr val="accent6"/>
+              </a:solidFill>
+            </a:endParaRPr>
+          </a:p>
+        </p:txBody>
+      </p:sp>
+      <p:sp>
+        <p:nvSpPr>
+          <p:cNvPr id="14" name="角丸四角形 13"/>
+          <p:cNvSpPr/>
+          <p:nvPr/>
+        </p:nvSpPr>
+        <p:spPr>
+          <a:xfrm>
+            <a:off x="6761527" y="3011648"/>
+            <a:ext cx="4672047" cy="3644645"/>
+          </a:xfrm>
+          <a:prstGeom prst="roundRect">
+            <a:avLst>
+              <a:gd name="adj" fmla="val 6239"/>
+            </a:avLst>
+          </a:prstGeom>
+          <a:noFill/>
+          <a:ln w="57150">
+            <a:solidFill>
+              <a:schemeClr val="accent2"/>
+            </a:solidFill>
+          </a:ln>
+        </p:spPr>
+        <p:style>
+          <a:lnRef idx="2">
+            <a:schemeClr val="accent1">
+              <a:shade val="50000"/>
+            </a:schemeClr>
+          </a:lnRef>
+          <a:fillRef idx="1">
+            <a:schemeClr val="accent1"/>
+          </a:fillRef>
+          <a:effectRef idx="0">
+            <a:schemeClr val="accent1"/>
+          </a:effectRef>
+          <a:fontRef idx="minor">
+            <a:schemeClr val="lt1"/>
+          </a:fontRef>
+        </p:style>
+        <p:txBody>
+          <a:bodyPr rtlCol="0" anchor="ctr"/>
+          <a:lstStyle/>
+          <a:p>
+            <a:pPr algn="ctr"/>
+            <a:endParaRPr kumimoji="1" lang="ja-JP" altLang="en-US"/>
+          </a:p>
+        </p:txBody>
+      </p:sp>
+      <p:sp>
+        <p:nvSpPr>
+          <p:cNvPr id="15" name="テキスト ボックス 14"/>
+          <p:cNvSpPr txBox="1"/>
+          <p:nvPr/>
+        </p:nvSpPr>
+        <p:spPr>
+          <a:xfrm>
+            <a:off x="7427911" y="4930247"/>
+            <a:ext cx="3738524" cy="954107"/>
+          </a:xfrm>
+          <a:prstGeom prst="rect">
+            <a:avLst/>
+          </a:prstGeom>
+          <a:solidFill>
+            <a:schemeClr val="tx2"/>
+          </a:solidFill>
+        </p:spPr>
+        <p:txBody>
+          <a:bodyPr wrap="none" rtlCol="0">
+            <a:spAutoFit/>
+          </a:bodyPr>
+          <a:lstStyle/>
+          <a:p>
+            <a:r>
+              <a:rPr kumimoji="1" lang="ja-JP" altLang="en-US" sz="2800" b="1" dirty="0" smtClean="0">
+                <a:solidFill>
+                  <a:schemeClr val="accent2"/>
+                </a:solidFill>
+              </a:rPr>
+              <a:t>グラフ・ファイル・</a:t>
+            </a:r>
+            <a:endParaRPr kumimoji="1" lang="en-US" altLang="ja-JP" sz="2800" b="1" dirty="0" smtClean="0">
+              <a:solidFill>
+                <a:schemeClr val="accent2"/>
+              </a:solidFill>
+            </a:endParaRPr>
+          </a:p>
+          <a:p>
+            <a:r>
+              <a:rPr lang="ja-JP" altLang="en-US" sz="2800" b="1" dirty="0" smtClean="0">
+                <a:solidFill>
+                  <a:schemeClr val="accent2"/>
+                </a:solidFill>
+              </a:rPr>
+              <a:t>ヘルプ・パッケージ管理</a:t>
+            </a:r>
+            <a:endParaRPr kumimoji="1" lang="ja-JP" altLang="en-US" sz="2800" b="1" dirty="0">
+              <a:solidFill>
+                <a:schemeClr val="accent2"/>
+              </a:solidFill>
+            </a:endParaRPr>
+          </a:p>
+        </p:txBody>
+      </p:sp>
+      <p:sp>
+        <p:nvSpPr>
+          <p:cNvPr id="16" name="角丸四角形 15"/>
+          <p:cNvSpPr/>
+          <p:nvPr/>
+        </p:nvSpPr>
+        <p:spPr>
+          <a:xfrm>
+            <a:off x="6826879" y="898712"/>
+            <a:ext cx="4523772" cy="2086536"/>
+          </a:xfrm>
+          <a:prstGeom prst="roundRect">
+            <a:avLst>
+              <a:gd name="adj" fmla="val 6239"/>
+            </a:avLst>
+          </a:prstGeom>
+          <a:noFill/>
+          <a:ln w="38100"/>
+        </p:spPr>
+        <p:style>
+          <a:lnRef idx="2">
+            <a:schemeClr val="dk1"/>
+          </a:lnRef>
+          <a:fillRef idx="1">
+            <a:schemeClr val="lt1"/>
+          </a:fillRef>
+          <a:effectRef idx="0">
+            <a:schemeClr val="dk1"/>
+          </a:effectRef>
+          <a:fontRef idx="minor">
+            <a:schemeClr val="dk1"/>
+          </a:fontRef>
+        </p:style>
+        <p:txBody>
+          <a:bodyPr rtlCol="0" anchor="ctr"/>
+          <a:lstStyle/>
+          <a:p>
+            <a:pPr algn="ctr"/>
+            <a:endParaRPr kumimoji="1" lang="ja-JP" altLang="en-US"/>
+          </a:p>
+        </p:txBody>
+      </p:sp>
+      <p:sp>
+        <p:nvSpPr>
+          <p:cNvPr id="17" name="テキスト ボックス 16"/>
+          <p:cNvSpPr txBox="1"/>
+          <p:nvPr/>
+        </p:nvSpPr>
+        <p:spPr>
+          <a:xfrm>
+            <a:off x="7344988" y="2231871"/>
+            <a:ext cx="3502882" cy="523220"/>
+          </a:xfrm>
+          <a:prstGeom prst="rect">
+            <a:avLst/>
+          </a:prstGeom>
+          <a:solidFill>
+            <a:schemeClr val="tx2"/>
+          </a:solidFill>
+        </p:spPr>
+        <p:txBody>
+          <a:bodyPr wrap="none" rtlCol="0">
+            <a:spAutoFit/>
+          </a:bodyPr>
+          <a:lstStyle/>
+          <a:p>
+            <a:r>
+              <a:rPr kumimoji="1" lang="ja-JP" altLang="en-US" sz="2800" b="1" dirty="0" smtClean="0">
+                <a:solidFill>
+                  <a:schemeClr val="bg1"/>
+                </a:solidFill>
+              </a:rPr>
+              <a:t>オブジェクト・履歴など</a:t>
+            </a:r>
+            <a:endParaRPr kumimoji="1" lang="ja-JP" altLang="en-US" sz="2800" b="1" dirty="0">
+              <a:solidFill>
+                <a:schemeClr val="bg1"/>
+              </a:solidFill>
+            </a:endParaRPr>
+          </a:p>
+        </p:txBody>
+      </p:sp>
+    </p:spTree>
+    <p:extLst>
+      <p:ext uri="{BB962C8B-B14F-4D97-AF65-F5344CB8AC3E}">
+        <p14:creationId xmlns:p14="http://schemas.microsoft.com/office/powerpoint/2010/main" val="3899037616"/>
+      </p:ext>
+    </p:extLst>
+  </p:cSld>
+  <p:clrMapOvr>
+    <a:masterClrMapping/>
+  </p:clrMapOvr>
+</p:sld>
+</file>
+
+<file path=ppt/slides/slide17.xml><?xml version="1.0" encoding="utf-8"?>
+<p:sld xmlns:a="http://schemas.openxmlformats.org/drawingml/2006/main" xmlns:r="http://schemas.openxmlformats.org/officeDocument/2006/relationships" xmlns:p="http://schemas.openxmlformats.org/presentationml/2006/main">
+  <p:cSld>
+    <p:spTree>
+      <p:nvGrpSpPr>
+        <p:cNvPr id="1" name=""/>
+        <p:cNvGrpSpPr/>
+        <p:nvPr/>
+      </p:nvGrpSpPr>
+      <p:grpSpPr>
+        <a:xfrm>
+          <a:off x="0" y="0"/>
+          <a:ext cx="0" cy="0"/>
+          <a:chOff x="0" y="0"/>
+          <a:chExt cx="0" cy="0"/>
+        </a:xfrm>
+      </p:grpSpPr>
+      <p:pic>
+        <p:nvPicPr>
+          <p:cNvPr id="7" name="図 6"/>
+          <p:cNvPicPr>
+            <a:picLocks noChangeAspect="1"/>
+          </p:cNvPicPr>
+          <p:nvPr/>
+        </p:nvPicPr>
+        <p:blipFill rotWithShape="1">
+          <a:blip r:embed="rId3"/>
+          <a:srcRect l="51090" t="6213" r="18622" b="49060"/>
+          <a:stretch/>
+        </p:blipFill>
+        <p:spPr>
+          <a:xfrm>
+            <a:off x="4382343" y="3325907"/>
+            <a:ext cx="7455688" cy="3096626"/>
+          </a:xfrm>
+          <a:prstGeom prst="rect">
+            <a:avLst/>
+          </a:prstGeom>
+          <a:ln>
+            <a:solidFill>
+              <a:schemeClr val="tx1">
+                <a:lumMod val="50000"/>
+                <a:lumOff val="50000"/>
+              </a:schemeClr>
+            </a:solidFill>
+          </a:ln>
+        </p:spPr>
+      </p:pic>
+      <p:sp>
+        <p:nvSpPr>
+          <p:cNvPr id="2" name="タイトル 1"/>
+          <p:cNvSpPr>
+            <a:spLocks noGrp="1"/>
+          </p:cNvSpPr>
+          <p:nvPr>
+            <p:ph type="title"/>
+          </p:nvPr>
+        </p:nvSpPr>
+        <p:spPr/>
+        <p:txBody>
+          <a:bodyPr/>
+          <a:lstStyle/>
+          <a:p>
+            <a:r>
+              <a:rPr kumimoji="1" lang="en-US" altLang="ja-JP" b="1" dirty="0" smtClean="0">
+                <a:solidFill>
+                  <a:schemeClr val="tx1">
+                    <a:lumMod val="50000"/>
+                    <a:lumOff val="50000"/>
+                  </a:schemeClr>
+                </a:solidFill>
+              </a:rPr>
+              <a:t>R markdown</a:t>
+            </a:r>
+            <a:endParaRPr kumimoji="1" lang="ja-JP" altLang="en-US" b="1" dirty="0">
+              <a:solidFill>
+                <a:schemeClr val="tx1">
+                  <a:lumMod val="50000"/>
+                  <a:lumOff val="50000"/>
+                </a:schemeClr>
+              </a:solidFill>
+            </a:endParaRPr>
+          </a:p>
+        </p:txBody>
+      </p:sp>
+      <p:sp>
+        <p:nvSpPr>
+          <p:cNvPr id="3" name="コンテンツ プレースホルダー 2"/>
+          <p:cNvSpPr>
+            <a:spLocks noGrp="1"/>
+          </p:cNvSpPr>
+          <p:nvPr>
+            <p:ph idx="1"/>
+          </p:nvPr>
+        </p:nvSpPr>
+        <p:spPr>
+          <a:xfrm>
+            <a:off x="838200" y="1825625"/>
+            <a:ext cx="10515600" cy="4783604"/>
+          </a:xfrm>
+        </p:spPr>
+        <p:txBody>
+          <a:bodyPr>
+            <a:normAutofit/>
+          </a:bodyPr>
+          <a:lstStyle/>
+          <a:p>
+            <a:r>
+              <a:rPr kumimoji="1" lang="en-US" altLang="ja-JP" dirty="0" smtClean="0"/>
+              <a:t>R</a:t>
+            </a:r>
+            <a:r>
+              <a:rPr kumimoji="1" lang="ja-JP" altLang="en-US" dirty="0" smtClean="0"/>
+              <a:t>のコードと実行結果、解説文等を、</a:t>
+            </a:r>
+            <a:r>
+              <a:rPr kumimoji="1" lang="en-US" altLang="ja-JP" dirty="0" smtClean="0"/>
+              <a:t>html, pdf, doc</a:t>
+            </a:r>
+            <a:r>
+              <a:rPr kumimoji="1" lang="ja-JP" altLang="en-US" dirty="0" smtClean="0"/>
+              <a:t>形式で出力</a:t>
+            </a:r>
+            <a:endParaRPr kumimoji="1" lang="en-US" altLang="ja-JP" dirty="0" smtClean="0"/>
+          </a:p>
+          <a:p>
+            <a:r>
+              <a:rPr lang="en-US" altLang="ja-JP" dirty="0"/>
+              <a:t>R</a:t>
+            </a:r>
+            <a:r>
+              <a:rPr lang="ja-JP" altLang="en-US" dirty="0"/>
+              <a:t>コードとドキュメントを同時に</a:t>
+            </a:r>
+            <a:r>
+              <a:rPr lang="ja-JP" altLang="en-US" dirty="0" smtClean="0"/>
+              <a:t>作成できる</a:t>
+            </a:r>
+            <a:endParaRPr lang="en-US" altLang="ja-JP" dirty="0" smtClean="0"/>
+          </a:p>
+          <a:p>
+            <a:r>
+              <a:rPr lang="en-US" altLang="ja-JP" dirty="0" smtClean="0"/>
+              <a:t>R</a:t>
+            </a:r>
+            <a:r>
+              <a:rPr lang="ja-JP" altLang="en-US" dirty="0" smtClean="0"/>
+              <a:t>コードの実行結果がコード記載部分のすぐ下に表示される</a:t>
+            </a:r>
+            <a:endParaRPr lang="en-US" altLang="ja-JP" dirty="0" smtClean="0"/>
+          </a:p>
+          <a:p>
+            <a:r>
+              <a:rPr lang="en-US" altLang="ja-JP" dirty="0" err="1" smtClean="0"/>
+              <a:t>Rstudio</a:t>
+            </a:r>
+            <a:r>
+              <a:rPr lang="en-US" altLang="ja-JP" dirty="0" smtClean="0"/>
+              <a:t> Help </a:t>
+            </a:r>
+            <a:br>
+              <a:rPr lang="en-US" altLang="ja-JP" dirty="0" smtClean="0"/>
+            </a:br>
+            <a:r>
+              <a:rPr lang="en-US" altLang="ja-JP" dirty="0" smtClean="0"/>
+              <a:t>-&gt; </a:t>
+            </a:r>
+            <a:r>
+              <a:rPr lang="en-US" altLang="ja-JP" dirty="0" err="1" smtClean="0"/>
+              <a:t>Cheetsheets</a:t>
+            </a:r>
+            <a:r>
+              <a:rPr lang="en-US" altLang="ja-JP" dirty="0"/>
+              <a:t/>
+            </a:r>
+            <a:br>
+              <a:rPr lang="en-US" altLang="ja-JP" dirty="0"/>
+            </a:br>
+            <a:r>
+              <a:rPr lang="en-US" altLang="ja-JP" dirty="0" smtClean="0"/>
+              <a:t> -&gt; R Markdown </a:t>
+            </a:r>
+            <a:r>
+              <a:rPr lang="en-US" altLang="ja-JP" dirty="0" err="1" smtClean="0"/>
+              <a:t>Cheet</a:t>
+            </a:r>
+            <a:r>
+              <a:rPr lang="en-US" altLang="ja-JP" dirty="0" smtClean="0"/>
+              <a:t> Sheet</a:t>
+            </a:r>
+            <a:br>
+              <a:rPr lang="en-US" altLang="ja-JP" dirty="0" smtClean="0"/>
+            </a:br>
+            <a:r>
+              <a:rPr lang="en-US" altLang="ja-JP" dirty="0" smtClean="0"/>
+              <a:t> -&gt; R </a:t>
+            </a:r>
+            <a:r>
+              <a:rPr lang="en-US" altLang="ja-JP" dirty="0" err="1" smtClean="0"/>
+              <a:t>Markdwosn</a:t>
+            </a:r>
+            <a:r>
+              <a:rPr lang="en-US" altLang="ja-JP" dirty="0" smtClean="0"/>
+              <a:t> Reference Guide</a:t>
+            </a:r>
+            <a:br>
+              <a:rPr lang="en-US" altLang="ja-JP" dirty="0" smtClean="0"/>
+            </a:br>
+            <a:endParaRPr lang="en-US" altLang="ja-JP" dirty="0" smtClean="0"/>
+          </a:p>
+          <a:p>
+            <a:endParaRPr lang="en-US" altLang="ja-JP" dirty="0"/>
+          </a:p>
+          <a:p>
+            <a:endParaRPr kumimoji="1" lang="en-US" altLang="ja-JP" dirty="0" smtClean="0"/>
+          </a:p>
+        </p:txBody>
+      </p:sp>
+      <p:sp>
+        <p:nvSpPr>
+          <p:cNvPr id="4" name="フッター プレースホルダー 3"/>
+          <p:cNvSpPr>
+            <a:spLocks noGrp="1"/>
+          </p:cNvSpPr>
+          <p:nvPr>
+            <p:ph type="ftr" sz="quarter" idx="11"/>
+          </p:nvPr>
+        </p:nvSpPr>
+        <p:spPr/>
+        <p:txBody>
+          <a:bodyPr/>
+          <a:lstStyle/>
+          <a:p>
+            <a:r>
+              <a:rPr lang="en-US" altLang="ja-JP" dirty="0" smtClean="0"/>
+              <a:t>R</a:t>
+            </a:r>
+            <a:r>
+              <a:rPr lang="ja-JP" altLang="en-US" dirty="0" smtClean="0"/>
+              <a:t> </a:t>
+            </a:r>
+            <a:r>
+              <a:rPr lang="en-US" altLang="ja-JP" dirty="0" smtClean="0"/>
+              <a:t>for</a:t>
+            </a:r>
+            <a:r>
+              <a:rPr lang="ja-JP" altLang="en-US" dirty="0" smtClean="0"/>
+              <a:t> </a:t>
+            </a:r>
+            <a:r>
+              <a:rPr lang="en-US" altLang="ja-JP" dirty="0" err="1" smtClean="0"/>
+              <a:t>Pharmacometrics</a:t>
+            </a:r>
+            <a:endParaRPr lang="ja-JP" altLang="en-US" dirty="0" smtClean="0"/>
+          </a:p>
+        </p:txBody>
+      </p:sp>
+      <p:sp>
+        <p:nvSpPr>
+          <p:cNvPr id="5" name="スライド番号プレースホルダー 4"/>
+          <p:cNvSpPr>
+            <a:spLocks noGrp="1"/>
+          </p:cNvSpPr>
+          <p:nvPr>
+            <p:ph type="sldNum" sz="quarter" idx="12"/>
+          </p:nvPr>
+        </p:nvSpPr>
+        <p:spPr/>
+        <p:txBody>
+          <a:bodyPr/>
+          <a:lstStyle/>
+          <a:p>
+            <a:fld id="{93256357-0251-4953-A9B8-633A05DE8E91}" type="slidenum">
+              <a:rPr kumimoji="1" lang="ja-JP" altLang="en-US" smtClean="0"/>
+              <a:t>17</a:t>
+            </a:fld>
+            <a:endParaRPr kumimoji="1" lang="ja-JP" altLang="en-US"/>
+          </a:p>
+        </p:txBody>
+      </p:sp>
+      <p:graphicFrame>
+        <p:nvGraphicFramePr>
+          <p:cNvPr id="6" name="オブジェクト 5"/>
+          <p:cNvGraphicFramePr>
+            <a:graphicFrameLocks noChangeAspect="1"/>
+          </p:cNvGraphicFramePr>
+          <p:nvPr>
+            <p:extLst>
+              <p:ext uri="{D42A27DB-BD31-4B8C-83A1-F6EECF244321}">
+                <p14:modId xmlns:p14="http://schemas.microsoft.com/office/powerpoint/2010/main" val="3612270551"/>
+              </p:ext>
+            </p:extLst>
+          </p:nvPr>
+        </p:nvGraphicFramePr>
+        <p:xfrm>
+          <a:off x="8163736" y="567080"/>
+          <a:ext cx="2044715" cy="784639"/>
+        </p:xfrm>
+        <a:graphic>
+          <a:graphicData uri="http://schemas.openxmlformats.org/presentationml/2006/ole">
+            <mc:AlternateContent xmlns:mc="http://schemas.openxmlformats.org/markup-compatibility/2006">
+              <mc:Choice xmlns:v="urn:schemas-microsoft-com:vml" Requires="v">
+                <p:oleObj spid="_x0000_s1033" name="パッケージャー シェル オブジェクト" showAsIcon="1" r:id="rId4" imgW="975600" imgH="374040" progId="Package">
+                  <p:embed/>
+                </p:oleObj>
+              </mc:Choice>
+              <mc:Fallback>
+                <p:oleObj name="パッケージャー シェル オブジェクト" showAsIcon="1" r:id="rId4" imgW="975600" imgH="374040" progId="Package">
+                  <p:embed/>
+                  <p:pic>
+                    <p:nvPicPr>
+                      <p:cNvPr id="6" name="オブジェクト 5"/>
+                      <p:cNvPicPr/>
+                      <p:nvPr/>
+                    </p:nvPicPr>
+                    <p:blipFill>
+                      <a:blip r:embed="rId5"/>
+                      <a:stretch>
+                        <a:fillRect/>
+                      </a:stretch>
+                    </p:blipFill>
+                    <p:spPr>
+                      <a:xfrm>
+                        <a:off x="8163736" y="567080"/>
+                        <a:ext cx="2044715" cy="784639"/>
+                      </a:xfrm>
+                      <a:prstGeom prst="rect">
+                        <a:avLst/>
+                      </a:prstGeom>
+                    </p:spPr>
+                  </p:pic>
+                </p:oleObj>
+              </mc:Fallback>
+            </mc:AlternateContent>
+          </a:graphicData>
+        </a:graphic>
+      </p:graphicFrame>
+    </p:spTree>
+    <p:extLst>
+      <p:ext uri="{BB962C8B-B14F-4D97-AF65-F5344CB8AC3E}">
+        <p14:creationId xmlns:p14="http://schemas.microsoft.com/office/powerpoint/2010/main" val="1562193144"/>
+      </p:ext>
+    </p:extLst>
+  </p:cSld>
+  <p:clrMapOvr>
+    <a:masterClrMapping/>
+  </p:clrMapOvr>
+</p:sld>
+</file>
+
+<file path=ppt/slides/slide18.xml><?xml version="1.0" encoding="utf-8"?>
+<p:sld xmlns:a="http://schemas.openxmlformats.org/drawingml/2006/main" xmlns:r="http://schemas.openxmlformats.org/officeDocument/2006/relationships" xmlns:p="http://schemas.openxmlformats.org/presentationml/2006/main">
+  <p:cSld>
+    <p:spTree>
+      <p:nvGrpSpPr>
+        <p:cNvPr id="1" name=""/>
+        <p:cNvGrpSpPr/>
+        <p:nvPr/>
+      </p:nvGrpSpPr>
+      <p:grpSpPr>
+        <a:xfrm>
+          <a:off x="0" y="0"/>
+          <a:ext cx="0" cy="0"/>
+          <a:chOff x="0" y="0"/>
+          <a:chExt cx="0" cy="0"/>
+        </a:xfrm>
+      </p:grpSpPr>
+      <p:sp>
+        <p:nvSpPr>
+          <p:cNvPr id="2" name="タイトル 1"/>
+          <p:cNvSpPr>
+            <a:spLocks noGrp="1"/>
+          </p:cNvSpPr>
+          <p:nvPr>
+            <p:ph type="title"/>
+          </p:nvPr>
+        </p:nvSpPr>
+        <p:spPr/>
+        <p:txBody>
+          <a:bodyPr/>
+          <a:lstStyle/>
+          <a:p>
+            <a:r>
+              <a:rPr kumimoji="1" lang="en-US" altLang="ja-JP" b="1" dirty="0" smtClean="0">
+                <a:solidFill>
+                  <a:schemeClr val="tx1">
+                    <a:lumMod val="50000"/>
+                    <a:lumOff val="50000"/>
+                  </a:schemeClr>
+                </a:solidFill>
+              </a:rPr>
+              <a:t>R </a:t>
+            </a:r>
+            <a:r>
+              <a:rPr kumimoji="1" lang="en-US" altLang="ja-JP" b="1" dirty="0" smtClean="0">
+                <a:solidFill>
+                  <a:schemeClr val="tx1">
+                    <a:lumMod val="50000"/>
+                    <a:lumOff val="50000"/>
+                  </a:schemeClr>
+                </a:solidFill>
+              </a:rPr>
+              <a:t>markdown</a:t>
+            </a:r>
+            <a:r>
+              <a:rPr kumimoji="1" lang="ja-JP" altLang="en-US" b="1" dirty="0" smtClean="0">
+                <a:solidFill>
+                  <a:schemeClr val="tx1">
+                    <a:lumMod val="50000"/>
+                    <a:lumOff val="50000"/>
+                  </a:schemeClr>
+                </a:solidFill>
+              </a:rPr>
+              <a:t>によるドキュメント作成の流れ</a:t>
+            </a:r>
+            <a:endParaRPr kumimoji="1" lang="ja-JP" altLang="en-US" b="1" dirty="0">
+              <a:solidFill>
+                <a:schemeClr val="tx1">
+                  <a:lumMod val="50000"/>
+                  <a:lumOff val="50000"/>
+                </a:schemeClr>
+              </a:solidFill>
+            </a:endParaRPr>
+          </a:p>
+        </p:txBody>
+      </p:sp>
+      <p:sp>
+        <p:nvSpPr>
+          <p:cNvPr id="3" name="コンテンツ プレースホルダー 2"/>
+          <p:cNvSpPr>
+            <a:spLocks noGrp="1"/>
+          </p:cNvSpPr>
+          <p:nvPr>
+            <p:ph idx="1"/>
+          </p:nvPr>
+        </p:nvSpPr>
+        <p:spPr>
+          <a:xfrm>
+            <a:off x="838200" y="1825625"/>
+            <a:ext cx="10515600" cy="4783604"/>
+          </a:xfrm>
+        </p:spPr>
+        <p:txBody>
+          <a:bodyPr>
+            <a:normAutofit/>
+          </a:bodyPr>
+          <a:lstStyle/>
+          <a:p>
+            <a:pPr marL="514350" indent="-514350">
+              <a:buFont typeface="+mj-lt"/>
+              <a:buAutoNum type="arabicPeriod"/>
+            </a:pPr>
+            <a:r>
+              <a:rPr lang="en-US" altLang="ja-JP" dirty="0" smtClean="0"/>
+              <a:t>File -&gt; New File -&gt; R markdown…</a:t>
+            </a:r>
+            <a:br>
+              <a:rPr lang="en-US" altLang="ja-JP" dirty="0" smtClean="0"/>
+            </a:br>
+            <a:r>
+              <a:rPr lang="ja-JP" altLang="en-US" dirty="0" smtClean="0"/>
+              <a:t>から </a:t>
+            </a:r>
+            <a:r>
+              <a:rPr lang="en-US" altLang="ja-JP" dirty="0" smtClean="0"/>
+              <a:t>.</a:t>
+            </a:r>
+            <a:r>
+              <a:rPr lang="en-US" altLang="ja-JP" dirty="0" err="1" smtClean="0"/>
+              <a:t>rmd</a:t>
+            </a:r>
+            <a:r>
+              <a:rPr lang="ja-JP" altLang="en-US" dirty="0" smtClean="0"/>
+              <a:t>ファイルを新規作成</a:t>
+            </a:r>
+            <a:endParaRPr lang="en-US" altLang="ja-JP" dirty="0" smtClean="0"/>
+          </a:p>
+          <a:p>
+            <a:pPr marL="514350" indent="-514350">
+              <a:buFont typeface="+mj-lt"/>
+              <a:buAutoNum type="arabicPeriod"/>
+            </a:pPr>
+            <a:r>
+              <a:rPr lang="ja-JP" altLang="en-US" dirty="0" smtClean="0"/>
+              <a:t>ドキュメントと</a:t>
+            </a:r>
+            <a:r>
+              <a:rPr lang="en-US" altLang="ja-JP" dirty="0" smtClean="0"/>
+              <a:t>R</a:t>
+            </a:r>
+            <a:r>
+              <a:rPr lang="ja-JP" altLang="en-US" dirty="0" smtClean="0"/>
+              <a:t>コード作成</a:t>
+            </a:r>
+            <a:r>
+              <a:rPr lang="en-US" altLang="ja-JP" dirty="0" smtClean="0"/>
+              <a:t/>
+            </a:r>
+            <a:br>
+              <a:rPr lang="en-US" altLang="ja-JP" dirty="0" smtClean="0"/>
+            </a:br>
+            <a:r>
+              <a:rPr lang="en-US" altLang="ja-JP" dirty="0" smtClean="0"/>
+              <a:t>R</a:t>
+            </a:r>
+            <a:r>
+              <a:rPr lang="ja-JP" altLang="en-US" dirty="0" smtClean="0"/>
+              <a:t>コードは</a:t>
+            </a:r>
+            <a:r>
+              <a:rPr lang="en-US" altLang="ja-JP" dirty="0" smtClean="0"/>
+              <a:t>R</a:t>
+            </a:r>
+            <a:r>
+              <a:rPr lang="ja-JP" altLang="en-US" dirty="0" smtClean="0"/>
+              <a:t> チャンクに記載</a:t>
+            </a:r>
+            <a:endParaRPr lang="en-US" altLang="ja-JP" dirty="0" smtClean="0"/>
+          </a:p>
+          <a:p>
+            <a:pPr marL="514350" indent="-514350">
+              <a:buFont typeface="+mj-lt"/>
+              <a:buAutoNum type="arabicPeriod"/>
+            </a:pPr>
+            <a:r>
+              <a:rPr lang="ja-JP" altLang="en-US" dirty="0" smtClean="0"/>
+              <a:t>作成中の</a:t>
+            </a:r>
+            <a:r>
+              <a:rPr lang="en-US" altLang="ja-JP" dirty="0" smtClean="0"/>
+              <a:t>R</a:t>
+            </a:r>
+            <a:r>
+              <a:rPr lang="ja-JP" altLang="en-US" dirty="0" smtClean="0"/>
+              <a:t>コード実行結果は、</a:t>
+            </a:r>
+            <a:r>
+              <a:rPr lang="en-US" altLang="ja-JP" dirty="0" smtClean="0"/>
+              <a:t/>
+            </a:r>
+            <a:br>
+              <a:rPr lang="en-US" altLang="ja-JP" dirty="0" smtClean="0"/>
+            </a:br>
+            <a:r>
+              <a:rPr lang="en-US" altLang="ja-JP" dirty="0" smtClean="0"/>
+              <a:t>shift + ctrl + Enter</a:t>
+            </a:r>
+            <a:r>
+              <a:rPr lang="ja-JP" altLang="en-US" dirty="0" smtClean="0"/>
+              <a:t>で確認</a:t>
+            </a:r>
+            <a:endParaRPr lang="en-US" altLang="ja-JP" dirty="0" smtClean="0"/>
+          </a:p>
+          <a:p>
+            <a:pPr marL="514350" indent="-514350">
+              <a:buFont typeface="+mj-lt"/>
+              <a:buAutoNum type="arabicPeriod"/>
+            </a:pPr>
+            <a:r>
+              <a:rPr lang="en-US" altLang="ja-JP" dirty="0" smtClean="0"/>
+              <a:t>Knit</a:t>
+            </a:r>
+            <a:r>
+              <a:rPr lang="ja-JP" altLang="en-US" dirty="0" smtClean="0"/>
+              <a:t>ボタンでドキュメント作成</a:t>
+            </a:r>
+            <a:endParaRPr lang="en-US" altLang="ja-JP" dirty="0" smtClean="0"/>
+          </a:p>
+          <a:p>
+            <a:pPr marL="514350" indent="-514350">
+              <a:buFont typeface="+mj-lt"/>
+              <a:buAutoNum type="arabicPeriod"/>
+            </a:pPr>
+            <a:endParaRPr lang="en-US" altLang="ja-JP" dirty="0"/>
+          </a:p>
+          <a:p>
+            <a:endParaRPr kumimoji="1" lang="en-US" altLang="ja-JP" dirty="0" smtClean="0"/>
+          </a:p>
+        </p:txBody>
+      </p:sp>
+      <p:sp>
+        <p:nvSpPr>
+          <p:cNvPr id="4" name="フッター プレースホルダー 3"/>
+          <p:cNvSpPr>
+            <a:spLocks noGrp="1"/>
+          </p:cNvSpPr>
+          <p:nvPr>
+            <p:ph type="ftr" sz="quarter" idx="11"/>
+          </p:nvPr>
+        </p:nvSpPr>
+        <p:spPr/>
+        <p:txBody>
+          <a:bodyPr/>
+          <a:lstStyle/>
+          <a:p>
+            <a:r>
+              <a:rPr lang="en-US" altLang="ja-JP" dirty="0" smtClean="0"/>
+              <a:t>R</a:t>
+            </a:r>
+            <a:r>
+              <a:rPr lang="ja-JP" altLang="en-US" dirty="0" smtClean="0"/>
+              <a:t> </a:t>
+            </a:r>
+            <a:r>
+              <a:rPr lang="en-US" altLang="ja-JP" dirty="0" smtClean="0"/>
+              <a:t>for</a:t>
+            </a:r>
+            <a:r>
+              <a:rPr lang="ja-JP" altLang="en-US" dirty="0" smtClean="0"/>
+              <a:t> </a:t>
+            </a:r>
+            <a:r>
+              <a:rPr lang="en-US" altLang="ja-JP" dirty="0" err="1" smtClean="0"/>
+              <a:t>Pharmacometrics</a:t>
+            </a:r>
+            <a:endParaRPr lang="ja-JP" altLang="en-US" dirty="0" smtClean="0"/>
+          </a:p>
+        </p:txBody>
+      </p:sp>
+      <p:sp>
+        <p:nvSpPr>
+          <p:cNvPr id="5" name="スライド番号プレースホルダー 4"/>
+          <p:cNvSpPr>
+            <a:spLocks noGrp="1"/>
+          </p:cNvSpPr>
+          <p:nvPr>
+            <p:ph type="sldNum" sz="quarter" idx="12"/>
+          </p:nvPr>
+        </p:nvSpPr>
+        <p:spPr/>
+        <p:txBody>
+          <a:bodyPr/>
+          <a:lstStyle/>
+          <a:p>
+            <a:fld id="{93256357-0251-4953-A9B8-633A05DE8E91}" type="slidenum">
+              <a:rPr kumimoji="1" lang="ja-JP" altLang="en-US" smtClean="0"/>
+              <a:t>18</a:t>
+            </a:fld>
+            <a:endParaRPr kumimoji="1" lang="ja-JP" altLang="en-US"/>
+          </a:p>
+        </p:txBody>
+      </p:sp>
+      <p:pic>
+        <p:nvPicPr>
+          <p:cNvPr id="8" name="図 7"/>
+          <p:cNvPicPr>
+            <a:picLocks noChangeAspect="1"/>
+          </p:cNvPicPr>
+          <p:nvPr/>
+        </p:nvPicPr>
+        <p:blipFill rotWithShape="1">
+          <a:blip r:embed="rId2"/>
+          <a:srcRect l="23819" t="20952" r="23292" b="3244"/>
+          <a:stretch/>
+        </p:blipFill>
+        <p:spPr>
+          <a:xfrm>
+            <a:off x="7411681" y="1371410"/>
+            <a:ext cx="4074668" cy="3622571"/>
+          </a:xfrm>
+          <a:prstGeom prst="rect">
+            <a:avLst/>
+          </a:prstGeom>
+          <a:ln>
+            <a:solidFill>
+              <a:schemeClr val="tx1">
+                <a:lumMod val="50000"/>
+                <a:lumOff val="50000"/>
+              </a:schemeClr>
+            </a:solidFill>
+          </a:ln>
+        </p:spPr>
+      </p:pic>
+      <p:pic>
+        <p:nvPicPr>
+          <p:cNvPr id="9" name="図 8"/>
+          <p:cNvPicPr>
+            <a:picLocks noChangeAspect="1"/>
+          </p:cNvPicPr>
+          <p:nvPr/>
+        </p:nvPicPr>
+        <p:blipFill rotWithShape="1">
+          <a:blip r:embed="rId3"/>
+          <a:srcRect b="77688"/>
+          <a:stretch/>
+        </p:blipFill>
+        <p:spPr>
+          <a:xfrm>
+            <a:off x="602798" y="5197929"/>
+            <a:ext cx="11251746" cy="1557282"/>
+          </a:xfrm>
+          <a:prstGeom prst="rect">
+            <a:avLst/>
+          </a:prstGeom>
+          <a:ln>
+            <a:solidFill>
+              <a:schemeClr val="tx1">
+                <a:lumMod val="50000"/>
+                <a:lumOff val="50000"/>
+              </a:schemeClr>
+            </a:solidFill>
+          </a:ln>
+        </p:spPr>
+      </p:pic>
+      <p:sp>
+        <p:nvSpPr>
+          <p:cNvPr id="10" name="右矢印 9"/>
+          <p:cNvSpPr/>
+          <p:nvPr/>
+        </p:nvSpPr>
+        <p:spPr>
+          <a:xfrm rot="5400000">
+            <a:off x="2139680" y="5397957"/>
+            <a:ext cx="1277075" cy="496025"/>
+          </a:xfrm>
+          <a:prstGeom prst="rightArrow">
+            <a:avLst/>
+          </a:prstGeom>
+          <a:solidFill>
+            <a:schemeClr val="accent4"/>
+          </a:solidFill>
+          <a:ln>
+            <a:solidFill>
+              <a:schemeClr val="accent2"/>
+            </a:solidFill>
+          </a:ln>
+        </p:spPr>
+        <p:style>
+          <a:lnRef idx="2">
+            <a:schemeClr val="accent1">
+              <a:shade val="50000"/>
+            </a:schemeClr>
+          </a:lnRef>
+          <a:fillRef idx="1">
+            <a:schemeClr val="accent1"/>
+          </a:fillRef>
+          <a:effectRef idx="0">
+            <a:schemeClr val="accent1"/>
+          </a:effectRef>
+          <a:fontRef idx="minor">
+            <a:schemeClr val="lt1"/>
+          </a:fontRef>
+        </p:style>
+        <p:txBody>
+          <a:bodyPr rtlCol="0" anchor="ctr"/>
+          <a:lstStyle/>
+          <a:p>
+            <a:pPr algn="ctr"/>
+            <a:endParaRPr kumimoji="1" lang="ja-JP" altLang="en-US"/>
+          </a:p>
+        </p:txBody>
+      </p:sp>
+    </p:spTree>
+    <p:extLst>
+      <p:ext uri="{BB962C8B-B14F-4D97-AF65-F5344CB8AC3E}">
+        <p14:creationId xmlns:p14="http://schemas.microsoft.com/office/powerpoint/2010/main" val="1459443231"/>
+      </p:ext>
+    </p:extLst>
+  </p:cSld>
+  <p:clrMapOvr>
+    <a:masterClrMapping/>
+  </p:clrMapOvr>
+</p:sld>
+</file>
+
+<file path=ppt/slides/slide19.xml><?xml version="1.0" encoding="utf-8"?>
+<p:sld xmlns:a="http://schemas.openxmlformats.org/drawingml/2006/main" xmlns:r="http://schemas.openxmlformats.org/officeDocument/2006/relationships" xmlns:p="http://schemas.openxmlformats.org/presentationml/2006/main">
+  <p:cSld>
+    <p:spTree>
+      <p:nvGrpSpPr>
+        <p:cNvPr id="1" name=""/>
+        <p:cNvGrpSpPr/>
+        <p:nvPr/>
+      </p:nvGrpSpPr>
+      <p:grpSpPr>
+        <a:xfrm>
+          <a:off x="0" y="0"/>
+          <a:ext cx="0" cy="0"/>
+          <a:chOff x="0" y="0"/>
+          <a:chExt cx="0" cy="0"/>
+        </a:xfrm>
+      </p:grpSpPr>
+      <p:sp>
+        <p:nvSpPr>
+          <p:cNvPr id="2" name="タイトル 1"/>
+          <p:cNvSpPr>
+            <a:spLocks noGrp="1"/>
+          </p:cNvSpPr>
+          <p:nvPr>
+            <p:ph type="title"/>
+          </p:nvPr>
+        </p:nvSpPr>
+        <p:spPr/>
+        <p:txBody>
+          <a:bodyPr/>
+          <a:lstStyle/>
+          <a:p>
+            <a:r>
+              <a:rPr lang="ja-JP" altLang="en-US" b="1" dirty="0" smtClean="0">
+                <a:solidFill>
+                  <a:schemeClr val="tx1">
+                    <a:lumMod val="50000"/>
+                    <a:lumOff val="50000"/>
+                  </a:schemeClr>
+                </a:solidFill>
+              </a:rPr>
+              <a:t>見出しと改行</a:t>
+            </a:r>
+            <a:endParaRPr kumimoji="1" lang="ja-JP" altLang="en-US" b="1" dirty="0">
+              <a:solidFill>
+                <a:schemeClr val="tx1">
+                  <a:lumMod val="50000"/>
+                  <a:lumOff val="50000"/>
+                </a:schemeClr>
+              </a:solidFill>
+            </a:endParaRPr>
+          </a:p>
+        </p:txBody>
+      </p:sp>
+      <p:sp>
+        <p:nvSpPr>
+          <p:cNvPr id="4" name="フッター プレースホルダー 3"/>
+          <p:cNvSpPr>
+            <a:spLocks noGrp="1"/>
+          </p:cNvSpPr>
+          <p:nvPr>
+            <p:ph type="ftr" sz="quarter" idx="11"/>
+          </p:nvPr>
+        </p:nvSpPr>
+        <p:spPr/>
+        <p:txBody>
+          <a:bodyPr/>
+          <a:lstStyle/>
+          <a:p>
+            <a:r>
+              <a:rPr lang="en-US" altLang="ja-JP" dirty="0" smtClean="0"/>
+              <a:t>R</a:t>
+            </a:r>
+            <a:r>
+              <a:rPr lang="ja-JP" altLang="en-US" dirty="0" smtClean="0"/>
+              <a:t> </a:t>
+            </a:r>
+            <a:r>
+              <a:rPr lang="en-US" altLang="ja-JP" dirty="0" smtClean="0"/>
+              <a:t>for</a:t>
+            </a:r>
+            <a:r>
+              <a:rPr lang="ja-JP" altLang="en-US" dirty="0" smtClean="0"/>
+              <a:t> </a:t>
+            </a:r>
+            <a:r>
+              <a:rPr lang="en-US" altLang="ja-JP" dirty="0" err="1" smtClean="0"/>
+              <a:t>Pharmacometrics</a:t>
+            </a:r>
+            <a:endParaRPr lang="ja-JP" altLang="en-US" dirty="0" smtClean="0"/>
+          </a:p>
+        </p:txBody>
+      </p:sp>
+      <p:sp>
+        <p:nvSpPr>
+          <p:cNvPr id="5" name="スライド番号プレースホルダー 4"/>
+          <p:cNvSpPr>
+            <a:spLocks noGrp="1"/>
+          </p:cNvSpPr>
+          <p:nvPr>
+            <p:ph type="sldNum" sz="quarter" idx="12"/>
+          </p:nvPr>
+        </p:nvSpPr>
+        <p:spPr/>
+        <p:txBody>
+          <a:bodyPr/>
+          <a:lstStyle/>
+          <a:p>
+            <a:fld id="{93256357-0251-4953-A9B8-633A05DE8E91}" type="slidenum">
+              <a:rPr kumimoji="1" lang="ja-JP" altLang="en-US" smtClean="0"/>
+              <a:t>19</a:t>
+            </a:fld>
+            <a:endParaRPr kumimoji="1" lang="ja-JP" altLang="en-US"/>
+          </a:p>
+        </p:txBody>
+      </p:sp>
+      <p:sp>
+        <p:nvSpPr>
+          <p:cNvPr id="12" name="テキスト ボックス 11"/>
+          <p:cNvSpPr txBox="1"/>
+          <p:nvPr/>
+        </p:nvSpPr>
+        <p:spPr>
+          <a:xfrm>
+            <a:off x="8403770" y="293915"/>
+            <a:ext cx="1874231" cy="523220"/>
+          </a:xfrm>
+          <a:prstGeom prst="rect">
+            <a:avLst/>
+          </a:prstGeom>
+          <a:noFill/>
+        </p:spPr>
+        <p:txBody>
+          <a:bodyPr wrap="none" rtlCol="0">
+            <a:spAutoFit/>
+          </a:bodyPr>
+          <a:lstStyle/>
+          <a:p>
+            <a:r>
+              <a:rPr kumimoji="1" lang="ja-JP" altLang="en-US" sz="2800" dirty="0" smtClean="0">
+                <a:solidFill>
+                  <a:schemeClr val="accent2"/>
+                </a:solidFill>
+              </a:rPr>
+              <a:t>ドキュメント</a:t>
+            </a:r>
+            <a:endParaRPr kumimoji="1" lang="ja-JP" altLang="en-US" sz="2800" dirty="0">
+              <a:solidFill>
+                <a:schemeClr val="accent2"/>
+              </a:solidFill>
+            </a:endParaRPr>
+          </a:p>
+        </p:txBody>
+      </p:sp>
+      <p:pic>
+        <p:nvPicPr>
+          <p:cNvPr id="14" name="図 13" descr="画面の領域"/>
+          <p:cNvPicPr>
+            <a:picLocks noChangeAspect="1"/>
+          </p:cNvPicPr>
+          <p:nvPr/>
+        </p:nvPicPr>
+        <p:blipFill>
+          <a:blip r:embed="rId2">
+            <a:extLst>
+              <a:ext uri="{28A0092B-C50C-407E-A947-70E740481C1C}">
+                <a14:useLocalDpi xmlns:a14="http://schemas.microsoft.com/office/drawing/2010/main" val="0"/>
+              </a:ext>
+            </a:extLst>
+          </a:blip>
+          <a:stretch>
+            <a:fillRect/>
+          </a:stretch>
+        </p:blipFill>
+        <p:spPr>
+          <a:xfrm>
+            <a:off x="6934246" y="890262"/>
+            <a:ext cx="4854981" cy="4846509"/>
+          </a:xfrm>
+          <a:prstGeom prst="rect">
+            <a:avLst/>
+          </a:prstGeom>
+          <a:ln w="38100">
+            <a:solidFill>
+              <a:schemeClr val="tx1">
+                <a:lumMod val="50000"/>
+                <a:lumOff val="50000"/>
+              </a:schemeClr>
+            </a:solidFill>
+          </a:ln>
+        </p:spPr>
+      </p:pic>
+      <p:pic>
+        <p:nvPicPr>
+          <p:cNvPr id="16" name="図 15" descr="画面の領域"/>
+          <p:cNvPicPr>
+            <a:picLocks noChangeAspect="1"/>
+          </p:cNvPicPr>
+          <p:nvPr/>
+        </p:nvPicPr>
+        <p:blipFill>
+          <a:blip r:embed="rId3">
+            <a:extLst>
+              <a:ext uri="{28A0092B-C50C-407E-A947-70E740481C1C}">
+                <a14:useLocalDpi xmlns:a14="http://schemas.microsoft.com/office/drawing/2010/main" val="0"/>
+              </a:ext>
+            </a:extLst>
+          </a:blip>
+          <a:stretch>
+            <a:fillRect/>
+          </a:stretch>
+        </p:blipFill>
+        <p:spPr>
+          <a:xfrm>
+            <a:off x="284985" y="2537894"/>
+            <a:ext cx="6433770" cy="3187991"/>
+          </a:xfrm>
+          <a:prstGeom prst="rect">
+            <a:avLst/>
+          </a:prstGeom>
+          <a:ln w="38100">
+            <a:solidFill>
+              <a:schemeClr val="tx1">
+                <a:lumMod val="50000"/>
+                <a:lumOff val="50000"/>
+              </a:schemeClr>
+            </a:solidFill>
+          </a:ln>
+        </p:spPr>
+      </p:pic>
+      <p:sp>
+        <p:nvSpPr>
+          <p:cNvPr id="11" name="右矢印 10"/>
+          <p:cNvSpPr/>
+          <p:nvPr/>
+        </p:nvSpPr>
+        <p:spPr>
+          <a:xfrm rot="5400000">
+            <a:off x="5851708" y="1675044"/>
+            <a:ext cx="1277075" cy="496025"/>
+          </a:xfrm>
+          <a:prstGeom prst="rightArrow">
+            <a:avLst/>
+          </a:prstGeom>
+          <a:solidFill>
+            <a:schemeClr val="accent4"/>
+          </a:solidFill>
+          <a:ln>
+            <a:solidFill>
+              <a:schemeClr val="accent2"/>
+            </a:solidFill>
+          </a:ln>
+        </p:spPr>
+        <p:style>
+          <a:lnRef idx="2">
+            <a:schemeClr val="accent1">
+              <a:shade val="50000"/>
+            </a:schemeClr>
+          </a:lnRef>
+          <a:fillRef idx="1">
+            <a:schemeClr val="accent1"/>
+          </a:fillRef>
+          <a:effectRef idx="0">
+            <a:schemeClr val="accent1"/>
+          </a:effectRef>
+          <a:fontRef idx="minor">
+            <a:schemeClr val="lt1"/>
+          </a:fontRef>
+        </p:style>
+        <p:txBody>
+          <a:bodyPr rtlCol="0" anchor="ctr"/>
+          <a:lstStyle/>
+          <a:p>
+            <a:pPr algn="ctr"/>
+            <a:endParaRPr kumimoji="1" lang="ja-JP" altLang="en-US"/>
+          </a:p>
+        </p:txBody>
+      </p:sp>
+      <p:sp>
+        <p:nvSpPr>
+          <p:cNvPr id="17" name="テキスト ボックス 16"/>
+          <p:cNvSpPr txBox="1"/>
+          <p:nvPr/>
+        </p:nvSpPr>
+        <p:spPr>
+          <a:xfrm>
+            <a:off x="1045027" y="5849464"/>
+            <a:ext cx="4920344" cy="523220"/>
+          </a:xfrm>
+          <a:prstGeom prst="rect">
+            <a:avLst/>
+          </a:prstGeom>
+          <a:noFill/>
+        </p:spPr>
+        <p:txBody>
+          <a:bodyPr wrap="square" rtlCol="0">
+            <a:spAutoFit/>
+          </a:bodyPr>
+          <a:lstStyle/>
+          <a:p>
+            <a:r>
+              <a:rPr kumimoji="1" lang="ja-JP" altLang="en-US" sz="2800" dirty="0" smtClean="0">
+                <a:solidFill>
+                  <a:schemeClr val="accent2"/>
+                </a:solidFill>
+              </a:rPr>
+              <a:t>改行は半角スペース２つ</a:t>
+            </a:r>
+            <a:endParaRPr kumimoji="1" lang="ja-JP" altLang="en-US" sz="2800" dirty="0">
+              <a:solidFill>
+                <a:schemeClr val="accent2"/>
+              </a:solidFill>
+            </a:endParaRPr>
+          </a:p>
+        </p:txBody>
+      </p:sp>
+      <p:sp>
+        <p:nvSpPr>
+          <p:cNvPr id="18" name="テキスト ボックス 17"/>
+          <p:cNvSpPr txBox="1"/>
+          <p:nvPr/>
+        </p:nvSpPr>
+        <p:spPr>
+          <a:xfrm>
+            <a:off x="4452257" y="1458687"/>
+            <a:ext cx="1896673" cy="954107"/>
+          </a:xfrm>
+          <a:prstGeom prst="rect">
+            <a:avLst/>
+          </a:prstGeom>
+          <a:noFill/>
+        </p:spPr>
+        <p:txBody>
+          <a:bodyPr wrap="none" rtlCol="0">
+            <a:spAutoFit/>
+          </a:bodyPr>
+          <a:lstStyle/>
+          <a:p>
+            <a:r>
+              <a:rPr kumimoji="1" lang="ja-JP" altLang="en-US" sz="2800" dirty="0" smtClean="0">
+                <a:solidFill>
+                  <a:schemeClr val="accent2"/>
+                </a:solidFill>
+              </a:rPr>
+              <a:t>見出し表示</a:t>
+            </a:r>
+            <a:r>
+              <a:rPr kumimoji="1" lang="en-US" altLang="ja-JP" sz="2800" dirty="0" smtClean="0">
+                <a:solidFill>
+                  <a:schemeClr val="accent2"/>
+                </a:solidFill>
+              </a:rPr>
+              <a:t/>
+            </a:r>
+            <a:br>
+              <a:rPr kumimoji="1" lang="en-US" altLang="ja-JP" sz="2800" dirty="0" smtClean="0">
+                <a:solidFill>
+                  <a:schemeClr val="accent2"/>
+                </a:solidFill>
+              </a:rPr>
+            </a:br>
+            <a:r>
+              <a:rPr kumimoji="1" lang="ja-JP" altLang="en-US" sz="2800" dirty="0" smtClean="0">
+                <a:solidFill>
+                  <a:schemeClr val="accent2"/>
+                </a:solidFill>
+              </a:rPr>
+              <a:t>ボタン</a:t>
+            </a:r>
+            <a:endParaRPr kumimoji="1" lang="ja-JP" altLang="en-US" sz="2800" dirty="0">
+              <a:solidFill>
+                <a:schemeClr val="accent2"/>
+              </a:solidFill>
+            </a:endParaRPr>
+          </a:p>
+        </p:txBody>
+      </p:sp>
+    </p:spTree>
+    <p:extLst>
+      <p:ext uri="{BB962C8B-B14F-4D97-AF65-F5344CB8AC3E}">
+        <p14:creationId xmlns:p14="http://schemas.microsoft.com/office/powerpoint/2010/main" val="2398835064"/>
       </p:ext>
     </p:extLst>
   </p:cSld>
@@ -4937,6 +8052,2461 @@
     <p:extLst>
       <p:ext uri="{BB962C8B-B14F-4D97-AF65-F5344CB8AC3E}">
         <p14:creationId xmlns:p14="http://schemas.microsoft.com/office/powerpoint/2010/main" val="929261534"/>
+      </p:ext>
+    </p:extLst>
+  </p:cSld>
+  <p:clrMapOvr>
+    <a:masterClrMapping/>
+  </p:clrMapOvr>
+</p:sld>
+</file>
+
+<file path=ppt/slides/slide20.xml><?xml version="1.0" encoding="utf-8"?>
+<p:sld xmlns:a="http://schemas.openxmlformats.org/drawingml/2006/main" xmlns:r="http://schemas.openxmlformats.org/officeDocument/2006/relationships" xmlns:p="http://schemas.openxmlformats.org/presentationml/2006/main">
+  <p:cSld>
+    <p:spTree>
+      <p:nvGrpSpPr>
+        <p:cNvPr id="1" name=""/>
+        <p:cNvGrpSpPr/>
+        <p:nvPr/>
+      </p:nvGrpSpPr>
+      <p:grpSpPr>
+        <a:xfrm>
+          <a:off x="0" y="0"/>
+          <a:ext cx="0" cy="0"/>
+          <a:chOff x="0" y="0"/>
+          <a:chExt cx="0" cy="0"/>
+        </a:xfrm>
+      </p:grpSpPr>
+      <p:sp>
+        <p:nvSpPr>
+          <p:cNvPr id="2" name="タイトル 1"/>
+          <p:cNvSpPr>
+            <a:spLocks noGrp="1"/>
+          </p:cNvSpPr>
+          <p:nvPr>
+            <p:ph type="title"/>
+          </p:nvPr>
+        </p:nvSpPr>
+        <p:spPr/>
+        <p:txBody>
+          <a:bodyPr/>
+          <a:lstStyle/>
+          <a:p>
+            <a:r>
+              <a:rPr kumimoji="1" lang="en-US" altLang="ja-JP" b="1" dirty="0" smtClean="0">
+                <a:solidFill>
+                  <a:schemeClr val="tx1">
+                    <a:lumMod val="50000"/>
+                    <a:lumOff val="50000"/>
+                  </a:schemeClr>
+                </a:solidFill>
+              </a:rPr>
+              <a:t>R</a:t>
+            </a:r>
+            <a:r>
+              <a:rPr kumimoji="1" lang="ja-JP" altLang="en-US" b="1" dirty="0" smtClean="0">
+                <a:solidFill>
+                  <a:schemeClr val="tx1">
+                    <a:lumMod val="50000"/>
+                    <a:lumOff val="50000"/>
+                  </a:schemeClr>
+                </a:solidFill>
+              </a:rPr>
+              <a:t>チャンク</a:t>
+            </a:r>
+            <a:endParaRPr kumimoji="1" lang="ja-JP" altLang="en-US" b="1" dirty="0">
+              <a:solidFill>
+                <a:schemeClr val="tx1">
+                  <a:lumMod val="50000"/>
+                  <a:lumOff val="50000"/>
+                </a:schemeClr>
+              </a:solidFill>
+            </a:endParaRPr>
+          </a:p>
+        </p:txBody>
+      </p:sp>
+      <p:sp>
+        <p:nvSpPr>
+          <p:cNvPr id="3" name="コンテンツ プレースホルダー 2"/>
+          <p:cNvSpPr>
+            <a:spLocks noGrp="1"/>
+          </p:cNvSpPr>
+          <p:nvPr>
+            <p:ph idx="1"/>
+          </p:nvPr>
+        </p:nvSpPr>
+        <p:spPr>
+          <a:xfrm>
+            <a:off x="838200" y="1825625"/>
+            <a:ext cx="10515600" cy="4783604"/>
+          </a:xfrm>
+        </p:spPr>
+        <p:txBody>
+          <a:bodyPr>
+            <a:normAutofit/>
+          </a:bodyPr>
+          <a:lstStyle/>
+          <a:p>
+            <a:r>
+              <a:rPr lang="en-US" altLang="ja-JP" dirty="0" smtClean="0"/>
+              <a:t>Insert -&gt; R</a:t>
+            </a:r>
+            <a:r>
+              <a:rPr lang="ja-JP" altLang="en-US" dirty="0" smtClean="0"/>
+              <a:t>または </a:t>
+            </a:r>
+            <a:r>
+              <a:rPr lang="en-US" altLang="ja-JP" dirty="0" smtClean="0"/>
+              <a:t>Ctrl + Alt + </a:t>
+            </a:r>
+            <a:r>
+              <a:rPr lang="en-US" altLang="ja-JP" dirty="0" err="1" smtClean="0"/>
+              <a:t>i</a:t>
+            </a:r>
+            <a:r>
+              <a:rPr lang="ja-JP" altLang="en-US" dirty="0" smtClean="0"/>
+              <a:t>で作成</a:t>
+            </a:r>
+            <a:endParaRPr lang="en-US" altLang="ja-JP" dirty="0" smtClean="0"/>
+          </a:p>
+          <a:p>
+            <a:pPr marL="0" indent="0">
+              <a:buNone/>
+            </a:pPr>
+            <a:r>
+              <a:rPr lang="en-US" altLang="ja-JP" dirty="0" smtClean="0">
+                <a:solidFill>
+                  <a:schemeClr val="accent1"/>
+                </a:solidFill>
+              </a:rPr>
+              <a:t>```{</a:t>
+            </a:r>
+            <a:r>
+              <a:rPr lang="en-US" altLang="ja-JP" dirty="0">
+                <a:solidFill>
+                  <a:schemeClr val="accent1"/>
+                </a:solidFill>
+              </a:rPr>
+              <a:t>r </a:t>
+            </a:r>
+            <a:r>
+              <a:rPr lang="ja-JP" altLang="en-US" dirty="0" smtClean="0">
+                <a:solidFill>
+                  <a:schemeClr val="accent1"/>
+                </a:solidFill>
+              </a:rPr>
+              <a:t>チャンクラベル</a:t>
+            </a:r>
+            <a:r>
+              <a:rPr lang="en-US" altLang="ja-JP" dirty="0" smtClean="0">
+                <a:solidFill>
+                  <a:schemeClr val="accent1"/>
+                </a:solidFill>
+              </a:rPr>
+              <a:t>, </a:t>
+            </a:r>
+            <a:r>
+              <a:rPr lang="ja-JP" altLang="en-US" dirty="0" smtClean="0">
+                <a:solidFill>
+                  <a:schemeClr val="accent1"/>
+                </a:solidFill>
+              </a:rPr>
+              <a:t>チャンクオプション</a:t>
+            </a:r>
+            <a:r>
+              <a:rPr lang="en-US" altLang="ja-JP" dirty="0" smtClean="0">
+                <a:solidFill>
+                  <a:schemeClr val="accent1"/>
+                </a:solidFill>
+              </a:rPr>
+              <a:t>}</a:t>
+            </a:r>
+          </a:p>
+          <a:p>
+            <a:pPr marL="0" indent="0">
+              <a:buNone/>
+            </a:pPr>
+            <a:r>
+              <a:rPr lang="ja-JP" altLang="en-US" dirty="0" smtClean="0"/>
+              <a:t>ここにコードを書く</a:t>
+            </a:r>
+            <a:endParaRPr lang="en-US" altLang="ja-JP" dirty="0" smtClean="0"/>
+          </a:p>
+          <a:p>
+            <a:pPr marL="0" indent="0">
+              <a:buNone/>
+            </a:pPr>
+            <a:r>
+              <a:rPr lang="en-US" altLang="ja-JP" dirty="0" smtClean="0">
+                <a:solidFill>
+                  <a:schemeClr val="accent1"/>
+                </a:solidFill>
+              </a:rPr>
+              <a:t>```</a:t>
+            </a:r>
+            <a:endParaRPr lang="en-US" altLang="ja-JP" dirty="0">
+              <a:solidFill>
+                <a:schemeClr val="accent1"/>
+              </a:solidFill>
+            </a:endParaRPr>
+          </a:p>
+          <a:p>
+            <a:r>
+              <a:rPr kumimoji="1" lang="ja-JP" altLang="en-US" dirty="0" smtClean="0"/>
+              <a:t>チャンクラベル</a:t>
+            </a:r>
+            <a:endParaRPr kumimoji="1" lang="en-US" altLang="ja-JP" dirty="0" smtClean="0"/>
+          </a:p>
+          <a:p>
+            <a:pPr lvl="1">
+              <a:buFont typeface="Wingdings" panose="05000000000000000000" pitchFamily="2" charset="2"/>
+              <a:buChar char="Ø"/>
+            </a:pPr>
+            <a:r>
+              <a:rPr kumimoji="1" lang="ja-JP" altLang="en-US" sz="2800" dirty="0" smtClean="0"/>
+              <a:t>その</a:t>
+            </a:r>
+            <a:r>
+              <a:rPr kumimoji="1" lang="en-US" altLang="ja-JP" sz="2800" dirty="0" smtClean="0"/>
+              <a:t>R</a:t>
+            </a:r>
+            <a:r>
+              <a:rPr kumimoji="1" lang="ja-JP" altLang="en-US" sz="2800" dirty="0" smtClean="0"/>
+              <a:t>チャンクのラベル（タイトル）</a:t>
+            </a:r>
+            <a:endParaRPr kumimoji="1" lang="en-US" altLang="ja-JP" sz="2800" dirty="0" smtClean="0"/>
+          </a:p>
+          <a:p>
+            <a:pPr lvl="1">
+              <a:buFont typeface="Wingdings" panose="05000000000000000000" pitchFamily="2" charset="2"/>
+              <a:buChar char="Ø"/>
+            </a:pPr>
+            <a:r>
+              <a:rPr kumimoji="1" lang="ja-JP" altLang="en-US" sz="2800" dirty="0" smtClean="0"/>
+              <a:t>省略した場合は番号が自動で割り振られる</a:t>
+            </a:r>
+            <a:endParaRPr kumimoji="1" lang="en-US" altLang="ja-JP" sz="2800" dirty="0" smtClean="0"/>
+          </a:p>
+          <a:p>
+            <a:pPr lvl="1">
+              <a:buFont typeface="Wingdings" panose="05000000000000000000" pitchFamily="2" charset="2"/>
+              <a:buChar char="Ø"/>
+            </a:pPr>
+            <a:r>
+              <a:rPr kumimoji="1" lang="ja-JP" altLang="en-US" sz="2800" dirty="0" smtClean="0"/>
+              <a:t>同じラベルは使用できない。</a:t>
+            </a:r>
+            <a:r>
+              <a:rPr kumimoji="1" lang="en-US" altLang="ja-JP" sz="2800" dirty="0" smtClean="0"/>
+              <a:t/>
+            </a:r>
+            <a:br>
+              <a:rPr kumimoji="1" lang="en-US" altLang="ja-JP" sz="2800" dirty="0" smtClean="0"/>
+            </a:br>
+            <a:endParaRPr kumimoji="1" lang="en-US" altLang="ja-JP" sz="2800" dirty="0" smtClean="0"/>
+          </a:p>
+          <a:p>
+            <a:pPr lvl="1">
+              <a:buFont typeface="Wingdings" panose="05000000000000000000" pitchFamily="2" charset="2"/>
+              <a:buChar char="Ø"/>
+            </a:pPr>
+            <a:endParaRPr kumimoji="1" lang="en-US" altLang="ja-JP" sz="2800" dirty="0" smtClean="0"/>
+          </a:p>
+        </p:txBody>
+      </p:sp>
+      <p:sp>
+        <p:nvSpPr>
+          <p:cNvPr id="4" name="フッター プレースホルダー 3"/>
+          <p:cNvSpPr>
+            <a:spLocks noGrp="1"/>
+          </p:cNvSpPr>
+          <p:nvPr>
+            <p:ph type="ftr" sz="quarter" idx="11"/>
+          </p:nvPr>
+        </p:nvSpPr>
+        <p:spPr/>
+        <p:txBody>
+          <a:bodyPr/>
+          <a:lstStyle/>
+          <a:p>
+            <a:r>
+              <a:rPr lang="en-US" altLang="ja-JP" dirty="0" smtClean="0"/>
+              <a:t>R</a:t>
+            </a:r>
+            <a:r>
+              <a:rPr lang="ja-JP" altLang="en-US" dirty="0" smtClean="0"/>
+              <a:t> </a:t>
+            </a:r>
+            <a:r>
+              <a:rPr lang="en-US" altLang="ja-JP" dirty="0" smtClean="0"/>
+              <a:t>for</a:t>
+            </a:r>
+            <a:r>
+              <a:rPr lang="ja-JP" altLang="en-US" dirty="0" smtClean="0"/>
+              <a:t> </a:t>
+            </a:r>
+            <a:r>
+              <a:rPr lang="en-US" altLang="ja-JP" dirty="0" err="1" smtClean="0"/>
+              <a:t>Pharmacometrics</a:t>
+            </a:r>
+            <a:endParaRPr lang="ja-JP" altLang="en-US" dirty="0" smtClean="0"/>
+          </a:p>
+        </p:txBody>
+      </p:sp>
+      <p:sp>
+        <p:nvSpPr>
+          <p:cNvPr id="5" name="スライド番号プレースホルダー 4"/>
+          <p:cNvSpPr>
+            <a:spLocks noGrp="1"/>
+          </p:cNvSpPr>
+          <p:nvPr>
+            <p:ph type="sldNum" sz="quarter" idx="12"/>
+          </p:nvPr>
+        </p:nvSpPr>
+        <p:spPr/>
+        <p:txBody>
+          <a:bodyPr/>
+          <a:lstStyle/>
+          <a:p>
+            <a:fld id="{93256357-0251-4953-A9B8-633A05DE8E91}" type="slidenum">
+              <a:rPr kumimoji="1" lang="ja-JP" altLang="en-US" smtClean="0"/>
+              <a:t>20</a:t>
+            </a:fld>
+            <a:endParaRPr kumimoji="1" lang="ja-JP" altLang="en-US"/>
+          </a:p>
+        </p:txBody>
+      </p:sp>
+      <p:sp>
+        <p:nvSpPr>
+          <p:cNvPr id="6" name="角丸四角形 5"/>
+          <p:cNvSpPr/>
+          <p:nvPr/>
+        </p:nvSpPr>
+        <p:spPr>
+          <a:xfrm>
+            <a:off x="653144" y="2242454"/>
+            <a:ext cx="6302828" cy="1426029"/>
+          </a:xfrm>
+          <a:prstGeom prst="roundRect">
+            <a:avLst/>
+          </a:prstGeom>
+          <a:noFill/>
+          <a:ln w="38100">
+            <a:solidFill>
+              <a:schemeClr val="accent3"/>
+            </a:solidFill>
+          </a:ln>
+        </p:spPr>
+        <p:style>
+          <a:lnRef idx="2">
+            <a:schemeClr val="accent1">
+              <a:shade val="50000"/>
+            </a:schemeClr>
+          </a:lnRef>
+          <a:fillRef idx="1">
+            <a:schemeClr val="accent1"/>
+          </a:fillRef>
+          <a:effectRef idx="0">
+            <a:schemeClr val="accent1"/>
+          </a:effectRef>
+          <a:fontRef idx="minor">
+            <a:schemeClr val="lt1"/>
+          </a:fontRef>
+        </p:style>
+        <p:txBody>
+          <a:bodyPr rtlCol="0" anchor="ctr"/>
+          <a:lstStyle/>
+          <a:p>
+            <a:pPr algn="ctr"/>
+            <a:endParaRPr kumimoji="1" lang="ja-JP" altLang="en-US"/>
+          </a:p>
+        </p:txBody>
+      </p:sp>
+      <p:pic>
+        <p:nvPicPr>
+          <p:cNvPr id="7" name="図 6"/>
+          <p:cNvPicPr>
+            <a:picLocks noChangeAspect="1"/>
+          </p:cNvPicPr>
+          <p:nvPr/>
+        </p:nvPicPr>
+        <p:blipFill rotWithShape="1">
+          <a:blip r:embed="rId2"/>
+          <a:srcRect t="515" r="55116" b="50295"/>
+          <a:stretch/>
+        </p:blipFill>
+        <p:spPr>
+          <a:xfrm>
+            <a:off x="7233371" y="1012373"/>
+            <a:ext cx="4595681" cy="3124198"/>
+          </a:xfrm>
+          <a:prstGeom prst="rect">
+            <a:avLst/>
+          </a:prstGeom>
+          <a:ln>
+            <a:solidFill>
+              <a:schemeClr val="tx2"/>
+            </a:solidFill>
+          </a:ln>
+        </p:spPr>
+      </p:pic>
+      <p:sp>
+        <p:nvSpPr>
+          <p:cNvPr id="11" name="右矢印 10"/>
+          <p:cNvSpPr/>
+          <p:nvPr/>
+        </p:nvSpPr>
+        <p:spPr>
+          <a:xfrm rot="5400000">
+            <a:off x="10129794" y="1141643"/>
+            <a:ext cx="1277075" cy="496025"/>
+          </a:xfrm>
+          <a:prstGeom prst="rightArrow">
+            <a:avLst/>
+          </a:prstGeom>
+          <a:solidFill>
+            <a:schemeClr val="accent4"/>
+          </a:solidFill>
+          <a:ln>
+            <a:solidFill>
+              <a:schemeClr val="accent2"/>
+            </a:solidFill>
+          </a:ln>
+        </p:spPr>
+        <p:style>
+          <a:lnRef idx="2">
+            <a:schemeClr val="accent1">
+              <a:shade val="50000"/>
+            </a:schemeClr>
+          </a:lnRef>
+          <a:fillRef idx="1">
+            <a:schemeClr val="accent1"/>
+          </a:fillRef>
+          <a:effectRef idx="0">
+            <a:schemeClr val="accent1"/>
+          </a:effectRef>
+          <a:fontRef idx="minor">
+            <a:schemeClr val="lt1"/>
+          </a:fontRef>
+        </p:style>
+        <p:txBody>
+          <a:bodyPr rtlCol="0" anchor="ctr"/>
+          <a:lstStyle/>
+          <a:p>
+            <a:pPr algn="ctr"/>
+            <a:endParaRPr kumimoji="1" lang="ja-JP" altLang="en-US"/>
+          </a:p>
+        </p:txBody>
+      </p:sp>
+    </p:spTree>
+    <p:extLst>
+      <p:ext uri="{BB962C8B-B14F-4D97-AF65-F5344CB8AC3E}">
+        <p14:creationId xmlns:p14="http://schemas.microsoft.com/office/powerpoint/2010/main" val="2012921101"/>
+      </p:ext>
+    </p:extLst>
+  </p:cSld>
+  <p:clrMapOvr>
+    <a:masterClrMapping/>
+  </p:clrMapOvr>
+</p:sld>
+</file>
+
+<file path=ppt/slides/slide21.xml><?xml version="1.0" encoding="utf-8"?>
+<p:sld xmlns:a="http://schemas.openxmlformats.org/drawingml/2006/main" xmlns:r="http://schemas.openxmlformats.org/officeDocument/2006/relationships" xmlns:p="http://schemas.openxmlformats.org/presentationml/2006/main">
+  <p:cSld>
+    <p:spTree>
+      <p:nvGrpSpPr>
+        <p:cNvPr id="1" name=""/>
+        <p:cNvGrpSpPr/>
+        <p:nvPr/>
+      </p:nvGrpSpPr>
+      <p:grpSpPr>
+        <a:xfrm>
+          <a:off x="0" y="0"/>
+          <a:ext cx="0" cy="0"/>
+          <a:chOff x="0" y="0"/>
+          <a:chExt cx="0" cy="0"/>
+        </a:xfrm>
+      </p:grpSpPr>
+      <p:sp>
+        <p:nvSpPr>
+          <p:cNvPr id="2" name="タイトル 1"/>
+          <p:cNvSpPr>
+            <a:spLocks noGrp="1"/>
+          </p:cNvSpPr>
+          <p:nvPr>
+            <p:ph type="title"/>
+          </p:nvPr>
+        </p:nvSpPr>
+        <p:spPr/>
+        <p:txBody>
+          <a:bodyPr/>
+          <a:lstStyle/>
+          <a:p>
+            <a:r>
+              <a:rPr kumimoji="1" lang="ja-JP" altLang="en-US" b="1" dirty="0" smtClean="0">
+                <a:solidFill>
+                  <a:schemeClr val="tx1">
+                    <a:lumMod val="50000"/>
+                    <a:lumOff val="50000"/>
+                  </a:schemeClr>
+                </a:solidFill>
+              </a:rPr>
+              <a:t>チャンクオプション</a:t>
+            </a:r>
+            <a:endParaRPr kumimoji="1" lang="ja-JP" altLang="en-US" b="1" dirty="0">
+              <a:solidFill>
+                <a:schemeClr val="tx1">
+                  <a:lumMod val="50000"/>
+                  <a:lumOff val="50000"/>
+                </a:schemeClr>
+              </a:solidFill>
+            </a:endParaRPr>
+          </a:p>
+        </p:txBody>
+      </p:sp>
+      <p:sp>
+        <p:nvSpPr>
+          <p:cNvPr id="3" name="コンテンツ プレースホルダー 2"/>
+          <p:cNvSpPr>
+            <a:spLocks noGrp="1"/>
+          </p:cNvSpPr>
+          <p:nvPr>
+            <p:ph idx="1"/>
+          </p:nvPr>
+        </p:nvSpPr>
+        <p:spPr>
+          <a:xfrm>
+            <a:off x="838200" y="1825625"/>
+            <a:ext cx="10515600" cy="4783604"/>
+          </a:xfrm>
+        </p:spPr>
+        <p:txBody>
+          <a:bodyPr>
+            <a:normAutofit/>
+          </a:bodyPr>
+          <a:lstStyle/>
+          <a:p>
+            <a:r>
+              <a:rPr lang="en-US" altLang="ja-JP" dirty="0" smtClean="0"/>
+              <a:t>R</a:t>
+            </a:r>
+            <a:r>
+              <a:rPr lang="ja-JP" altLang="en-US" dirty="0" smtClean="0"/>
+              <a:t>チャンクの実行方法を指定する</a:t>
+            </a:r>
+            <a:endParaRPr lang="en-US" altLang="ja-JP" dirty="0" smtClean="0"/>
+          </a:p>
+          <a:p>
+            <a:pPr lvl="1">
+              <a:buFont typeface="Wingdings" panose="05000000000000000000" pitchFamily="2" charset="2"/>
+              <a:buChar char="Ø"/>
+            </a:pPr>
+            <a:endParaRPr kumimoji="1" lang="en-US" altLang="ja-JP" sz="2800" dirty="0" smtClean="0"/>
+          </a:p>
+        </p:txBody>
+      </p:sp>
+      <p:sp>
+        <p:nvSpPr>
+          <p:cNvPr id="4" name="フッター プレースホルダー 3"/>
+          <p:cNvSpPr>
+            <a:spLocks noGrp="1"/>
+          </p:cNvSpPr>
+          <p:nvPr>
+            <p:ph type="ftr" sz="quarter" idx="11"/>
+          </p:nvPr>
+        </p:nvSpPr>
+        <p:spPr/>
+        <p:txBody>
+          <a:bodyPr/>
+          <a:lstStyle/>
+          <a:p>
+            <a:r>
+              <a:rPr lang="en-US" altLang="ja-JP" dirty="0" smtClean="0"/>
+              <a:t>R</a:t>
+            </a:r>
+            <a:r>
+              <a:rPr lang="ja-JP" altLang="en-US" dirty="0" smtClean="0"/>
+              <a:t> </a:t>
+            </a:r>
+            <a:r>
+              <a:rPr lang="en-US" altLang="ja-JP" dirty="0" smtClean="0"/>
+              <a:t>for</a:t>
+            </a:r>
+            <a:r>
+              <a:rPr lang="ja-JP" altLang="en-US" dirty="0" smtClean="0"/>
+              <a:t> </a:t>
+            </a:r>
+            <a:r>
+              <a:rPr lang="en-US" altLang="ja-JP" dirty="0" err="1" smtClean="0"/>
+              <a:t>Pharmacometrics</a:t>
+            </a:r>
+            <a:endParaRPr lang="ja-JP" altLang="en-US" dirty="0" smtClean="0"/>
+          </a:p>
+        </p:txBody>
+      </p:sp>
+      <p:sp>
+        <p:nvSpPr>
+          <p:cNvPr id="5" name="スライド番号プレースホルダー 4"/>
+          <p:cNvSpPr>
+            <a:spLocks noGrp="1"/>
+          </p:cNvSpPr>
+          <p:nvPr>
+            <p:ph type="sldNum" sz="quarter" idx="12"/>
+          </p:nvPr>
+        </p:nvSpPr>
+        <p:spPr/>
+        <p:txBody>
+          <a:bodyPr/>
+          <a:lstStyle/>
+          <a:p>
+            <a:fld id="{93256357-0251-4953-A9B8-633A05DE8E91}" type="slidenum">
+              <a:rPr kumimoji="1" lang="ja-JP" altLang="en-US" smtClean="0"/>
+              <a:t>21</a:t>
+            </a:fld>
+            <a:endParaRPr kumimoji="1" lang="ja-JP" altLang="en-US"/>
+          </a:p>
+        </p:txBody>
+      </p:sp>
+      <p:graphicFrame>
+        <p:nvGraphicFramePr>
+          <p:cNvPr id="8" name="表 7"/>
+          <p:cNvGraphicFramePr>
+            <a:graphicFrameLocks noGrp="1"/>
+          </p:cNvGraphicFramePr>
+          <p:nvPr>
+            <p:extLst>
+              <p:ext uri="{D42A27DB-BD31-4B8C-83A1-F6EECF244321}">
+                <p14:modId xmlns:p14="http://schemas.microsoft.com/office/powerpoint/2010/main" val="1347143826"/>
+              </p:ext>
+            </p:extLst>
+          </p:nvPr>
+        </p:nvGraphicFramePr>
+        <p:xfrm>
+          <a:off x="1070431" y="2341637"/>
+          <a:ext cx="10065656" cy="4233066"/>
+        </p:xfrm>
+        <a:graphic>
+          <a:graphicData uri="http://schemas.openxmlformats.org/drawingml/2006/table">
+            <a:tbl>
+              <a:tblPr firstRow="1" bandRow="1">
+                <a:tableStyleId>{5C22544A-7EE6-4342-B048-85BDC9FD1C3A}</a:tableStyleId>
+              </a:tblPr>
+              <a:tblGrid>
+                <a:gridCol w="1585683">
+                  <a:extLst>
+                    <a:ext uri="{9D8B030D-6E8A-4147-A177-3AD203B41FA5}">
+                      <a16:colId xmlns:a16="http://schemas.microsoft.com/office/drawing/2014/main" val="2098209027"/>
+                    </a:ext>
+                  </a:extLst>
+                </a:gridCol>
+                <a:gridCol w="1524000">
+                  <a:extLst>
+                    <a:ext uri="{9D8B030D-6E8A-4147-A177-3AD203B41FA5}">
+                      <a16:colId xmlns:a16="http://schemas.microsoft.com/office/drawing/2014/main" val="2184390483"/>
+                    </a:ext>
+                  </a:extLst>
+                </a:gridCol>
+                <a:gridCol w="6955973">
+                  <a:extLst>
+                    <a:ext uri="{9D8B030D-6E8A-4147-A177-3AD203B41FA5}">
+                      <a16:colId xmlns:a16="http://schemas.microsoft.com/office/drawing/2014/main" val="2882597021"/>
+                    </a:ext>
+                  </a:extLst>
+                </a:gridCol>
+              </a:tblGrid>
+              <a:tr h="448741">
+                <a:tc>
+                  <a:txBody>
+                    <a:bodyPr/>
+                    <a:lstStyle/>
+                    <a:p>
+                      <a:r>
+                        <a:rPr kumimoji="1" lang="ja-JP" altLang="en-US" sz="2400" dirty="0" smtClean="0"/>
+                        <a:t>オプション</a:t>
+                      </a:r>
+                      <a:endParaRPr kumimoji="1" lang="ja-JP" altLang="en-US" sz="2400" dirty="0"/>
+                    </a:p>
+                  </a:txBody>
+                  <a:tcPr/>
+                </a:tc>
+                <a:tc>
+                  <a:txBody>
+                    <a:bodyPr/>
+                    <a:lstStyle/>
+                    <a:p>
+                      <a:r>
+                        <a:rPr kumimoji="1" lang="ja-JP" altLang="en-US" sz="2400" dirty="0" smtClean="0"/>
+                        <a:t>デフォルト</a:t>
+                      </a:r>
+                      <a:endParaRPr kumimoji="1" lang="ja-JP" altLang="en-US" sz="2400" dirty="0"/>
+                    </a:p>
+                  </a:txBody>
+                  <a:tcPr/>
+                </a:tc>
+                <a:tc>
+                  <a:txBody>
+                    <a:bodyPr/>
+                    <a:lstStyle/>
+                    <a:p>
+                      <a:r>
+                        <a:rPr kumimoji="1" lang="ja-JP" altLang="en-US" sz="2400" dirty="0" smtClean="0"/>
+                        <a:t>説明</a:t>
+                      </a:r>
+                      <a:endParaRPr kumimoji="1" lang="ja-JP" altLang="en-US" sz="2400" dirty="0"/>
+                    </a:p>
+                  </a:txBody>
+                  <a:tcPr/>
+                </a:tc>
+                <a:extLst>
+                  <a:ext uri="{0D108BD9-81ED-4DB2-BD59-A6C34878D82A}">
+                    <a16:rowId xmlns:a16="http://schemas.microsoft.com/office/drawing/2014/main" val="3272266926"/>
+                  </a:ext>
+                </a:extLst>
+              </a:tr>
+              <a:tr h="532192">
+                <a:tc>
+                  <a:txBody>
+                    <a:bodyPr/>
+                    <a:lstStyle/>
+                    <a:p>
+                      <a:r>
+                        <a:rPr kumimoji="1" lang="en-US" altLang="ja-JP" sz="2400" dirty="0" err="1" smtClean="0"/>
+                        <a:t>eval</a:t>
+                      </a:r>
+                      <a:endParaRPr kumimoji="1" lang="ja-JP" altLang="en-US" sz="2400" dirty="0"/>
+                    </a:p>
+                  </a:txBody>
+                  <a:tcPr anchor="ctr"/>
+                </a:tc>
+                <a:tc>
+                  <a:txBody>
+                    <a:bodyPr/>
+                    <a:lstStyle/>
+                    <a:p>
+                      <a:r>
+                        <a:rPr kumimoji="1" lang="en-US" altLang="ja-JP" sz="2400" dirty="0" smtClean="0"/>
+                        <a:t>TRUE</a:t>
+                      </a:r>
+                      <a:endParaRPr kumimoji="1" lang="ja-JP" altLang="en-US" sz="2400" dirty="0"/>
+                    </a:p>
+                  </a:txBody>
+                  <a:tcPr anchor="ctr"/>
+                </a:tc>
+                <a:tc>
+                  <a:txBody>
+                    <a:bodyPr/>
+                    <a:lstStyle/>
+                    <a:p>
+                      <a:r>
+                        <a:rPr kumimoji="1" lang="en-US" altLang="ja-JP" sz="2400" dirty="0" smtClean="0"/>
+                        <a:t>R</a:t>
+                      </a:r>
+                      <a:r>
+                        <a:rPr kumimoji="1" lang="ja-JP" altLang="en-US" sz="2400" dirty="0" smtClean="0"/>
+                        <a:t>チャンクを実行する</a:t>
+                      </a:r>
+                      <a:endParaRPr kumimoji="1" lang="ja-JP" altLang="en-US" sz="2400" dirty="0"/>
+                    </a:p>
+                  </a:txBody>
+                  <a:tcPr anchor="ctr"/>
+                </a:tc>
+                <a:extLst>
+                  <a:ext uri="{0D108BD9-81ED-4DB2-BD59-A6C34878D82A}">
+                    <a16:rowId xmlns:a16="http://schemas.microsoft.com/office/drawing/2014/main" val="3701885021"/>
+                  </a:ext>
+                </a:extLst>
+              </a:tr>
+              <a:tr h="510420">
+                <a:tc>
+                  <a:txBody>
+                    <a:bodyPr/>
+                    <a:lstStyle/>
+                    <a:p>
+                      <a:r>
+                        <a:rPr kumimoji="1" lang="en-US" altLang="ja-JP" sz="2400" dirty="0" smtClean="0"/>
+                        <a:t>echo</a:t>
+                      </a:r>
+                      <a:endParaRPr kumimoji="1" lang="ja-JP" altLang="en-US" sz="2400" dirty="0"/>
+                    </a:p>
+                  </a:txBody>
+                  <a:tcPr anchor="ctr"/>
+                </a:tc>
+                <a:tc>
+                  <a:txBody>
+                    <a:bodyPr/>
+                    <a:lstStyle/>
+                    <a:p>
+                      <a:r>
+                        <a:rPr kumimoji="1" lang="en-US" altLang="ja-JP" sz="2400" dirty="0" smtClean="0"/>
+                        <a:t>TRUE</a:t>
+                      </a:r>
+                      <a:endParaRPr kumimoji="1" lang="ja-JP" altLang="en-US" sz="2400" dirty="0"/>
+                    </a:p>
+                  </a:txBody>
+                  <a:tcPr anchor="ctr"/>
+                </a:tc>
+                <a:tc>
+                  <a:txBody>
+                    <a:bodyPr/>
+                    <a:lstStyle/>
+                    <a:p>
+                      <a:pPr marL="0" marR="0" lvl="0" indent="0" algn="l" defTabSz="914400" rtl="0" eaLnBrk="1" fontAlgn="auto" latinLnBrk="0" hangingPunct="1">
+                        <a:lnSpc>
+                          <a:spcPct val="100000"/>
+                        </a:lnSpc>
+                        <a:spcBef>
+                          <a:spcPts val="0"/>
+                        </a:spcBef>
+                        <a:spcAft>
+                          <a:spcPts val="0"/>
+                        </a:spcAft>
+                        <a:buClrTx/>
+                        <a:buSzTx/>
+                        <a:buFontTx/>
+                        <a:buNone/>
+                        <a:tabLst/>
+                        <a:defRPr/>
+                      </a:pPr>
+                      <a:r>
+                        <a:rPr lang="en-US" altLang="ja-JP" sz="2400" dirty="0" smtClean="0"/>
+                        <a:t>R</a:t>
+                      </a:r>
+                      <a:r>
+                        <a:rPr lang="ja-JP" altLang="en-US" sz="2400" dirty="0" smtClean="0"/>
+                        <a:t>チャンク内のコードをドキュメントに表示する</a:t>
+                      </a:r>
+                      <a:endParaRPr kumimoji="1" lang="ja-JP" altLang="en-US" sz="2400" dirty="0"/>
+                    </a:p>
+                  </a:txBody>
+                  <a:tcPr anchor="ctr"/>
+                </a:tc>
+                <a:extLst>
+                  <a:ext uri="{0D108BD9-81ED-4DB2-BD59-A6C34878D82A}">
+                    <a16:rowId xmlns:a16="http://schemas.microsoft.com/office/drawing/2014/main" val="4206334479"/>
+                  </a:ext>
+                </a:extLst>
+              </a:tr>
+              <a:tr h="1525719">
+                <a:tc>
+                  <a:txBody>
+                    <a:bodyPr/>
+                    <a:lstStyle/>
+                    <a:p>
+                      <a:r>
+                        <a:rPr kumimoji="1" lang="en-US" altLang="ja-JP" sz="2400" dirty="0" smtClean="0"/>
+                        <a:t>include</a:t>
+                      </a:r>
+                      <a:endParaRPr kumimoji="1" lang="ja-JP" altLang="en-US" sz="2400" dirty="0"/>
+                    </a:p>
+                  </a:txBody>
+                  <a:tcPr anchor="ctr"/>
+                </a:tc>
+                <a:tc>
+                  <a:txBody>
+                    <a:bodyPr/>
+                    <a:lstStyle/>
+                    <a:p>
+                      <a:r>
+                        <a:rPr kumimoji="1" lang="en-US" altLang="ja-JP" sz="2400" dirty="0" smtClean="0"/>
+                        <a:t>TRUE</a:t>
+                      </a:r>
+                      <a:endParaRPr kumimoji="1" lang="ja-JP" altLang="en-US" sz="2400" dirty="0"/>
+                    </a:p>
+                  </a:txBody>
+                  <a:tcPr anchor="ctr"/>
+                </a:tc>
+                <a:tc>
+                  <a:txBody>
+                    <a:bodyPr/>
+                    <a:lstStyle/>
+                    <a:p>
+                      <a:pPr marL="0" marR="0" lvl="0" indent="0" algn="l" defTabSz="914400" rtl="0" eaLnBrk="1" fontAlgn="auto" latinLnBrk="0" hangingPunct="1">
+                        <a:lnSpc>
+                          <a:spcPct val="100000"/>
+                        </a:lnSpc>
+                        <a:spcBef>
+                          <a:spcPts val="0"/>
+                        </a:spcBef>
+                        <a:spcAft>
+                          <a:spcPts val="0"/>
+                        </a:spcAft>
+                        <a:buClrTx/>
+                        <a:buSzTx/>
+                        <a:buFontTx/>
+                        <a:buNone/>
+                        <a:tabLst/>
+                        <a:defRPr/>
+                      </a:pPr>
+                      <a:r>
+                        <a:rPr kumimoji="1" lang="en-US" altLang="ja-JP" sz="2400" dirty="0" smtClean="0"/>
+                        <a:t>FALSE</a:t>
+                      </a:r>
+                      <a:r>
+                        <a:rPr kumimoji="1" lang="ja-JP" altLang="en-US" sz="2400" dirty="0" smtClean="0"/>
+                        <a:t>に設定すると、</a:t>
+                      </a:r>
+                      <a:r>
+                        <a:rPr kumimoji="1" lang="en-US" altLang="ja-JP" sz="2400" dirty="0" smtClean="0"/>
+                        <a:t>R</a:t>
+                      </a:r>
+                      <a:r>
+                        <a:rPr kumimoji="1" lang="ja-JP" altLang="en-US" sz="2400" dirty="0" smtClean="0"/>
+                        <a:t>チャンク内のコードを実行するが、</a:t>
+                      </a:r>
+                      <a:r>
+                        <a:rPr kumimoji="1" lang="en-US" altLang="ja-JP" sz="2400" dirty="0" smtClean="0"/>
+                        <a:t>R</a:t>
+                      </a:r>
+                      <a:r>
+                        <a:rPr kumimoji="1" lang="ja-JP" altLang="en-US" sz="2400" dirty="0" smtClean="0"/>
+                        <a:t>チャンクと実行結果ともにドキュメントには含めない</a:t>
+                      </a:r>
+                      <a:endParaRPr kumimoji="1" lang="ja-JP" altLang="en-US" sz="2400" dirty="0"/>
+                    </a:p>
+                  </a:txBody>
+                  <a:tcPr anchor="ctr"/>
+                </a:tc>
+                <a:extLst>
+                  <a:ext uri="{0D108BD9-81ED-4DB2-BD59-A6C34878D82A}">
+                    <a16:rowId xmlns:a16="http://schemas.microsoft.com/office/drawing/2014/main" val="4185115576"/>
+                  </a:ext>
+                </a:extLst>
+              </a:tr>
+              <a:tr h="545254">
+                <a:tc>
+                  <a:txBody>
+                    <a:bodyPr/>
+                    <a:lstStyle/>
+                    <a:p>
+                      <a:r>
+                        <a:rPr kumimoji="1" lang="en-US" altLang="ja-JP" sz="2400" dirty="0" smtClean="0"/>
+                        <a:t>error</a:t>
+                      </a:r>
+                      <a:endParaRPr kumimoji="1" lang="ja-JP" altLang="en-US" sz="2400" dirty="0"/>
+                    </a:p>
+                  </a:txBody>
+                  <a:tcPr anchor="ctr"/>
+                </a:tc>
+                <a:tc>
+                  <a:txBody>
+                    <a:bodyPr/>
+                    <a:lstStyle/>
+                    <a:p>
+                      <a:r>
+                        <a:rPr kumimoji="1" lang="en-US" altLang="ja-JP" sz="2400" dirty="0" smtClean="0"/>
+                        <a:t>TRUE</a:t>
+                      </a:r>
+                      <a:endParaRPr kumimoji="1" lang="ja-JP" altLang="en-US" sz="2400" dirty="0"/>
+                    </a:p>
+                  </a:txBody>
+                  <a:tcPr anchor="ctr"/>
+                </a:tc>
+                <a:tc>
+                  <a:txBody>
+                    <a:bodyPr/>
+                    <a:lstStyle/>
+                    <a:p>
+                      <a:r>
+                        <a:rPr lang="ja-JP" altLang="en-US" sz="2400" dirty="0" smtClean="0"/>
+                        <a:t>エラーをドキュメントに表示する</a:t>
+                      </a:r>
+                      <a:endParaRPr kumimoji="1" lang="ja-JP" altLang="en-US" sz="2400" dirty="0"/>
+                    </a:p>
+                  </a:txBody>
+                  <a:tcPr anchor="ctr"/>
+                </a:tc>
+                <a:extLst>
+                  <a:ext uri="{0D108BD9-81ED-4DB2-BD59-A6C34878D82A}">
+                    <a16:rowId xmlns:a16="http://schemas.microsoft.com/office/drawing/2014/main" val="3440888441"/>
+                  </a:ext>
+                </a:extLst>
+              </a:tr>
+              <a:tr h="662281">
+                <a:tc>
+                  <a:txBody>
+                    <a:bodyPr/>
+                    <a:lstStyle/>
+                    <a:p>
+                      <a:r>
+                        <a:rPr kumimoji="1" lang="en-US" altLang="ja-JP" sz="2400" dirty="0" smtClean="0"/>
+                        <a:t>warning</a:t>
+                      </a:r>
+                      <a:endParaRPr kumimoji="1" lang="ja-JP" altLang="en-US" sz="2400" dirty="0"/>
+                    </a:p>
+                  </a:txBody>
+                  <a:tcPr anchor="ctr"/>
+                </a:tc>
+                <a:tc>
+                  <a:txBody>
+                    <a:bodyPr/>
+                    <a:lstStyle/>
+                    <a:p>
+                      <a:r>
+                        <a:rPr kumimoji="1" lang="en-US" altLang="ja-JP" sz="2400" dirty="0" smtClean="0"/>
+                        <a:t>TRUE</a:t>
+                      </a:r>
+                      <a:endParaRPr kumimoji="1" lang="ja-JP" altLang="en-US" sz="2400" dirty="0"/>
+                    </a:p>
+                  </a:txBody>
+                  <a:tcPr anchor="ctr"/>
+                </a:tc>
+                <a:tc>
+                  <a:txBody>
+                    <a:bodyPr/>
+                    <a:lstStyle/>
+                    <a:p>
+                      <a:r>
+                        <a:rPr kumimoji="1" lang="en-US" altLang="ja-JP" sz="2400" dirty="0" smtClean="0"/>
+                        <a:t>warning</a:t>
+                      </a:r>
+                      <a:r>
+                        <a:rPr kumimoji="1" lang="ja-JP" altLang="en-US" sz="2400" dirty="0" smtClean="0"/>
+                        <a:t>をドキュメントに表示する</a:t>
+                      </a:r>
+                      <a:endParaRPr kumimoji="1" lang="ja-JP" altLang="en-US" sz="2400" dirty="0"/>
+                    </a:p>
+                  </a:txBody>
+                  <a:tcPr anchor="ctr"/>
+                </a:tc>
+                <a:extLst>
+                  <a:ext uri="{0D108BD9-81ED-4DB2-BD59-A6C34878D82A}">
+                    <a16:rowId xmlns:a16="http://schemas.microsoft.com/office/drawing/2014/main" val="2122508541"/>
+                  </a:ext>
+                </a:extLst>
+              </a:tr>
+            </a:tbl>
+          </a:graphicData>
+        </a:graphic>
+      </p:graphicFrame>
+    </p:spTree>
+    <p:extLst>
+      <p:ext uri="{BB962C8B-B14F-4D97-AF65-F5344CB8AC3E}">
+        <p14:creationId xmlns:p14="http://schemas.microsoft.com/office/powerpoint/2010/main" val="2027554954"/>
+      </p:ext>
+    </p:extLst>
+  </p:cSld>
+  <p:clrMapOvr>
+    <a:masterClrMapping/>
+  </p:clrMapOvr>
+</p:sld>
+</file>
+
+<file path=ppt/slides/slide22.xml><?xml version="1.0" encoding="utf-8"?>
+<p:sld xmlns:a="http://schemas.openxmlformats.org/drawingml/2006/main" xmlns:r="http://schemas.openxmlformats.org/officeDocument/2006/relationships" xmlns:p="http://schemas.openxmlformats.org/presentationml/2006/main">
+  <p:cSld>
+    <p:spTree>
+      <p:nvGrpSpPr>
+        <p:cNvPr id="1" name=""/>
+        <p:cNvGrpSpPr/>
+        <p:nvPr/>
+      </p:nvGrpSpPr>
+      <p:grpSpPr>
+        <a:xfrm>
+          <a:off x="0" y="0"/>
+          <a:ext cx="0" cy="0"/>
+          <a:chOff x="0" y="0"/>
+          <a:chExt cx="0" cy="0"/>
+        </a:xfrm>
+      </p:grpSpPr>
+      <p:sp>
+        <p:nvSpPr>
+          <p:cNvPr id="2" name="タイトル 1"/>
+          <p:cNvSpPr>
+            <a:spLocks noGrp="1"/>
+          </p:cNvSpPr>
+          <p:nvPr>
+            <p:ph type="title"/>
+          </p:nvPr>
+        </p:nvSpPr>
+        <p:spPr/>
+        <p:txBody>
+          <a:bodyPr/>
+          <a:lstStyle/>
+          <a:p>
+            <a:r>
+              <a:rPr kumimoji="1" lang="ja-JP" altLang="en-US" b="1" dirty="0" smtClean="0">
+                <a:solidFill>
+                  <a:schemeClr val="tx1">
+                    <a:lumMod val="50000"/>
+                    <a:lumOff val="50000"/>
+                  </a:schemeClr>
+                </a:solidFill>
+              </a:rPr>
+              <a:t>演習</a:t>
+            </a:r>
+            <a:r>
+              <a:rPr kumimoji="1" lang="en-US" altLang="ja-JP" b="1" dirty="0" smtClean="0">
+                <a:solidFill>
+                  <a:schemeClr val="tx1">
+                    <a:lumMod val="50000"/>
+                    <a:lumOff val="50000"/>
+                  </a:schemeClr>
+                </a:solidFill>
+              </a:rPr>
+              <a:t>‐1</a:t>
+            </a:r>
+            <a:endParaRPr kumimoji="1" lang="ja-JP" altLang="en-US" b="1" dirty="0">
+              <a:solidFill>
+                <a:schemeClr val="tx1">
+                  <a:lumMod val="50000"/>
+                  <a:lumOff val="50000"/>
+                </a:schemeClr>
+              </a:solidFill>
+            </a:endParaRPr>
+          </a:p>
+        </p:txBody>
+      </p:sp>
+      <p:sp>
+        <p:nvSpPr>
+          <p:cNvPr id="3" name="コンテンツ プレースホルダー 2"/>
+          <p:cNvSpPr>
+            <a:spLocks noGrp="1"/>
+          </p:cNvSpPr>
+          <p:nvPr>
+            <p:ph idx="1"/>
+          </p:nvPr>
+        </p:nvSpPr>
+        <p:spPr>
+          <a:xfrm>
+            <a:off x="838200" y="1825625"/>
+            <a:ext cx="10601739" cy="4783604"/>
+          </a:xfrm>
+        </p:spPr>
+        <p:txBody>
+          <a:bodyPr>
+            <a:normAutofit/>
+          </a:bodyPr>
+          <a:lstStyle/>
+          <a:p>
+            <a:r>
+              <a:rPr lang="en-US" altLang="ja-JP" dirty="0" err="1" smtClean="0"/>
+              <a:t>Rstudio</a:t>
+            </a:r>
+            <a:r>
+              <a:rPr lang="en-US" altLang="ja-JP" dirty="0" smtClean="0"/>
+              <a:t> cloud</a:t>
+            </a:r>
+            <a:r>
+              <a:rPr lang="ja-JP" altLang="en-US" dirty="0" smtClean="0"/>
+              <a:t>にログイン</a:t>
+            </a:r>
+            <a:endParaRPr lang="en-US" altLang="ja-JP" dirty="0" smtClean="0"/>
+          </a:p>
+          <a:p>
+            <a:r>
+              <a:rPr lang="en-US" altLang="ja-JP" dirty="0" err="1" smtClean="0"/>
+              <a:t>Rstudio</a:t>
+            </a:r>
+            <a:r>
+              <a:rPr lang="ja-JP" altLang="en-US" dirty="0" smtClean="0"/>
+              <a:t>で以下のコードを実行</a:t>
+            </a:r>
+            <a:endParaRPr lang="en-US" altLang="ja-JP" dirty="0" smtClean="0"/>
+          </a:p>
+          <a:p>
+            <a:pPr marL="0" indent="0">
+              <a:buNone/>
+            </a:pPr>
+            <a:endParaRPr lang="en-US" altLang="ja-JP" dirty="0" smtClean="0"/>
+          </a:p>
+          <a:p>
+            <a:pPr marL="0" indent="0">
+              <a:buNone/>
+            </a:pPr>
+            <a:r>
+              <a:rPr lang="en-US" altLang="ja-JP" dirty="0" smtClean="0"/>
+              <a:t>x </a:t>
+            </a:r>
+            <a:r>
+              <a:rPr lang="en-US" altLang="ja-JP" dirty="0"/>
+              <a:t>&lt;- c(2, 4, 6)</a:t>
+            </a:r>
+          </a:p>
+          <a:p>
+            <a:pPr marL="0" indent="0">
+              <a:buNone/>
+            </a:pPr>
+            <a:r>
+              <a:rPr lang="en-US" altLang="ja-JP" dirty="0" smtClean="0"/>
+              <a:t>y &lt;- c(1, 2, 3)</a:t>
+            </a:r>
+          </a:p>
+          <a:p>
+            <a:pPr marL="0" indent="0">
+              <a:buNone/>
+            </a:pPr>
+            <a:r>
+              <a:rPr lang="en-US" altLang="ja-JP" dirty="0" smtClean="0"/>
+              <a:t>plot(x, y)</a:t>
+            </a:r>
+            <a:endParaRPr lang="en-US" altLang="ja-JP" dirty="0" smtClean="0"/>
+          </a:p>
+          <a:p>
+            <a:pPr marL="0" indent="0">
+              <a:buNone/>
+            </a:pPr>
+            <a:endParaRPr kumimoji="1" lang="en-US" altLang="ja-JP" dirty="0" smtClean="0"/>
+          </a:p>
+        </p:txBody>
+      </p:sp>
+      <p:sp>
+        <p:nvSpPr>
+          <p:cNvPr id="4" name="フッター プレースホルダー 3"/>
+          <p:cNvSpPr>
+            <a:spLocks noGrp="1"/>
+          </p:cNvSpPr>
+          <p:nvPr>
+            <p:ph type="ftr" sz="quarter" idx="11"/>
+          </p:nvPr>
+        </p:nvSpPr>
+        <p:spPr/>
+        <p:txBody>
+          <a:bodyPr/>
+          <a:lstStyle/>
+          <a:p>
+            <a:r>
+              <a:rPr lang="en-US" altLang="ja-JP" smtClean="0"/>
+              <a:t>R</a:t>
+            </a:r>
+            <a:r>
+              <a:rPr lang="ja-JP" altLang="en-US" smtClean="0"/>
+              <a:t> </a:t>
+            </a:r>
+            <a:r>
+              <a:rPr lang="en-US" altLang="ja-JP" smtClean="0"/>
+              <a:t>for</a:t>
+            </a:r>
+            <a:r>
+              <a:rPr lang="ja-JP" altLang="en-US" smtClean="0"/>
+              <a:t> </a:t>
+            </a:r>
+            <a:r>
+              <a:rPr lang="en-US" altLang="ja-JP" smtClean="0"/>
+              <a:t>Pharmacometrics</a:t>
+            </a:r>
+            <a:endParaRPr lang="ja-JP" altLang="en-US" dirty="0" smtClean="0"/>
+          </a:p>
+        </p:txBody>
+      </p:sp>
+      <p:sp>
+        <p:nvSpPr>
+          <p:cNvPr id="5" name="スライド番号プレースホルダー 4"/>
+          <p:cNvSpPr>
+            <a:spLocks noGrp="1"/>
+          </p:cNvSpPr>
+          <p:nvPr>
+            <p:ph type="sldNum" sz="quarter" idx="12"/>
+          </p:nvPr>
+        </p:nvSpPr>
+        <p:spPr/>
+        <p:txBody>
+          <a:bodyPr/>
+          <a:lstStyle/>
+          <a:p>
+            <a:fld id="{93256357-0251-4953-A9B8-633A05DE8E91}" type="slidenum">
+              <a:rPr kumimoji="1" lang="ja-JP" altLang="en-US" smtClean="0"/>
+              <a:t>22</a:t>
+            </a:fld>
+            <a:endParaRPr kumimoji="1" lang="ja-JP" altLang="en-US"/>
+          </a:p>
+        </p:txBody>
+      </p:sp>
+      <p:sp>
+        <p:nvSpPr>
+          <p:cNvPr id="8" name="テキスト ボックス 7"/>
+          <p:cNvSpPr txBox="1"/>
+          <p:nvPr/>
+        </p:nvSpPr>
+        <p:spPr>
+          <a:xfrm>
+            <a:off x="10530968" y="0"/>
+            <a:ext cx="1661032" cy="523220"/>
+          </a:xfrm>
+          <a:prstGeom prst="rect">
+            <a:avLst/>
+          </a:prstGeom>
+          <a:solidFill>
+            <a:schemeClr val="tx2"/>
+          </a:solidFill>
+        </p:spPr>
+        <p:txBody>
+          <a:bodyPr wrap="none" rtlCol="0">
+            <a:spAutoFit/>
+          </a:bodyPr>
+          <a:lstStyle/>
+          <a:p>
+            <a:r>
+              <a:rPr kumimoji="1" lang="en-US" altLang="ja-JP" sz="2800" b="1" dirty="0" smtClean="0">
+                <a:solidFill>
+                  <a:srgbClr val="FFC000"/>
+                </a:solidFill>
+              </a:rPr>
+              <a:t>Hands-On</a:t>
+            </a:r>
+            <a:endParaRPr kumimoji="1" lang="ja-JP" altLang="en-US" sz="2800" b="1" dirty="0">
+              <a:solidFill>
+                <a:srgbClr val="FFC000"/>
+              </a:solidFill>
+            </a:endParaRPr>
+          </a:p>
+        </p:txBody>
+      </p:sp>
+    </p:spTree>
+    <p:extLst>
+      <p:ext uri="{BB962C8B-B14F-4D97-AF65-F5344CB8AC3E}">
+        <p14:creationId xmlns:p14="http://schemas.microsoft.com/office/powerpoint/2010/main" val="2884121894"/>
+      </p:ext>
+    </p:extLst>
+  </p:cSld>
+  <p:clrMapOvr>
+    <a:masterClrMapping/>
+  </p:clrMapOvr>
+</p:sld>
+</file>
+
+<file path=ppt/slides/slide23.xml><?xml version="1.0" encoding="utf-8"?>
+<p:sld xmlns:a="http://schemas.openxmlformats.org/drawingml/2006/main" xmlns:r="http://schemas.openxmlformats.org/officeDocument/2006/relationships" xmlns:p="http://schemas.openxmlformats.org/presentationml/2006/main">
+  <p:cSld>
+    <p:spTree>
+      <p:nvGrpSpPr>
+        <p:cNvPr id="1" name=""/>
+        <p:cNvGrpSpPr/>
+        <p:nvPr/>
+      </p:nvGrpSpPr>
+      <p:grpSpPr>
+        <a:xfrm>
+          <a:off x="0" y="0"/>
+          <a:ext cx="0" cy="0"/>
+          <a:chOff x="0" y="0"/>
+          <a:chExt cx="0" cy="0"/>
+        </a:xfrm>
+      </p:grpSpPr>
+      <p:sp>
+        <p:nvSpPr>
+          <p:cNvPr id="2" name="タイトル 1"/>
+          <p:cNvSpPr>
+            <a:spLocks noGrp="1"/>
+          </p:cNvSpPr>
+          <p:nvPr>
+            <p:ph type="title"/>
+          </p:nvPr>
+        </p:nvSpPr>
+        <p:spPr/>
+        <p:txBody>
+          <a:bodyPr/>
+          <a:lstStyle/>
+          <a:p>
+            <a:endParaRPr kumimoji="1" lang="ja-JP" altLang="en-US" dirty="0"/>
+          </a:p>
+        </p:txBody>
+      </p:sp>
+      <p:sp>
+        <p:nvSpPr>
+          <p:cNvPr id="3" name="コンテンツ プレースホルダー 2"/>
+          <p:cNvSpPr>
+            <a:spLocks noGrp="1"/>
+          </p:cNvSpPr>
+          <p:nvPr>
+            <p:ph idx="1"/>
+          </p:nvPr>
+        </p:nvSpPr>
+        <p:spPr/>
+        <p:txBody>
+          <a:bodyPr/>
+          <a:lstStyle/>
+          <a:p>
+            <a:endParaRPr kumimoji="1" lang="ja-JP" altLang="en-US"/>
+          </a:p>
+        </p:txBody>
+      </p:sp>
+      <p:sp>
+        <p:nvSpPr>
+          <p:cNvPr id="4" name="フッター プレースホルダー 3"/>
+          <p:cNvSpPr>
+            <a:spLocks noGrp="1"/>
+          </p:cNvSpPr>
+          <p:nvPr>
+            <p:ph type="ftr" sz="quarter" idx="11"/>
+          </p:nvPr>
+        </p:nvSpPr>
+        <p:spPr/>
+        <p:txBody>
+          <a:bodyPr/>
+          <a:lstStyle/>
+          <a:p>
+            <a:r>
+              <a:rPr lang="en-US" altLang="ja-JP" smtClean="0"/>
+              <a:t>R</a:t>
+            </a:r>
+            <a:r>
+              <a:rPr lang="ja-JP" altLang="en-US" smtClean="0"/>
+              <a:t> </a:t>
+            </a:r>
+            <a:r>
+              <a:rPr lang="en-US" altLang="ja-JP" smtClean="0"/>
+              <a:t>for</a:t>
+            </a:r>
+            <a:r>
+              <a:rPr lang="ja-JP" altLang="en-US" smtClean="0"/>
+              <a:t> </a:t>
+            </a:r>
+            <a:r>
+              <a:rPr lang="en-US" altLang="ja-JP" smtClean="0"/>
+              <a:t>Pharmacometrics</a:t>
+            </a:r>
+            <a:endParaRPr lang="ja-JP" altLang="en-US" dirty="0" smtClean="0"/>
+          </a:p>
+        </p:txBody>
+      </p:sp>
+      <p:sp>
+        <p:nvSpPr>
+          <p:cNvPr id="5" name="スライド番号プレースホルダー 4"/>
+          <p:cNvSpPr>
+            <a:spLocks noGrp="1"/>
+          </p:cNvSpPr>
+          <p:nvPr>
+            <p:ph type="sldNum" sz="quarter" idx="12"/>
+          </p:nvPr>
+        </p:nvSpPr>
+        <p:spPr/>
+        <p:txBody>
+          <a:bodyPr/>
+          <a:lstStyle/>
+          <a:p>
+            <a:fld id="{93256357-0251-4953-A9B8-633A05DE8E91}" type="slidenum">
+              <a:rPr kumimoji="1" lang="ja-JP" altLang="en-US" smtClean="0"/>
+              <a:t>23</a:t>
+            </a:fld>
+            <a:endParaRPr kumimoji="1" lang="ja-JP" altLang="en-US"/>
+          </a:p>
+        </p:txBody>
+      </p:sp>
+    </p:spTree>
+    <p:extLst>
+      <p:ext uri="{BB962C8B-B14F-4D97-AF65-F5344CB8AC3E}">
+        <p14:creationId xmlns:p14="http://schemas.microsoft.com/office/powerpoint/2010/main" val="1027941550"/>
+      </p:ext>
+    </p:extLst>
+  </p:cSld>
+  <p:clrMapOvr>
+    <a:masterClrMapping/>
+  </p:clrMapOvr>
+</p:sld>
+</file>
+
+<file path=ppt/slides/slide24.xml><?xml version="1.0" encoding="utf-8"?>
+<p:sld xmlns:a="http://schemas.openxmlformats.org/drawingml/2006/main" xmlns:r="http://schemas.openxmlformats.org/officeDocument/2006/relationships" xmlns:p="http://schemas.openxmlformats.org/presentationml/2006/main">
+  <p:cSld>
+    <p:spTree>
+      <p:nvGrpSpPr>
+        <p:cNvPr id="1" name=""/>
+        <p:cNvGrpSpPr/>
+        <p:nvPr/>
+      </p:nvGrpSpPr>
+      <p:grpSpPr>
+        <a:xfrm>
+          <a:off x="0" y="0"/>
+          <a:ext cx="0" cy="0"/>
+          <a:chOff x="0" y="0"/>
+          <a:chExt cx="0" cy="0"/>
+        </a:xfrm>
+      </p:grpSpPr>
+      <p:sp>
+        <p:nvSpPr>
+          <p:cNvPr id="4" name="フッター プレースホルダー 3"/>
+          <p:cNvSpPr>
+            <a:spLocks noGrp="1"/>
+          </p:cNvSpPr>
+          <p:nvPr>
+            <p:ph type="ftr" sz="quarter" idx="11"/>
+          </p:nvPr>
+        </p:nvSpPr>
+        <p:spPr/>
+        <p:txBody>
+          <a:bodyPr/>
+          <a:lstStyle/>
+          <a:p>
+            <a:r>
+              <a:rPr lang="en-US" altLang="ja-JP" smtClean="0"/>
+              <a:t>R</a:t>
+            </a:r>
+            <a:r>
+              <a:rPr lang="ja-JP" altLang="en-US" smtClean="0"/>
+              <a:t> </a:t>
+            </a:r>
+            <a:r>
+              <a:rPr lang="en-US" altLang="ja-JP" smtClean="0"/>
+              <a:t>for</a:t>
+            </a:r>
+            <a:r>
+              <a:rPr lang="ja-JP" altLang="en-US" smtClean="0"/>
+              <a:t> </a:t>
+            </a:r>
+            <a:r>
+              <a:rPr lang="en-US" altLang="ja-JP" smtClean="0"/>
+              <a:t>Pharmacometrics</a:t>
+            </a:r>
+            <a:endParaRPr lang="ja-JP" altLang="en-US" dirty="0" smtClean="0"/>
+          </a:p>
+        </p:txBody>
+      </p:sp>
+      <p:sp>
+        <p:nvSpPr>
+          <p:cNvPr id="5" name="スライド番号プレースホルダー 4"/>
+          <p:cNvSpPr>
+            <a:spLocks noGrp="1"/>
+          </p:cNvSpPr>
+          <p:nvPr>
+            <p:ph type="sldNum" sz="quarter" idx="12"/>
+          </p:nvPr>
+        </p:nvSpPr>
+        <p:spPr/>
+        <p:txBody>
+          <a:bodyPr/>
+          <a:lstStyle/>
+          <a:p>
+            <a:fld id="{93256357-0251-4953-A9B8-633A05DE8E91}" type="slidenum">
+              <a:rPr kumimoji="1" lang="ja-JP" altLang="en-US" smtClean="0"/>
+              <a:t>24</a:t>
+            </a:fld>
+            <a:endParaRPr kumimoji="1" lang="ja-JP" altLang="en-US"/>
+          </a:p>
+        </p:txBody>
+      </p:sp>
+      <p:pic>
+        <p:nvPicPr>
+          <p:cNvPr id="9" name="図 8"/>
+          <p:cNvPicPr>
+            <a:picLocks noChangeAspect="1"/>
+          </p:cNvPicPr>
+          <p:nvPr/>
+        </p:nvPicPr>
+        <p:blipFill rotWithShape="1">
+          <a:blip r:embed="rId2" cstate="print">
+            <a:extLst>
+              <a:ext uri="{28A0092B-C50C-407E-A947-70E740481C1C}">
+                <a14:useLocalDpi xmlns:a14="http://schemas.microsoft.com/office/drawing/2010/main" val="0"/>
+              </a:ext>
+            </a:extLst>
+          </a:blip>
+          <a:srcRect/>
+          <a:stretch/>
+        </p:blipFill>
+        <p:spPr>
+          <a:xfrm>
+            <a:off x="1623060" y="686480"/>
+            <a:ext cx="8580119" cy="5842544"/>
+          </a:xfrm>
+          <a:prstGeom prst="rect">
+            <a:avLst/>
+          </a:prstGeom>
+        </p:spPr>
+      </p:pic>
+      <p:sp>
+        <p:nvSpPr>
+          <p:cNvPr id="8" name="右矢印 7"/>
+          <p:cNvSpPr/>
+          <p:nvPr/>
+        </p:nvSpPr>
+        <p:spPr>
+          <a:xfrm rot="5400000">
+            <a:off x="3024142" y="628923"/>
+            <a:ext cx="908050" cy="496025"/>
+          </a:xfrm>
+          <a:prstGeom prst="rightArrow">
+            <a:avLst/>
+          </a:prstGeom>
+          <a:solidFill>
+            <a:schemeClr val="accent4"/>
+          </a:solidFill>
+          <a:ln>
+            <a:solidFill>
+              <a:schemeClr val="accent2"/>
+            </a:solidFill>
+          </a:ln>
+        </p:spPr>
+        <p:style>
+          <a:lnRef idx="2">
+            <a:schemeClr val="accent1">
+              <a:shade val="50000"/>
+            </a:schemeClr>
+          </a:lnRef>
+          <a:fillRef idx="1">
+            <a:schemeClr val="accent1"/>
+          </a:fillRef>
+          <a:effectRef idx="0">
+            <a:schemeClr val="accent1"/>
+          </a:effectRef>
+          <a:fontRef idx="minor">
+            <a:schemeClr val="lt1"/>
+          </a:fontRef>
+        </p:style>
+        <p:txBody>
+          <a:bodyPr rtlCol="0" anchor="ctr"/>
+          <a:lstStyle/>
+          <a:p>
+            <a:pPr algn="ctr"/>
+            <a:endParaRPr kumimoji="1" lang="ja-JP" altLang="en-US"/>
+          </a:p>
+        </p:txBody>
+      </p:sp>
+      <p:sp>
+        <p:nvSpPr>
+          <p:cNvPr id="14" name="右矢印 13"/>
+          <p:cNvSpPr/>
+          <p:nvPr/>
+        </p:nvSpPr>
+        <p:spPr>
+          <a:xfrm rot="10800000">
+            <a:off x="4753884" y="1832883"/>
+            <a:ext cx="908050" cy="496025"/>
+          </a:xfrm>
+          <a:prstGeom prst="rightArrow">
+            <a:avLst/>
+          </a:prstGeom>
+          <a:solidFill>
+            <a:schemeClr val="accent4"/>
+          </a:solidFill>
+          <a:ln>
+            <a:solidFill>
+              <a:schemeClr val="accent2"/>
+            </a:solidFill>
+          </a:ln>
+        </p:spPr>
+        <p:style>
+          <a:lnRef idx="2">
+            <a:schemeClr val="accent1">
+              <a:shade val="50000"/>
+            </a:schemeClr>
+          </a:lnRef>
+          <a:fillRef idx="1">
+            <a:schemeClr val="accent1"/>
+          </a:fillRef>
+          <a:effectRef idx="0">
+            <a:schemeClr val="accent1"/>
+          </a:effectRef>
+          <a:fontRef idx="minor">
+            <a:schemeClr val="lt1"/>
+          </a:fontRef>
+        </p:style>
+        <p:txBody>
+          <a:bodyPr rtlCol="0" anchor="ctr"/>
+          <a:lstStyle/>
+          <a:p>
+            <a:pPr algn="ctr"/>
+            <a:endParaRPr kumimoji="1" lang="ja-JP" altLang="en-US"/>
+          </a:p>
+        </p:txBody>
+      </p:sp>
+      <p:sp>
+        <p:nvSpPr>
+          <p:cNvPr id="15" name="テキスト ボックス 14"/>
+          <p:cNvSpPr txBox="1"/>
+          <p:nvPr/>
+        </p:nvSpPr>
+        <p:spPr>
+          <a:xfrm>
+            <a:off x="5941382" y="4731352"/>
+            <a:ext cx="4891917" cy="523220"/>
+          </a:xfrm>
+          <a:prstGeom prst="rect">
+            <a:avLst/>
+          </a:prstGeom>
+          <a:solidFill>
+            <a:schemeClr val="tx2"/>
+          </a:solidFill>
+        </p:spPr>
+        <p:txBody>
+          <a:bodyPr wrap="none" rtlCol="0">
+            <a:spAutoFit/>
+          </a:bodyPr>
+          <a:lstStyle/>
+          <a:p>
+            <a:r>
+              <a:rPr kumimoji="1" lang="en-US" altLang="ja-JP" sz="2800" b="1" dirty="0" smtClean="0">
+                <a:solidFill>
+                  <a:srgbClr val="FFC000"/>
+                </a:solidFill>
+              </a:rPr>
+              <a:t>R</a:t>
+            </a:r>
+            <a:r>
+              <a:rPr kumimoji="1" lang="ja-JP" altLang="en-US" sz="2800" b="1" dirty="0" smtClean="0">
+                <a:solidFill>
+                  <a:srgbClr val="FFC000"/>
+                </a:solidFill>
+              </a:rPr>
+              <a:t> </a:t>
+            </a:r>
+            <a:r>
+              <a:rPr kumimoji="1" lang="en-US" altLang="ja-JP" sz="2800" b="1" dirty="0" smtClean="0">
+                <a:solidFill>
+                  <a:srgbClr val="FFC000"/>
+                </a:solidFill>
+              </a:rPr>
+              <a:t>Markdown</a:t>
+            </a:r>
+            <a:r>
+              <a:rPr kumimoji="1" lang="ja-JP" altLang="en-US" sz="2800" b="1" dirty="0" smtClean="0">
+                <a:solidFill>
+                  <a:srgbClr val="FFC000"/>
+                </a:solidFill>
+              </a:rPr>
+              <a:t>を選択してください</a:t>
+            </a:r>
+            <a:endParaRPr kumimoji="1" lang="ja-JP" altLang="en-US" sz="2800" b="1" dirty="0">
+              <a:solidFill>
+                <a:srgbClr val="FFC000"/>
+              </a:solidFill>
+            </a:endParaRPr>
+          </a:p>
+        </p:txBody>
+      </p:sp>
+    </p:spTree>
+    <p:extLst>
+      <p:ext uri="{BB962C8B-B14F-4D97-AF65-F5344CB8AC3E}">
+        <p14:creationId xmlns:p14="http://schemas.microsoft.com/office/powerpoint/2010/main" val="1006658430"/>
+      </p:ext>
+    </p:extLst>
+  </p:cSld>
+  <p:clrMapOvr>
+    <a:masterClrMapping/>
+  </p:clrMapOvr>
+</p:sld>
+</file>
+
+<file path=ppt/slides/slide25.xml><?xml version="1.0" encoding="utf-8"?>
+<p:sld xmlns:a="http://schemas.openxmlformats.org/drawingml/2006/main" xmlns:r="http://schemas.openxmlformats.org/officeDocument/2006/relationships" xmlns:p="http://schemas.openxmlformats.org/presentationml/2006/main">
+  <p:cSld>
+    <p:spTree>
+      <p:nvGrpSpPr>
+        <p:cNvPr id="1" name=""/>
+        <p:cNvGrpSpPr/>
+        <p:nvPr/>
+      </p:nvGrpSpPr>
+      <p:grpSpPr>
+        <a:xfrm>
+          <a:off x="0" y="0"/>
+          <a:ext cx="0" cy="0"/>
+          <a:chOff x="0" y="0"/>
+          <a:chExt cx="0" cy="0"/>
+        </a:xfrm>
+      </p:grpSpPr>
+      <p:sp>
+        <p:nvSpPr>
+          <p:cNvPr id="4" name="フッター プレースホルダー 3"/>
+          <p:cNvSpPr>
+            <a:spLocks noGrp="1"/>
+          </p:cNvSpPr>
+          <p:nvPr>
+            <p:ph type="ftr" sz="quarter" idx="11"/>
+          </p:nvPr>
+        </p:nvSpPr>
+        <p:spPr/>
+        <p:txBody>
+          <a:bodyPr/>
+          <a:lstStyle/>
+          <a:p>
+            <a:r>
+              <a:rPr lang="en-US" altLang="ja-JP" smtClean="0"/>
+              <a:t>R</a:t>
+            </a:r>
+            <a:r>
+              <a:rPr lang="ja-JP" altLang="en-US" smtClean="0"/>
+              <a:t> </a:t>
+            </a:r>
+            <a:r>
+              <a:rPr lang="en-US" altLang="ja-JP" smtClean="0"/>
+              <a:t>for</a:t>
+            </a:r>
+            <a:r>
+              <a:rPr lang="ja-JP" altLang="en-US" smtClean="0"/>
+              <a:t> </a:t>
+            </a:r>
+            <a:r>
+              <a:rPr lang="en-US" altLang="ja-JP" smtClean="0"/>
+              <a:t>Pharmacometrics</a:t>
+            </a:r>
+            <a:endParaRPr lang="ja-JP" altLang="en-US" dirty="0" smtClean="0"/>
+          </a:p>
+        </p:txBody>
+      </p:sp>
+      <p:sp>
+        <p:nvSpPr>
+          <p:cNvPr id="5" name="スライド番号プレースホルダー 4"/>
+          <p:cNvSpPr>
+            <a:spLocks noGrp="1"/>
+          </p:cNvSpPr>
+          <p:nvPr>
+            <p:ph type="sldNum" sz="quarter" idx="12"/>
+          </p:nvPr>
+        </p:nvSpPr>
+        <p:spPr/>
+        <p:txBody>
+          <a:bodyPr/>
+          <a:lstStyle/>
+          <a:p>
+            <a:fld id="{93256357-0251-4953-A9B8-633A05DE8E91}" type="slidenum">
+              <a:rPr kumimoji="1" lang="ja-JP" altLang="en-US" smtClean="0"/>
+              <a:t>25</a:t>
+            </a:fld>
+            <a:endParaRPr kumimoji="1" lang="ja-JP" altLang="en-US"/>
+          </a:p>
+        </p:txBody>
+      </p:sp>
+      <p:pic>
+        <p:nvPicPr>
+          <p:cNvPr id="9" name="図 8"/>
+          <p:cNvPicPr>
+            <a:picLocks noChangeAspect="1"/>
+          </p:cNvPicPr>
+          <p:nvPr/>
+        </p:nvPicPr>
+        <p:blipFill rotWithShape="1">
+          <a:blip r:embed="rId2" cstate="print">
+            <a:extLst>
+              <a:ext uri="{28A0092B-C50C-407E-A947-70E740481C1C}">
+                <a14:useLocalDpi xmlns:a14="http://schemas.microsoft.com/office/drawing/2010/main" val="0"/>
+              </a:ext>
+            </a:extLst>
+          </a:blip>
+          <a:srcRect/>
+          <a:stretch/>
+        </p:blipFill>
+        <p:spPr>
+          <a:xfrm>
+            <a:off x="1623060" y="686480"/>
+            <a:ext cx="8580119" cy="5842544"/>
+          </a:xfrm>
+          <a:prstGeom prst="rect">
+            <a:avLst/>
+          </a:prstGeom>
+        </p:spPr>
+      </p:pic>
+      <p:sp>
+        <p:nvSpPr>
+          <p:cNvPr id="8" name="右矢印 7"/>
+          <p:cNvSpPr/>
+          <p:nvPr/>
+        </p:nvSpPr>
+        <p:spPr>
+          <a:xfrm rot="5400000">
+            <a:off x="3024142" y="628923"/>
+            <a:ext cx="908050" cy="496025"/>
+          </a:xfrm>
+          <a:prstGeom prst="rightArrow">
+            <a:avLst/>
+          </a:prstGeom>
+          <a:solidFill>
+            <a:schemeClr val="accent4"/>
+          </a:solidFill>
+          <a:ln>
+            <a:solidFill>
+              <a:schemeClr val="accent2"/>
+            </a:solidFill>
+          </a:ln>
+        </p:spPr>
+        <p:style>
+          <a:lnRef idx="2">
+            <a:schemeClr val="accent1">
+              <a:shade val="50000"/>
+            </a:schemeClr>
+          </a:lnRef>
+          <a:fillRef idx="1">
+            <a:schemeClr val="accent1"/>
+          </a:fillRef>
+          <a:effectRef idx="0">
+            <a:schemeClr val="accent1"/>
+          </a:effectRef>
+          <a:fontRef idx="minor">
+            <a:schemeClr val="lt1"/>
+          </a:fontRef>
+        </p:style>
+        <p:txBody>
+          <a:bodyPr rtlCol="0" anchor="ctr"/>
+          <a:lstStyle/>
+          <a:p>
+            <a:pPr algn="ctr"/>
+            <a:endParaRPr kumimoji="1" lang="ja-JP" altLang="en-US"/>
+          </a:p>
+        </p:txBody>
+      </p:sp>
+      <p:sp>
+        <p:nvSpPr>
+          <p:cNvPr id="14" name="右矢印 13"/>
+          <p:cNvSpPr/>
+          <p:nvPr/>
+        </p:nvSpPr>
+        <p:spPr>
+          <a:xfrm rot="10800000">
+            <a:off x="4753884" y="1832883"/>
+            <a:ext cx="908050" cy="496025"/>
+          </a:xfrm>
+          <a:prstGeom prst="rightArrow">
+            <a:avLst/>
+          </a:prstGeom>
+          <a:solidFill>
+            <a:schemeClr val="accent4"/>
+          </a:solidFill>
+          <a:ln>
+            <a:solidFill>
+              <a:schemeClr val="accent2"/>
+            </a:solidFill>
+          </a:ln>
+        </p:spPr>
+        <p:style>
+          <a:lnRef idx="2">
+            <a:schemeClr val="accent1">
+              <a:shade val="50000"/>
+            </a:schemeClr>
+          </a:lnRef>
+          <a:fillRef idx="1">
+            <a:schemeClr val="accent1"/>
+          </a:fillRef>
+          <a:effectRef idx="0">
+            <a:schemeClr val="accent1"/>
+          </a:effectRef>
+          <a:fontRef idx="minor">
+            <a:schemeClr val="lt1"/>
+          </a:fontRef>
+        </p:style>
+        <p:txBody>
+          <a:bodyPr rtlCol="0" anchor="ctr"/>
+          <a:lstStyle/>
+          <a:p>
+            <a:pPr algn="ctr"/>
+            <a:endParaRPr kumimoji="1" lang="ja-JP" altLang="en-US"/>
+          </a:p>
+        </p:txBody>
+      </p:sp>
+      <p:sp>
+        <p:nvSpPr>
+          <p:cNvPr id="15" name="テキスト ボックス 14"/>
+          <p:cNvSpPr txBox="1"/>
+          <p:nvPr/>
+        </p:nvSpPr>
+        <p:spPr>
+          <a:xfrm>
+            <a:off x="5941382" y="4731352"/>
+            <a:ext cx="4891917" cy="523220"/>
+          </a:xfrm>
+          <a:prstGeom prst="rect">
+            <a:avLst/>
+          </a:prstGeom>
+          <a:solidFill>
+            <a:schemeClr val="tx2"/>
+          </a:solidFill>
+        </p:spPr>
+        <p:txBody>
+          <a:bodyPr wrap="none" rtlCol="0">
+            <a:spAutoFit/>
+          </a:bodyPr>
+          <a:lstStyle/>
+          <a:p>
+            <a:r>
+              <a:rPr kumimoji="1" lang="en-US" altLang="ja-JP" sz="2800" b="1" dirty="0" smtClean="0">
+                <a:solidFill>
+                  <a:srgbClr val="FFC000"/>
+                </a:solidFill>
+              </a:rPr>
+              <a:t>R</a:t>
+            </a:r>
+            <a:r>
+              <a:rPr kumimoji="1" lang="ja-JP" altLang="en-US" sz="2800" b="1" dirty="0" smtClean="0">
+                <a:solidFill>
+                  <a:srgbClr val="FFC000"/>
+                </a:solidFill>
+              </a:rPr>
+              <a:t> </a:t>
+            </a:r>
+            <a:r>
+              <a:rPr kumimoji="1" lang="en-US" altLang="ja-JP" sz="2800" b="1" dirty="0" smtClean="0">
+                <a:solidFill>
+                  <a:srgbClr val="FFC000"/>
+                </a:solidFill>
+              </a:rPr>
+              <a:t>Markdown</a:t>
+            </a:r>
+            <a:r>
+              <a:rPr kumimoji="1" lang="ja-JP" altLang="en-US" sz="2800" b="1" dirty="0" smtClean="0">
+                <a:solidFill>
+                  <a:srgbClr val="FFC000"/>
+                </a:solidFill>
+              </a:rPr>
+              <a:t>を選択してください</a:t>
+            </a:r>
+            <a:endParaRPr kumimoji="1" lang="ja-JP" altLang="en-US" sz="2800" b="1" dirty="0">
+              <a:solidFill>
+                <a:srgbClr val="FFC000"/>
+              </a:solidFill>
+            </a:endParaRPr>
+          </a:p>
+        </p:txBody>
+      </p:sp>
+    </p:spTree>
+    <p:extLst>
+      <p:ext uri="{BB962C8B-B14F-4D97-AF65-F5344CB8AC3E}">
+        <p14:creationId xmlns:p14="http://schemas.microsoft.com/office/powerpoint/2010/main" val="1082713932"/>
+      </p:ext>
+    </p:extLst>
+  </p:cSld>
+  <p:clrMapOvr>
+    <a:masterClrMapping/>
+  </p:clrMapOvr>
+</p:sld>
+</file>
+
+<file path=ppt/slides/slide26.xml><?xml version="1.0" encoding="utf-8"?>
+<p:sld xmlns:a="http://schemas.openxmlformats.org/drawingml/2006/main" xmlns:r="http://schemas.openxmlformats.org/officeDocument/2006/relationships" xmlns:p="http://schemas.openxmlformats.org/presentationml/2006/main">
+  <p:cSld>
+    <p:spTree>
+      <p:nvGrpSpPr>
+        <p:cNvPr id="1" name=""/>
+        <p:cNvGrpSpPr/>
+        <p:nvPr/>
+      </p:nvGrpSpPr>
+      <p:grpSpPr>
+        <a:xfrm>
+          <a:off x="0" y="0"/>
+          <a:ext cx="0" cy="0"/>
+          <a:chOff x="0" y="0"/>
+          <a:chExt cx="0" cy="0"/>
+        </a:xfrm>
+      </p:grpSpPr>
+      <p:sp>
+        <p:nvSpPr>
+          <p:cNvPr id="2" name="タイトル 1"/>
+          <p:cNvSpPr>
+            <a:spLocks noGrp="1"/>
+          </p:cNvSpPr>
+          <p:nvPr>
+            <p:ph type="title"/>
+          </p:nvPr>
+        </p:nvSpPr>
+        <p:spPr/>
+        <p:txBody>
+          <a:bodyPr/>
+          <a:lstStyle/>
+          <a:p>
+            <a:r>
+              <a:rPr kumimoji="1" lang="en-US" altLang="ja-JP" b="1" dirty="0" err="1" smtClean="0">
+                <a:solidFill>
+                  <a:schemeClr val="tx1">
+                    <a:lumMod val="50000"/>
+                    <a:lumOff val="50000"/>
+                  </a:schemeClr>
+                </a:solidFill>
+              </a:rPr>
+              <a:t>Rstudio</a:t>
+            </a:r>
+            <a:r>
+              <a:rPr kumimoji="1" lang="en-US" altLang="ja-JP" b="1" dirty="0" smtClean="0">
+                <a:solidFill>
+                  <a:schemeClr val="tx1">
+                    <a:lumMod val="50000"/>
+                    <a:lumOff val="50000"/>
+                  </a:schemeClr>
+                </a:solidFill>
+              </a:rPr>
+              <a:t> cloud</a:t>
+            </a:r>
+            <a:endParaRPr kumimoji="1" lang="ja-JP" altLang="en-US" b="1" dirty="0">
+              <a:solidFill>
+                <a:schemeClr val="tx1">
+                  <a:lumMod val="50000"/>
+                  <a:lumOff val="50000"/>
+                </a:schemeClr>
+              </a:solidFill>
+            </a:endParaRPr>
+          </a:p>
+        </p:txBody>
+      </p:sp>
+      <p:sp>
+        <p:nvSpPr>
+          <p:cNvPr id="3" name="コンテンツ プレースホルダー 2"/>
+          <p:cNvSpPr>
+            <a:spLocks noGrp="1"/>
+          </p:cNvSpPr>
+          <p:nvPr>
+            <p:ph idx="1"/>
+          </p:nvPr>
+        </p:nvSpPr>
+        <p:spPr>
+          <a:xfrm>
+            <a:off x="838200" y="1825625"/>
+            <a:ext cx="10515600" cy="4783604"/>
+          </a:xfrm>
+        </p:spPr>
+        <p:txBody>
+          <a:bodyPr>
+            <a:normAutofit/>
+          </a:bodyPr>
+          <a:lstStyle/>
+          <a:p>
+            <a:r>
+              <a:rPr lang="ja-JP" altLang="en-US" dirty="0"/>
+              <a:t>今日</a:t>
+            </a:r>
+            <a:r>
+              <a:rPr lang="ja-JP" altLang="en-US" dirty="0" smtClean="0"/>
+              <a:t>は</a:t>
+            </a:r>
+            <a:r>
+              <a:rPr lang="en-US" altLang="ja-JP" dirty="0" err="1" smtClean="0"/>
+              <a:t>Rstudio</a:t>
+            </a:r>
+            <a:r>
+              <a:rPr lang="en-US" altLang="ja-JP" dirty="0" smtClean="0"/>
+              <a:t> cloud free</a:t>
+            </a:r>
+            <a:r>
+              <a:rPr lang="ja-JP" altLang="en-US" dirty="0" smtClean="0"/>
+              <a:t>でセミナーを行います</a:t>
+            </a:r>
+            <a:endParaRPr lang="en-US" altLang="ja-JP" dirty="0" smtClean="0"/>
+          </a:p>
+          <a:p>
+            <a:r>
+              <a:rPr kumimoji="1" lang="en-US" altLang="ja-JP" dirty="0" smtClean="0"/>
+              <a:t>15 project</a:t>
+            </a:r>
+            <a:r>
+              <a:rPr kumimoji="1" lang="ja-JP" altLang="en-US" dirty="0" err="1" smtClean="0"/>
+              <a:t>まで</a:t>
+            </a:r>
+            <a:r>
+              <a:rPr kumimoji="1" lang="ja-JP" altLang="en-US" dirty="0" smtClean="0"/>
+              <a:t>使用可能</a:t>
+            </a:r>
+            <a:endParaRPr kumimoji="1" lang="en-US" altLang="ja-JP" dirty="0" smtClean="0"/>
+          </a:p>
+          <a:p>
+            <a:r>
+              <a:rPr lang="en-US" altLang="ja-JP" dirty="0" smtClean="0"/>
+              <a:t>15 project hours per month</a:t>
+            </a:r>
+            <a:r>
+              <a:rPr lang="ja-JP" altLang="en-US" dirty="0" smtClean="0"/>
+              <a:t>の使用制限</a:t>
+            </a:r>
+            <a:endParaRPr lang="en-US" altLang="ja-JP" dirty="0" smtClean="0"/>
+          </a:p>
+          <a:p>
+            <a:r>
+              <a:rPr kumimoji="1" lang="ja-JP" altLang="en-US" dirty="0" smtClean="0"/>
+              <a:t>登録作業時間短縮のため、あらかじめ作成していただいた</a:t>
+            </a:r>
+            <a:r>
+              <a:rPr kumimoji="1" lang="en-US" altLang="ja-JP" dirty="0" smtClean="0"/>
+              <a:t/>
+            </a:r>
+            <a:br>
+              <a:rPr kumimoji="1" lang="en-US" altLang="ja-JP" dirty="0" smtClean="0"/>
+            </a:br>
+            <a:r>
+              <a:rPr kumimoji="1" lang="en-US" altLang="ja-JP" dirty="0" smtClean="0"/>
+              <a:t>Google</a:t>
+            </a:r>
+            <a:r>
+              <a:rPr kumimoji="1" lang="ja-JP" altLang="en-US" dirty="0" smtClean="0"/>
+              <a:t>アカウントでサインインしてください</a:t>
+            </a:r>
+            <a:endParaRPr kumimoji="1" lang="en-US" altLang="ja-JP" dirty="0" smtClean="0"/>
+          </a:p>
+          <a:p>
+            <a:endParaRPr lang="en-US" altLang="ja-JP" dirty="0"/>
+          </a:p>
+          <a:p>
+            <a:pPr marL="0" indent="0">
+              <a:buNone/>
+            </a:pPr>
+            <a:r>
+              <a:rPr lang="ja-JP" altLang="en-US" dirty="0" smtClean="0"/>
+              <a:t>　</a:t>
+            </a:r>
+            <a:r>
+              <a:rPr lang="en-US" altLang="ja-JP" dirty="0" smtClean="0"/>
+              <a:t>https</a:t>
+            </a:r>
+            <a:r>
+              <a:rPr lang="en-US" altLang="ja-JP" dirty="0"/>
+              <a:t>://rstudio.cloud/project/1573510</a:t>
+            </a:r>
+            <a:endParaRPr kumimoji="1" lang="en-US" altLang="ja-JP" dirty="0" smtClean="0"/>
+          </a:p>
+          <a:p>
+            <a:endParaRPr kumimoji="1" lang="en-US" altLang="ja-JP" dirty="0" smtClean="0"/>
+          </a:p>
+        </p:txBody>
+      </p:sp>
+      <p:sp>
+        <p:nvSpPr>
+          <p:cNvPr id="4" name="フッター プレースホルダー 3"/>
+          <p:cNvSpPr>
+            <a:spLocks noGrp="1"/>
+          </p:cNvSpPr>
+          <p:nvPr>
+            <p:ph type="ftr" sz="quarter" idx="11"/>
+          </p:nvPr>
+        </p:nvSpPr>
+        <p:spPr/>
+        <p:txBody>
+          <a:bodyPr/>
+          <a:lstStyle/>
+          <a:p>
+            <a:r>
+              <a:rPr lang="en-US" altLang="ja-JP" smtClean="0"/>
+              <a:t>R</a:t>
+            </a:r>
+            <a:r>
+              <a:rPr lang="ja-JP" altLang="en-US" smtClean="0"/>
+              <a:t> </a:t>
+            </a:r>
+            <a:r>
+              <a:rPr lang="en-US" altLang="ja-JP" smtClean="0"/>
+              <a:t>for</a:t>
+            </a:r>
+            <a:r>
+              <a:rPr lang="ja-JP" altLang="en-US" smtClean="0"/>
+              <a:t> </a:t>
+            </a:r>
+            <a:r>
+              <a:rPr lang="en-US" altLang="ja-JP" smtClean="0"/>
+              <a:t>Pharmacometrics</a:t>
+            </a:r>
+            <a:endParaRPr lang="ja-JP" altLang="en-US" dirty="0" smtClean="0"/>
+          </a:p>
+        </p:txBody>
+      </p:sp>
+      <p:sp>
+        <p:nvSpPr>
+          <p:cNvPr id="5" name="スライド番号プレースホルダー 4"/>
+          <p:cNvSpPr>
+            <a:spLocks noGrp="1"/>
+          </p:cNvSpPr>
+          <p:nvPr>
+            <p:ph type="sldNum" sz="quarter" idx="12"/>
+          </p:nvPr>
+        </p:nvSpPr>
+        <p:spPr/>
+        <p:txBody>
+          <a:bodyPr/>
+          <a:lstStyle/>
+          <a:p>
+            <a:fld id="{93256357-0251-4953-A9B8-633A05DE8E91}" type="slidenum">
+              <a:rPr kumimoji="1" lang="ja-JP" altLang="en-US" smtClean="0"/>
+              <a:t>26</a:t>
+            </a:fld>
+            <a:endParaRPr kumimoji="1" lang="ja-JP" altLang="en-US"/>
+          </a:p>
+        </p:txBody>
+      </p:sp>
+    </p:spTree>
+    <p:extLst>
+      <p:ext uri="{BB962C8B-B14F-4D97-AF65-F5344CB8AC3E}">
+        <p14:creationId xmlns:p14="http://schemas.microsoft.com/office/powerpoint/2010/main" val="3589142382"/>
+      </p:ext>
+    </p:extLst>
+  </p:cSld>
+  <p:clrMapOvr>
+    <a:masterClrMapping/>
+  </p:clrMapOvr>
+</p:sld>
+</file>
+
+<file path=ppt/slides/slide27.xml><?xml version="1.0" encoding="utf-8"?>
+<p:sld xmlns:a="http://schemas.openxmlformats.org/drawingml/2006/main" xmlns:r="http://schemas.openxmlformats.org/officeDocument/2006/relationships" xmlns:p="http://schemas.openxmlformats.org/presentationml/2006/main">
+  <p:cSld>
+    <p:spTree>
+      <p:nvGrpSpPr>
+        <p:cNvPr id="1" name=""/>
+        <p:cNvGrpSpPr/>
+        <p:nvPr/>
+      </p:nvGrpSpPr>
+      <p:grpSpPr>
+        <a:xfrm>
+          <a:off x="0" y="0"/>
+          <a:ext cx="0" cy="0"/>
+          <a:chOff x="0" y="0"/>
+          <a:chExt cx="0" cy="0"/>
+        </a:xfrm>
+      </p:grpSpPr>
+      <p:sp>
+        <p:nvSpPr>
+          <p:cNvPr id="2" name="タイトル 1"/>
+          <p:cNvSpPr>
+            <a:spLocks noGrp="1"/>
+          </p:cNvSpPr>
+          <p:nvPr>
+            <p:ph type="title"/>
+          </p:nvPr>
+        </p:nvSpPr>
+        <p:spPr/>
+        <p:txBody>
+          <a:bodyPr/>
+          <a:lstStyle/>
+          <a:p>
+            <a:endParaRPr kumimoji="1" lang="ja-JP" altLang="en-US"/>
+          </a:p>
+        </p:txBody>
+      </p:sp>
+      <p:pic>
+        <p:nvPicPr>
+          <p:cNvPr id="7" name="コンテンツ プレースホルダー 6" descr="画面の領域"/>
+          <p:cNvPicPr>
+            <a:picLocks noGrp="1" noChangeAspect="1"/>
+          </p:cNvPicPr>
+          <p:nvPr>
+            <p:ph idx="1"/>
+          </p:nvPr>
+        </p:nvPicPr>
+        <p:blipFill>
+          <a:blip r:embed="rId2">
+            <a:extLst>
+              <a:ext uri="{28A0092B-C50C-407E-A947-70E740481C1C}">
+                <a14:useLocalDpi xmlns:a14="http://schemas.microsoft.com/office/drawing/2010/main" val="0"/>
+              </a:ext>
+            </a:extLst>
+          </a:blip>
+          <a:stretch>
+            <a:fillRect/>
+          </a:stretch>
+        </p:blipFill>
+        <p:spPr>
+          <a:xfrm>
+            <a:off x="9265797" y="3951687"/>
+            <a:ext cx="2827265" cy="1767993"/>
+          </a:xfrm>
+        </p:spPr>
+      </p:pic>
+      <p:sp>
+        <p:nvSpPr>
+          <p:cNvPr id="4" name="フッター プレースホルダー 3"/>
+          <p:cNvSpPr>
+            <a:spLocks noGrp="1"/>
+          </p:cNvSpPr>
+          <p:nvPr>
+            <p:ph type="ftr" sz="quarter" idx="11"/>
+          </p:nvPr>
+        </p:nvSpPr>
+        <p:spPr/>
+        <p:txBody>
+          <a:bodyPr/>
+          <a:lstStyle/>
+          <a:p>
+            <a:r>
+              <a:rPr lang="en-US" altLang="ja-JP" smtClean="0"/>
+              <a:t>R</a:t>
+            </a:r>
+            <a:r>
+              <a:rPr lang="ja-JP" altLang="en-US" smtClean="0"/>
+              <a:t> </a:t>
+            </a:r>
+            <a:r>
+              <a:rPr lang="en-US" altLang="ja-JP" smtClean="0"/>
+              <a:t>for</a:t>
+            </a:r>
+            <a:r>
+              <a:rPr lang="ja-JP" altLang="en-US" smtClean="0"/>
+              <a:t> </a:t>
+            </a:r>
+            <a:r>
+              <a:rPr lang="en-US" altLang="ja-JP" smtClean="0"/>
+              <a:t>Pharmacometrics</a:t>
+            </a:r>
+            <a:endParaRPr lang="ja-JP" altLang="en-US" dirty="0" smtClean="0"/>
+          </a:p>
+        </p:txBody>
+      </p:sp>
+      <p:sp>
+        <p:nvSpPr>
+          <p:cNvPr id="5" name="スライド番号プレースホルダー 4"/>
+          <p:cNvSpPr>
+            <a:spLocks noGrp="1"/>
+          </p:cNvSpPr>
+          <p:nvPr>
+            <p:ph type="sldNum" sz="quarter" idx="12"/>
+          </p:nvPr>
+        </p:nvSpPr>
+        <p:spPr/>
+        <p:txBody>
+          <a:bodyPr/>
+          <a:lstStyle/>
+          <a:p>
+            <a:fld id="{93256357-0251-4953-A9B8-633A05DE8E91}" type="slidenum">
+              <a:rPr kumimoji="1" lang="ja-JP" altLang="en-US" smtClean="0"/>
+              <a:t>27</a:t>
+            </a:fld>
+            <a:endParaRPr kumimoji="1" lang="ja-JP" altLang="en-US"/>
+          </a:p>
+        </p:txBody>
+      </p:sp>
+      <p:pic>
+        <p:nvPicPr>
+          <p:cNvPr id="8" name="図 7" descr="画面の領域"/>
+          <p:cNvPicPr>
+            <a:picLocks noChangeAspect="1"/>
+          </p:cNvPicPr>
+          <p:nvPr/>
+        </p:nvPicPr>
+        <p:blipFill>
+          <a:blip r:embed="rId3">
+            <a:extLst>
+              <a:ext uri="{28A0092B-C50C-407E-A947-70E740481C1C}">
+                <a14:useLocalDpi xmlns:a14="http://schemas.microsoft.com/office/drawing/2010/main" val="0"/>
+              </a:ext>
+            </a:extLst>
+          </a:blip>
+          <a:stretch>
+            <a:fillRect/>
+          </a:stretch>
+        </p:blipFill>
+        <p:spPr>
+          <a:xfrm>
+            <a:off x="6788676" y="2698195"/>
+            <a:ext cx="4618120" cy="243861"/>
+          </a:xfrm>
+          <a:prstGeom prst="rect">
+            <a:avLst/>
+          </a:prstGeom>
+        </p:spPr>
+      </p:pic>
+      <p:pic>
+        <p:nvPicPr>
+          <p:cNvPr id="9" name="コンテンツ プレースホルダー 6" descr="画面の領域"/>
+          <p:cNvPicPr>
+            <a:picLocks noChangeAspect="1"/>
+          </p:cNvPicPr>
+          <p:nvPr/>
+        </p:nvPicPr>
+        <p:blipFill>
+          <a:blip r:embed="rId4">
+            <a:extLst>
+              <a:ext uri="{28A0092B-C50C-407E-A947-70E740481C1C}">
+                <a14:useLocalDpi xmlns:a14="http://schemas.microsoft.com/office/drawing/2010/main" val="0"/>
+              </a:ext>
+            </a:extLst>
+          </a:blip>
+          <a:stretch>
+            <a:fillRect/>
+          </a:stretch>
+        </p:blipFill>
+        <p:spPr>
+          <a:xfrm>
+            <a:off x="1110343" y="588992"/>
+            <a:ext cx="7445828" cy="5016834"/>
+          </a:xfrm>
+          <a:prstGeom prst="rect">
+            <a:avLst/>
+          </a:prstGeom>
+        </p:spPr>
+      </p:pic>
+    </p:spTree>
+    <p:extLst>
+      <p:ext uri="{BB962C8B-B14F-4D97-AF65-F5344CB8AC3E}">
+        <p14:creationId xmlns:p14="http://schemas.microsoft.com/office/powerpoint/2010/main" val="2909381470"/>
       </p:ext>
     </p:extLst>
   </p:cSld>
@@ -6105,7 +11675,7 @@
       </p:sp>
       <p:pic>
         <p:nvPicPr>
-          <p:cNvPr id="7" name="図 6"/>
+          <p:cNvPr id="6" name="図 5"/>
           <p:cNvPicPr>
             <a:picLocks noChangeAspect="1"/>
           </p:cNvPicPr>
@@ -6119,8 +11689,8 @@
         </p:blipFill>
         <p:spPr>
           <a:xfrm>
-            <a:off x="1412112" y="219580"/>
-            <a:ext cx="8947230" cy="6127692"/>
+            <a:off x="1167663" y="127323"/>
+            <a:ext cx="9431001" cy="6459012"/>
           </a:xfrm>
           <a:prstGeom prst="rect">
             <a:avLst/>
@@ -6615,7 +12185,7 @@
         </p:nvSpPr>
         <p:spPr>
           <a:xfrm>
-            <a:off x="214952" y="6114382"/>
+            <a:off x="180662" y="6125812"/>
             <a:ext cx="3956532" cy="523220"/>
           </a:xfrm>
           <a:prstGeom prst="rect">
@@ -6679,6 +12249,180 @@
       </p:grpSpPr>
       <p:sp>
         <p:nvSpPr>
+          <p:cNvPr id="2" name="タイトル 1"/>
+          <p:cNvSpPr>
+            <a:spLocks noGrp="1"/>
+          </p:cNvSpPr>
+          <p:nvPr>
+            <p:ph type="title"/>
+          </p:nvPr>
+        </p:nvSpPr>
+        <p:spPr/>
+        <p:txBody>
+          <a:bodyPr/>
+          <a:lstStyle/>
+          <a:p>
+            <a:r>
+              <a:rPr kumimoji="1" lang="en-US" altLang="ja-JP" b="1" dirty="0" err="1" smtClean="0">
+                <a:solidFill>
+                  <a:schemeClr val="tx1">
+                    <a:lumMod val="50000"/>
+                    <a:lumOff val="50000"/>
+                  </a:schemeClr>
+                </a:solidFill>
+              </a:rPr>
+              <a:t>Rstudio</a:t>
+            </a:r>
+            <a:r>
+              <a:rPr kumimoji="1" lang="en-US" altLang="ja-JP" b="1" dirty="0" smtClean="0">
+                <a:solidFill>
+                  <a:schemeClr val="tx1">
+                    <a:lumMod val="50000"/>
+                    <a:lumOff val="50000"/>
+                  </a:schemeClr>
+                </a:solidFill>
+              </a:rPr>
+              <a:t> cloud</a:t>
+            </a:r>
+            <a:endParaRPr kumimoji="1" lang="ja-JP" altLang="en-US" b="1" dirty="0">
+              <a:solidFill>
+                <a:schemeClr val="tx1">
+                  <a:lumMod val="50000"/>
+                  <a:lumOff val="50000"/>
+                </a:schemeClr>
+              </a:solidFill>
+            </a:endParaRPr>
+          </a:p>
+        </p:txBody>
+      </p:sp>
+      <p:sp>
+        <p:nvSpPr>
+          <p:cNvPr id="3" name="コンテンツ プレースホルダー 2"/>
+          <p:cNvSpPr>
+            <a:spLocks noGrp="1"/>
+          </p:cNvSpPr>
+          <p:nvPr>
+            <p:ph idx="1"/>
+          </p:nvPr>
+        </p:nvSpPr>
+        <p:spPr>
+          <a:xfrm>
+            <a:off x="838200" y="1825625"/>
+            <a:ext cx="6250497" cy="4783604"/>
+          </a:xfrm>
+        </p:spPr>
+        <p:txBody>
+          <a:bodyPr>
+            <a:normAutofit/>
+          </a:bodyPr>
+          <a:lstStyle/>
+          <a:p>
+            <a:r>
+              <a:rPr lang="ja-JP" altLang="en-US" dirty="0"/>
+              <a:t>今日</a:t>
+            </a:r>
+            <a:r>
+              <a:rPr lang="ja-JP" altLang="en-US" dirty="0" smtClean="0"/>
+              <a:t>は</a:t>
+            </a:r>
+            <a:r>
+              <a:rPr lang="en-US" altLang="ja-JP" dirty="0" err="1" smtClean="0"/>
+              <a:t>Rstudio</a:t>
+            </a:r>
+            <a:r>
+              <a:rPr lang="en-US" altLang="ja-JP" dirty="0" smtClean="0"/>
+              <a:t> cloud free</a:t>
+            </a:r>
+            <a:r>
+              <a:rPr lang="ja-JP" altLang="en-US" dirty="0" smtClean="0"/>
+              <a:t>でセミナーを行います</a:t>
+            </a:r>
+            <a:endParaRPr lang="en-US" altLang="ja-JP" dirty="0" smtClean="0"/>
+          </a:p>
+          <a:p>
+            <a:r>
+              <a:rPr kumimoji="1" lang="en-US" altLang="ja-JP" dirty="0" smtClean="0"/>
+              <a:t>15 project</a:t>
+            </a:r>
+            <a:r>
+              <a:rPr kumimoji="1" lang="ja-JP" altLang="en-US" dirty="0" err="1" smtClean="0"/>
+              <a:t>まで</a:t>
+            </a:r>
+            <a:r>
+              <a:rPr kumimoji="1" lang="ja-JP" altLang="en-US" dirty="0" smtClean="0"/>
+              <a:t>使用可能</a:t>
+            </a:r>
+            <a:endParaRPr kumimoji="1" lang="en-US" altLang="ja-JP" dirty="0" smtClean="0"/>
+          </a:p>
+          <a:p>
+            <a:r>
+              <a:rPr lang="en-US" altLang="ja-JP" dirty="0" smtClean="0"/>
+              <a:t>15 project hours per month</a:t>
+            </a:r>
+            <a:r>
+              <a:rPr lang="ja-JP" altLang="en-US" dirty="0" smtClean="0"/>
+              <a:t>の使用制限</a:t>
+            </a:r>
+            <a:endParaRPr lang="en-US" altLang="ja-JP" dirty="0" smtClean="0"/>
+          </a:p>
+          <a:p>
+            <a:r>
+              <a:rPr kumimoji="1" lang="ja-JP" altLang="en-US" dirty="0" smtClean="0"/>
+              <a:t>あらかじめ作成していただいた</a:t>
+            </a:r>
+            <a:r>
+              <a:rPr kumimoji="1" lang="en-US" altLang="ja-JP" dirty="0" smtClean="0"/>
+              <a:t/>
+            </a:r>
+            <a:br>
+              <a:rPr kumimoji="1" lang="en-US" altLang="ja-JP" dirty="0" smtClean="0"/>
+            </a:br>
+            <a:r>
+              <a:rPr kumimoji="1" lang="en-US" altLang="ja-JP" dirty="0" smtClean="0"/>
+              <a:t>Google</a:t>
+            </a:r>
+            <a:r>
+              <a:rPr kumimoji="1" lang="ja-JP" altLang="en-US" dirty="0" smtClean="0"/>
+              <a:t>アカウントで</a:t>
+            </a:r>
+            <a:r>
+              <a:rPr kumimoji="1" lang="en-US" altLang="ja-JP" dirty="0" smtClean="0"/>
+              <a:t/>
+            </a:r>
+            <a:br>
+              <a:rPr kumimoji="1" lang="en-US" altLang="ja-JP" dirty="0" smtClean="0"/>
+            </a:br>
+            <a:r>
+              <a:rPr kumimoji="1" lang="ja-JP" altLang="en-US" dirty="0" smtClean="0"/>
+              <a:t>サインインしてください</a:t>
+            </a:r>
+            <a:endParaRPr kumimoji="1" lang="en-US" altLang="ja-JP" dirty="0" smtClean="0"/>
+          </a:p>
+          <a:p>
+            <a:pPr marL="0" indent="0">
+              <a:buNone/>
+            </a:pPr>
+            <a:r>
+              <a:rPr lang="ja-JP" altLang="en-US" dirty="0" smtClean="0"/>
+              <a:t>　</a:t>
+            </a:r>
+            <a:r>
+              <a:rPr lang="en-US" altLang="ja-JP" dirty="0" smtClean="0"/>
+              <a:t>https</a:t>
+            </a:r>
+            <a:r>
+              <a:rPr lang="en-US" altLang="ja-JP" dirty="0"/>
+              <a:t>://rstudio.cloud/project/1573510</a:t>
+            </a:r>
+            <a:endParaRPr kumimoji="1" lang="en-US" altLang="ja-JP" dirty="0" smtClean="0"/>
+          </a:p>
+          <a:p>
+            <a:endParaRPr kumimoji="1" lang="en-US" altLang="ja-JP" dirty="0" smtClean="0"/>
+          </a:p>
+        </p:txBody>
+      </p:sp>
+      <p:sp>
+        <p:nvSpPr>
           <p:cNvPr id="4" name="フッター プレースホルダー 3"/>
           <p:cNvSpPr>
             <a:spLocks noGrp="1"/>
@@ -6741,225 +12485,60 @@
       </p:sp>
       <p:pic>
         <p:nvPicPr>
-          <p:cNvPr id="7" name="図 6"/>
+          <p:cNvPr id="6" name="図 5" descr="画面の領域"/>
           <p:cNvPicPr>
             <a:picLocks noChangeAspect="1"/>
           </p:cNvPicPr>
           <p:nvPr/>
         </p:nvPicPr>
         <p:blipFill>
-          <a:blip r:embed="rId2"/>
+          <a:blip r:embed="rId2">
+            <a:extLst>
+              <a:ext uri="{28A0092B-C50C-407E-A947-70E740481C1C}">
+                <a14:useLocalDpi xmlns:a14="http://schemas.microsoft.com/office/drawing/2010/main" val="0"/>
+              </a:ext>
+            </a:extLst>
+          </a:blip>
           <a:stretch>
             <a:fillRect/>
           </a:stretch>
         </p:blipFill>
         <p:spPr>
           <a:xfrm>
-            <a:off x="1167663" y="127323"/>
-            <a:ext cx="9431001" cy="6459012"/>
+            <a:off x="6937830" y="447894"/>
+            <a:ext cx="5085098" cy="5947973"/>
           </a:xfrm>
           <a:prstGeom prst="rect">
             <a:avLst/>
           </a:prstGeom>
-        </p:spPr>
-      </p:pic>
-      <p:sp>
-        <p:nvSpPr>
-          <p:cNvPr id="10" name="角丸四角形 9"/>
-          <p:cNvSpPr/>
-          <p:nvPr/>
-        </p:nvSpPr>
-        <p:spPr>
-          <a:xfrm>
-            <a:off x="763929" y="3958542"/>
-            <a:ext cx="6123008" cy="2812648"/>
-          </a:xfrm>
-          <a:prstGeom prst="roundRect">
-            <a:avLst>
-              <a:gd name="adj" fmla="val 6239"/>
-            </a:avLst>
-          </a:prstGeom>
-          <a:noFill/>
-          <a:ln w="57150">
+          <a:ln>
             <a:solidFill>
-              <a:schemeClr val="accent4">
-                <a:lumMod val="60000"/>
-                <a:lumOff val="40000"/>
+              <a:schemeClr val="tx1">
+                <a:lumMod val="50000"/>
+                <a:lumOff val="50000"/>
               </a:schemeClr>
             </a:solidFill>
           </a:ln>
         </p:spPr>
-        <p:style>
-          <a:lnRef idx="2">
-            <a:schemeClr val="accent1">
-              <a:shade val="50000"/>
-            </a:schemeClr>
-          </a:lnRef>
-          <a:fillRef idx="1">
-            <a:schemeClr val="accent1"/>
-          </a:fillRef>
-          <a:effectRef idx="0">
-            <a:schemeClr val="accent1"/>
-          </a:effectRef>
-          <a:fontRef idx="minor">
-            <a:schemeClr val="lt1"/>
-          </a:fontRef>
-        </p:style>
-        <p:txBody>
-          <a:bodyPr rtlCol="0" anchor="ctr"/>
-          <a:lstStyle/>
-          <a:p>
-            <a:pPr algn="ctr"/>
-            <a:endParaRPr kumimoji="1" lang="ja-JP" altLang="en-US"/>
-          </a:p>
-        </p:txBody>
-      </p:sp>
-      <p:sp>
-        <p:nvSpPr>
-          <p:cNvPr id="11" name="テキスト ボックス 10"/>
-          <p:cNvSpPr txBox="1"/>
+      </p:pic>
+      <p:sp>
+        <p:nvSpPr>
+          <p:cNvPr id="7" name="右矢印 6"/>
+          <p:cNvSpPr/>
           <p:nvPr/>
         </p:nvSpPr>
         <p:spPr>
           <a:xfrm>
-            <a:off x="2551109" y="5128605"/>
-            <a:ext cx="2501006" cy="523220"/>
+            <a:off x="6705600" y="3541486"/>
+            <a:ext cx="1538515" cy="566057"/>
           </a:xfrm>
-          <a:prstGeom prst="rect">
+          <a:prstGeom prst="rightArrow">
             <a:avLst/>
           </a:prstGeom>
           <a:solidFill>
-            <a:schemeClr val="tx2"/>
+            <a:schemeClr val="accent4"/>
           </a:solidFill>
-        </p:spPr>
-        <p:txBody>
-          <a:bodyPr wrap="none" rtlCol="0">
-            <a:spAutoFit/>
-          </a:bodyPr>
-          <a:lstStyle/>
-          <a:p>
-            <a:r>
-              <a:rPr kumimoji="1" lang="ja-JP" altLang="en-US" sz="2800" b="1" dirty="0" smtClean="0">
-                <a:solidFill>
-                  <a:srgbClr val="FFC000"/>
-                </a:solidFill>
-              </a:rPr>
-              <a:t>コンソール画面</a:t>
-            </a:r>
-            <a:endParaRPr kumimoji="1" lang="ja-JP" altLang="en-US" sz="2800" b="1" dirty="0">
-              <a:solidFill>
-                <a:srgbClr val="FFC000"/>
-              </a:solidFill>
-            </a:endParaRPr>
-          </a:p>
-        </p:txBody>
-      </p:sp>
-      <p:sp>
-        <p:nvSpPr>
-          <p:cNvPr id="12" name="角丸四角形 11"/>
-          <p:cNvSpPr/>
-          <p:nvPr/>
-        </p:nvSpPr>
-        <p:spPr>
-          <a:xfrm>
-            <a:off x="802398" y="1008528"/>
-            <a:ext cx="5941302" cy="2879629"/>
-          </a:xfrm>
-          <a:prstGeom prst="roundRect">
-            <a:avLst>
-              <a:gd name="adj" fmla="val 6239"/>
-            </a:avLst>
-          </a:prstGeom>
-          <a:noFill/>
-          <a:ln w="57150">
-            <a:solidFill>
-              <a:schemeClr val="accent6"/>
-            </a:solidFill>
-          </a:ln>
-        </p:spPr>
-        <p:style>
-          <a:lnRef idx="2">
-            <a:schemeClr val="accent1">
-              <a:shade val="50000"/>
-            </a:schemeClr>
-          </a:lnRef>
-          <a:fillRef idx="1">
-            <a:schemeClr val="accent1"/>
-          </a:fillRef>
-          <a:effectRef idx="0">
-            <a:schemeClr val="accent1"/>
-          </a:effectRef>
-          <a:fontRef idx="minor">
-            <a:schemeClr val="lt1"/>
-          </a:fontRef>
-        </p:style>
-        <p:txBody>
-          <a:bodyPr rtlCol="0" anchor="ctr"/>
-          <a:lstStyle/>
-          <a:p>
-            <a:pPr algn="ctr"/>
-            <a:endParaRPr kumimoji="1" lang="ja-JP" altLang="en-US"/>
-          </a:p>
-        </p:txBody>
-      </p:sp>
-      <p:sp>
-        <p:nvSpPr>
-          <p:cNvPr id="13" name="テキスト ボックス 12"/>
-          <p:cNvSpPr txBox="1"/>
-          <p:nvPr/>
-        </p:nvSpPr>
-        <p:spPr>
-          <a:xfrm>
-            <a:off x="3065305" y="2242651"/>
-            <a:ext cx="1364476" cy="523220"/>
-          </a:xfrm>
-          <a:prstGeom prst="rect">
-            <a:avLst/>
-          </a:prstGeom>
-          <a:solidFill>
-            <a:schemeClr val="tx2"/>
-          </a:solidFill>
-        </p:spPr>
-        <p:txBody>
-          <a:bodyPr wrap="none" rtlCol="0">
-            <a:spAutoFit/>
-          </a:bodyPr>
-          <a:lstStyle/>
-          <a:p>
-            <a:r>
-              <a:rPr kumimoji="1" lang="ja-JP" altLang="en-US" sz="2800" b="1" dirty="0" smtClean="0">
-                <a:solidFill>
-                  <a:schemeClr val="accent6"/>
-                </a:solidFill>
-              </a:rPr>
-              <a:t>エディタ</a:t>
-            </a:r>
-            <a:endParaRPr kumimoji="1" lang="ja-JP" altLang="en-US" sz="2800" b="1" dirty="0">
-              <a:solidFill>
-                <a:schemeClr val="accent6"/>
-              </a:solidFill>
-            </a:endParaRPr>
-          </a:p>
-        </p:txBody>
-      </p:sp>
-      <p:sp>
-        <p:nvSpPr>
-          <p:cNvPr id="14" name="角丸四角形 13"/>
-          <p:cNvSpPr/>
-          <p:nvPr/>
-        </p:nvSpPr>
-        <p:spPr>
-          <a:xfrm>
-            <a:off x="6909802" y="3059206"/>
-            <a:ext cx="4523772" cy="3597087"/>
-          </a:xfrm>
-          <a:prstGeom prst="roundRect">
-            <a:avLst>
-              <a:gd name="adj" fmla="val 6239"/>
-            </a:avLst>
-          </a:prstGeom>
-          <a:noFill/>
-          <a:ln w="57150">
+          <a:ln>
             <a:solidFill>
               <a:schemeClr val="accent2"/>
             </a:solidFill>
@@ -6992,14 +12571,14 @@
       </p:sp>
       <p:sp>
         <p:nvSpPr>
-          <p:cNvPr id="15" name="テキスト ボックス 14"/>
+          <p:cNvPr id="8" name="テキスト ボックス 7"/>
           <p:cNvSpPr txBox="1"/>
           <p:nvPr/>
         </p:nvSpPr>
         <p:spPr>
           <a:xfrm>
-            <a:off x="7427911" y="4930247"/>
-            <a:ext cx="3738524" cy="954107"/>
+            <a:off x="10530968" y="0"/>
+            <a:ext cx="1661032" cy="523220"/>
           </a:xfrm>
           <a:prstGeom prst="rect">
             <a:avLst/>
@@ -7015,113 +12594,16 @@
           <a:lstStyle/>
           <a:p>
             <a:r>
-              <a:rPr kumimoji="1" lang="ja-JP" altLang="en-US" sz="2800" b="1" dirty="0" smtClean="0">
+              <a:rPr kumimoji="1" lang="en-US" altLang="ja-JP" sz="2800" b="1" dirty="0" smtClean="0">
                 <a:solidFill>
-                  <a:schemeClr val="accent2"/>
+                  <a:srgbClr val="FFC000"/>
                 </a:solidFill>
               </a:rPr>
-              <a:t>グラフ・ファイル・</a:t>
-            </a:r>
-            <a:endParaRPr kumimoji="1" lang="en-US" altLang="ja-JP" sz="2800" b="1" dirty="0" smtClean="0">
-              <a:solidFill>
-                <a:schemeClr val="accent2"/>
-              </a:solidFill>
-            </a:endParaRPr>
-          </a:p>
-          <a:p>
-            <a:r>
-              <a:rPr lang="ja-JP" altLang="en-US" sz="2800" b="1" dirty="0" smtClean="0">
-                <a:solidFill>
-                  <a:schemeClr val="accent2"/>
-                </a:solidFill>
-              </a:rPr>
-              <a:t>ヘルプ・パッケージ管理</a:t>
+              <a:t>Hands-On</a:t>
             </a:r>
             <a:endParaRPr kumimoji="1" lang="ja-JP" altLang="en-US" sz="2800" b="1" dirty="0">
               <a:solidFill>
-                <a:schemeClr val="accent2"/>
-              </a:solidFill>
-            </a:endParaRPr>
-          </a:p>
-        </p:txBody>
-      </p:sp>
-      <p:sp>
-        <p:nvSpPr>
-          <p:cNvPr id="16" name="角丸四角形 15"/>
-          <p:cNvSpPr/>
-          <p:nvPr/>
-        </p:nvSpPr>
-        <p:spPr>
-          <a:xfrm>
-            <a:off x="6826879" y="898712"/>
-            <a:ext cx="4523772" cy="2086536"/>
-          </a:xfrm>
-          <a:prstGeom prst="roundRect">
-            <a:avLst>
-              <a:gd name="adj" fmla="val 6239"/>
-            </a:avLst>
-          </a:prstGeom>
-          <a:noFill/>
-          <a:ln w="38100"/>
-        </p:spPr>
-        <p:style>
-          <a:lnRef idx="2">
-            <a:schemeClr val="dk1"/>
-          </a:lnRef>
-          <a:fillRef idx="1">
-            <a:schemeClr val="lt1"/>
-          </a:fillRef>
-          <a:effectRef idx="0">
-            <a:schemeClr val="dk1"/>
-          </a:effectRef>
-          <a:fontRef idx="minor">
-            <a:schemeClr val="dk1"/>
-          </a:fontRef>
-        </p:style>
-        <p:txBody>
-          <a:bodyPr rtlCol="0" anchor="ctr"/>
-          <a:lstStyle/>
-          <a:p>
-            <a:pPr algn="ctr"/>
-            <a:endParaRPr kumimoji="1" lang="ja-JP" altLang="en-US"/>
-          </a:p>
-        </p:txBody>
-      </p:sp>
-      <p:sp>
-        <p:nvSpPr>
-          <p:cNvPr id="17" name="テキスト ボックス 16"/>
-          <p:cNvSpPr txBox="1"/>
-          <p:nvPr/>
-        </p:nvSpPr>
-        <p:spPr>
-          <a:xfrm>
-            <a:off x="7344988" y="2231871"/>
-            <a:ext cx="3502882" cy="523220"/>
-          </a:xfrm>
-          <a:prstGeom prst="rect">
-            <a:avLst/>
-          </a:prstGeom>
-          <a:solidFill>
-            <a:schemeClr val="tx2"/>
-          </a:solidFill>
-        </p:spPr>
-        <p:txBody>
-          <a:bodyPr wrap="none" rtlCol="0">
-            <a:spAutoFit/>
-          </a:bodyPr>
-          <a:lstStyle/>
-          <a:p>
-            <a:r>
-              <a:rPr kumimoji="1" lang="ja-JP" altLang="en-US" sz="2800" b="1" dirty="0" smtClean="0">
-                <a:solidFill>
-                  <a:schemeClr val="bg1"/>
-                </a:solidFill>
-              </a:rPr>
-              <a:t>オブジェクト・履歴など</a:t>
-            </a:r>
-            <a:endParaRPr kumimoji="1" lang="ja-JP" altLang="en-US" sz="2800" b="1" dirty="0">
-              <a:solidFill>
-                <a:schemeClr val="bg1"/>
+                <a:srgbClr val="FFC000"/>
               </a:solidFill>
             </a:endParaRPr>
           </a:p>
@@ -7130,7 +12612,7 @@
     </p:spTree>
     <p:extLst>
       <p:ext uri="{BB962C8B-B14F-4D97-AF65-F5344CB8AC3E}">
-        <p14:creationId xmlns:p14="http://schemas.microsoft.com/office/powerpoint/2010/main" val="1817667451"/>
+        <p14:creationId xmlns:p14="http://schemas.microsoft.com/office/powerpoint/2010/main" val="3167005261"/>
       </p:ext>
     </p:extLst>
   </p:cSld>
